--- a/Presentation.pptx
+++ b/Presentation.pptx
@@ -222,7 +222,7 @@
           <a:p>
             <a:fld id="{22AF1D2C-FAF0-48F4-83ED-E72EE2A9CAB9}" type="datetimeFigureOut">
               <a:rPr lang="zh-CN" altLang="en-US" smtClean="0"/>
-              <a:t>2025/8/16</a:t>
+              <a:t>2025/8/21</a:t>
             </a:fld>
             <a:endParaRPr lang="zh-CN" altLang="en-US"/>
           </a:p>
@@ -2445,7 +2445,7 @@
           <a:p>
             <a:fld id="{C2DB3A36-2636-4F70-8358-2C020F2EC4F1}" type="datetime1">
               <a:rPr lang="zh-CN" altLang="en-US" smtClean="0"/>
-              <a:t>2025/8/16</a:t>
+              <a:t>2025/8/21</a:t>
             </a:fld>
             <a:endParaRPr lang="zh-CN" altLang="en-US"/>
           </a:p>
@@ -2608,7 +2608,7 @@
           <a:p>
             <a:fld id="{4AB3E7ED-1F97-476F-AF45-F6ECEC92B97E}" type="datetime1">
               <a:rPr lang="zh-CN" altLang="en-US" smtClean="0"/>
-              <a:t>2025/8/16</a:t>
+              <a:t>2025/8/21</a:t>
             </a:fld>
             <a:endParaRPr lang="zh-CN" altLang="en-US"/>
           </a:p>
@@ -2781,7 +2781,7 @@
           <a:p>
             <a:fld id="{C8F20EED-F179-4584-9E0C-6714266207E3}" type="datetime1">
               <a:rPr lang="zh-CN" altLang="en-US" smtClean="0"/>
-              <a:t>2025/8/16</a:t>
+              <a:t>2025/8/21</a:t>
             </a:fld>
             <a:endParaRPr lang="zh-CN" altLang="en-US"/>
           </a:p>
@@ -2944,7 +2944,7 @@
           <a:p>
             <a:fld id="{3E9EEFC1-AB74-421E-BABD-1AB25117FF42}" type="datetime1">
               <a:rPr lang="zh-CN" altLang="en-US" smtClean="0"/>
-              <a:t>2025/8/16</a:t>
+              <a:t>2025/8/21</a:t>
             </a:fld>
             <a:endParaRPr lang="zh-CN" altLang="en-US"/>
           </a:p>
@@ -3184,7 +3184,7 @@
           <a:p>
             <a:fld id="{2C1C2A7A-9E0C-4885-96BB-CDDBBE005C4E}" type="datetime1">
               <a:rPr lang="zh-CN" altLang="en-US" smtClean="0"/>
-              <a:t>2025/8/16</a:t>
+              <a:t>2025/8/21</a:t>
             </a:fld>
             <a:endParaRPr lang="zh-CN" altLang="en-US"/>
           </a:p>
@@ -3408,7 +3408,7 @@
           <a:p>
             <a:fld id="{5A1DF315-9E29-4ACD-ABEE-D6EC5E6AAF2C}" type="datetime1">
               <a:rPr lang="zh-CN" altLang="en-US" smtClean="0"/>
-              <a:t>2025/8/16</a:t>
+              <a:t>2025/8/21</a:t>
             </a:fld>
             <a:endParaRPr lang="zh-CN" altLang="en-US"/>
           </a:p>
@@ -3767,7 +3767,7 @@
           <a:p>
             <a:fld id="{EC7B57C4-D348-4666-B583-697B242C5FBB}" type="datetime1">
               <a:rPr lang="zh-CN" altLang="en-US" smtClean="0"/>
-              <a:t>2025/8/16</a:t>
+              <a:t>2025/8/21</a:t>
             </a:fld>
             <a:endParaRPr lang="zh-CN" altLang="en-US"/>
           </a:p>
@@ -3879,7 +3879,7 @@
           <a:p>
             <a:fld id="{D1398E7A-313D-488D-85D8-AC7FBB6D87C8}" type="datetime1">
               <a:rPr lang="zh-CN" altLang="en-US" smtClean="0"/>
-              <a:t>2025/8/16</a:t>
+              <a:t>2025/8/21</a:t>
             </a:fld>
             <a:endParaRPr lang="zh-CN" altLang="en-US"/>
           </a:p>
@@ -3969,7 +3969,7 @@
           <a:p>
             <a:fld id="{1AA5AF60-8745-441D-B22C-F3BBE63B6672}" type="datetime1">
               <a:rPr lang="zh-CN" altLang="en-US" smtClean="0"/>
-              <a:t>2025/8/16</a:t>
+              <a:t>2025/8/21</a:t>
             </a:fld>
             <a:endParaRPr lang="zh-CN" altLang="en-US"/>
           </a:p>
@@ -4239,7 +4239,7 @@
           <a:p>
             <a:fld id="{41F14423-3D55-44BF-904B-A52B5A518EDD}" type="datetime1">
               <a:rPr lang="zh-CN" altLang="en-US" smtClean="0"/>
-              <a:t>2025/8/16</a:t>
+              <a:t>2025/8/21</a:t>
             </a:fld>
             <a:endParaRPr lang="zh-CN" altLang="en-US"/>
           </a:p>
@@ -4486,7 +4486,7 @@
           <a:p>
             <a:fld id="{3BA8EB87-1A7B-4F77-ACF0-B4FC044FCEC3}" type="datetime1">
               <a:rPr lang="zh-CN" altLang="en-US" smtClean="0"/>
-              <a:t>2025/8/16</a:t>
+              <a:t>2025/8/21</a:t>
             </a:fld>
             <a:endParaRPr lang="zh-CN" altLang="en-US"/>
           </a:p>
@@ -4692,7 +4692,7 @@
           <a:p>
             <a:fld id="{F0E7C935-1142-4D9D-B5B3-A0986099069D}" type="datetime1">
               <a:rPr lang="zh-CN" altLang="en-US" smtClean="0"/>
-              <a:t>2025/8/16</a:t>
+              <a:t>2025/8/21</a:t>
             </a:fld>
             <a:endParaRPr lang="zh-CN" altLang="en-US"/>
           </a:p>
@@ -8783,6 +8783,386 @@
           </a:p>
         </p:txBody>
       </p:sp>
+      <p:sp>
+        <p:nvSpPr>
+          <p:cNvPr id="2" name="文本框 1">
+            <a:extLst>
+              <a:ext uri="{FF2B5EF4-FFF2-40B4-BE49-F238E27FC236}">
+                <a16:creationId xmlns:a16="http://schemas.microsoft.com/office/drawing/2014/main" id="{6E8533EB-A6A2-E2C5-80E3-CF4FEED75356}"/>
+              </a:ext>
+            </a:extLst>
+          </p:cNvPr>
+          <p:cNvSpPr txBox="1"/>
+          <p:nvPr/>
+        </p:nvSpPr>
+        <p:spPr>
+          <a:xfrm>
+            <a:off x="360000" y="1562400"/>
+            <a:ext cx="11832000" cy="4739759"/>
+          </a:xfrm>
+          <a:prstGeom prst="rect">
+            <a:avLst/>
+          </a:prstGeom>
+          <a:noFill/>
+        </p:spPr>
+        <p:txBody>
+          <a:bodyPr wrap="square" rtlCol="0">
+            <a:spAutoFit/>
+          </a:bodyPr>
+          <a:lstStyle/>
+          <a:p>
+            <a:r>
+              <a:rPr lang="en-US" altLang="zh-CN" dirty="0">
+                <a:latin typeface="Times New Roman" panose="02020603050405020304" pitchFamily="18" charset="0"/>
+                <a:cs typeface="Times New Roman" panose="02020603050405020304" pitchFamily="18" charset="0"/>
+              </a:rPr>
+              <a:t>Traditional RAG: OCR                  Chunks                  Embedding                  Recall &amp; Re-rank</a:t>
+            </a:r>
+          </a:p>
+          <a:p>
+            <a:endParaRPr lang="en-US" altLang="zh-CN" dirty="0">
+              <a:latin typeface="Times New Roman" panose="02020603050405020304" pitchFamily="18" charset="0"/>
+              <a:cs typeface="Times New Roman" panose="02020603050405020304" pitchFamily="18" charset="0"/>
+            </a:endParaRPr>
+          </a:p>
+          <a:p>
+            <a:r>
+              <a:rPr lang="en-US" altLang="zh-CN" sz="1400" i="1" dirty="0">
+                <a:solidFill>
+                  <a:srgbClr val="FF0000"/>
+                </a:solidFill>
+                <a:latin typeface="Times New Roman" panose="02020603050405020304" pitchFamily="18" charset="0"/>
+                <a:cs typeface="Times New Roman" panose="02020603050405020304" pitchFamily="18" charset="0"/>
+              </a:rPr>
+              <a:t>Something is lost: Layout, Table Structure, Images, Hyperlink…</a:t>
+            </a:r>
+          </a:p>
+          <a:p>
+            <a:endParaRPr lang="en-US" altLang="zh-CN" dirty="0">
+              <a:latin typeface="Times New Roman" panose="02020603050405020304" pitchFamily="18" charset="0"/>
+              <a:cs typeface="Times New Roman" panose="02020603050405020304" pitchFamily="18" charset="0"/>
+            </a:endParaRPr>
+          </a:p>
+          <a:p>
+            <a:endParaRPr lang="en-US" altLang="zh-CN" dirty="0">
+              <a:latin typeface="Times New Roman" panose="02020603050405020304" pitchFamily="18" charset="0"/>
+              <a:cs typeface="Times New Roman" panose="02020603050405020304" pitchFamily="18" charset="0"/>
+            </a:endParaRPr>
+          </a:p>
+          <a:p>
+            <a:r>
+              <a:rPr lang="en-US" altLang="zh-CN" dirty="0">
+                <a:highlight>
+                  <a:srgbClr val="00FFFF"/>
+                </a:highlight>
+                <a:latin typeface="Times New Roman" panose="02020603050405020304" pitchFamily="18" charset="0"/>
+                <a:cs typeface="Times New Roman" panose="02020603050405020304" pitchFamily="18" charset="0"/>
+              </a:rPr>
+              <a:t>What we really like!                 Layout, charts, tables, fonts, and other visual cues remains semantically consistent!</a:t>
+            </a:r>
+          </a:p>
+          <a:p>
+            <a:endParaRPr lang="en-US" altLang="zh-CN" dirty="0">
+              <a:highlight>
+                <a:srgbClr val="00FFFF"/>
+              </a:highlight>
+              <a:latin typeface="Times New Roman" panose="02020603050405020304" pitchFamily="18" charset="0"/>
+              <a:cs typeface="Times New Roman" panose="02020603050405020304" pitchFamily="18" charset="0"/>
+            </a:endParaRPr>
+          </a:p>
+          <a:p>
+            <a:endParaRPr lang="en-US" altLang="zh-CN" dirty="0">
+              <a:highlight>
+                <a:srgbClr val="00FFFF"/>
+              </a:highlight>
+              <a:latin typeface="Times New Roman" panose="02020603050405020304" pitchFamily="18" charset="0"/>
+              <a:cs typeface="Times New Roman" panose="02020603050405020304" pitchFamily="18" charset="0"/>
+            </a:endParaRPr>
+          </a:p>
+          <a:p>
+            <a:r>
+              <a:rPr lang="en-US" altLang="zh-CN" dirty="0">
+                <a:latin typeface="Times New Roman" panose="02020603050405020304" pitchFamily="18" charset="0"/>
+                <a:cs typeface="Times New Roman" panose="02020603050405020304" pitchFamily="18" charset="0"/>
+              </a:rPr>
+              <a:t>What we really want</a:t>
+            </a:r>
+          </a:p>
+          <a:p>
+            <a:endParaRPr lang="en-US" altLang="zh-CN" dirty="0">
+              <a:highlight>
+                <a:srgbClr val="FFFF00"/>
+              </a:highlight>
+              <a:latin typeface="Times New Roman" panose="02020603050405020304" pitchFamily="18" charset="0"/>
+              <a:cs typeface="Times New Roman" panose="02020603050405020304" pitchFamily="18" charset="0"/>
+            </a:endParaRPr>
+          </a:p>
+          <a:p>
+            <a:r>
+              <a:rPr lang="en-US" altLang="zh-CN" dirty="0">
+                <a:solidFill>
+                  <a:srgbClr val="FF0000"/>
+                </a:solidFill>
+                <a:latin typeface="Times New Roman" panose="02020603050405020304" pitchFamily="18" charset="0"/>
+                <a:cs typeface="Times New Roman" panose="02020603050405020304" pitchFamily="18" charset="0"/>
+              </a:rPr>
+              <a:t>Faster!</a:t>
+            </a:r>
+          </a:p>
+          <a:p>
+            <a:r>
+              <a:rPr lang="en-US" altLang="zh-CN" dirty="0">
+                <a:solidFill>
+                  <a:srgbClr val="FF0000"/>
+                </a:solidFill>
+                <a:latin typeface="Times New Roman" panose="02020603050405020304" pitchFamily="18" charset="0"/>
+                <a:cs typeface="Times New Roman" panose="02020603050405020304" pitchFamily="18" charset="0"/>
+              </a:rPr>
+              <a:t>Precise</a:t>
+            </a:r>
+          </a:p>
+          <a:p>
+            <a:r>
+              <a:rPr lang="en-US" altLang="zh-CN" dirty="0">
+                <a:solidFill>
+                  <a:srgbClr val="FF0000"/>
+                </a:solidFill>
+                <a:latin typeface="Times New Roman" panose="02020603050405020304" pitchFamily="18" charset="0"/>
+                <a:cs typeface="Times New Roman" panose="02020603050405020304" pitchFamily="18" charset="0"/>
+              </a:rPr>
+              <a:t>Various Input formula</a:t>
+            </a:r>
+          </a:p>
+          <a:p>
+            <a:r>
+              <a:rPr lang="en-US" altLang="zh-CN" dirty="0">
+                <a:solidFill>
+                  <a:srgbClr val="FF0000"/>
+                </a:solidFill>
+                <a:latin typeface="Times New Roman" panose="02020603050405020304" pitchFamily="18" charset="0"/>
+                <a:cs typeface="Times New Roman" panose="02020603050405020304" pitchFamily="18" charset="0"/>
+              </a:rPr>
+              <a:t>Stability</a:t>
+            </a:r>
+          </a:p>
+          <a:p>
+            <a:r>
+              <a:rPr lang="en-US" altLang="zh-CN" dirty="0">
+                <a:solidFill>
+                  <a:srgbClr val="FF0000"/>
+                </a:solidFill>
+                <a:latin typeface="Times New Roman" panose="02020603050405020304" pitchFamily="18" charset="0"/>
+                <a:cs typeface="Times New Roman" panose="02020603050405020304" pitchFamily="18" charset="0"/>
+              </a:rPr>
+              <a:t>Generalization</a:t>
+            </a:r>
+          </a:p>
+          <a:p>
+            <a:endParaRPr lang="en-US" altLang="zh-CN" dirty="0">
+              <a:highlight>
+                <a:srgbClr val="FFFF00"/>
+              </a:highlight>
+              <a:latin typeface="Times New Roman" panose="02020603050405020304" pitchFamily="18" charset="0"/>
+              <a:cs typeface="Times New Roman" panose="02020603050405020304" pitchFamily="18" charset="0"/>
+            </a:endParaRPr>
+          </a:p>
+          <a:p>
+            <a:r>
+              <a:rPr lang="en-US" altLang="zh-CN" dirty="0">
+                <a:highlight>
+                  <a:srgbClr val="FFFF00"/>
+                </a:highlight>
+                <a:latin typeface="Times New Roman" panose="02020603050405020304" pitchFamily="18" charset="0"/>
+                <a:cs typeface="Times New Roman" panose="02020603050405020304" pitchFamily="18" charset="0"/>
+              </a:rPr>
+              <a:t>                 </a:t>
+            </a:r>
+            <a:endParaRPr lang="zh-CN" altLang="en-US" dirty="0">
+              <a:highlight>
+                <a:srgbClr val="FFFF00"/>
+              </a:highlight>
+              <a:latin typeface="Times New Roman" panose="02020603050405020304" pitchFamily="18" charset="0"/>
+              <a:cs typeface="Times New Roman" panose="02020603050405020304" pitchFamily="18" charset="0"/>
+            </a:endParaRPr>
+          </a:p>
+        </p:txBody>
+      </p:sp>
+      <p:sp>
+        <p:nvSpPr>
+          <p:cNvPr id="5" name="箭头: 右 4">
+            <a:extLst>
+              <a:ext uri="{FF2B5EF4-FFF2-40B4-BE49-F238E27FC236}">
+                <a16:creationId xmlns:a16="http://schemas.microsoft.com/office/drawing/2014/main" id="{3A96AD7F-8E7F-2B0F-4F32-9D3A3514C02C}"/>
+              </a:ext>
+            </a:extLst>
+          </p:cNvPr>
+          <p:cNvSpPr/>
+          <p:nvPr/>
+        </p:nvSpPr>
+        <p:spPr>
+          <a:xfrm>
+            <a:off x="2743200" y="1602355"/>
+            <a:ext cx="806400" cy="307777"/>
+          </a:xfrm>
+          <a:prstGeom prst="rightArrow">
+            <a:avLst/>
+          </a:prstGeom>
+        </p:spPr>
+        <p:style>
+          <a:lnRef idx="0">
+            <a:schemeClr val="accent2"/>
+          </a:lnRef>
+          <a:fillRef idx="3">
+            <a:schemeClr val="accent2"/>
+          </a:fillRef>
+          <a:effectRef idx="3">
+            <a:schemeClr val="accent2"/>
+          </a:effectRef>
+          <a:fontRef idx="minor">
+            <a:schemeClr val="lt1"/>
+          </a:fontRef>
+        </p:style>
+        <p:txBody>
+          <a:bodyPr rtlCol="0" anchor="ctr"/>
+          <a:lstStyle/>
+          <a:p>
+            <a:pPr algn="ctr"/>
+            <a:endParaRPr lang="zh-CN" altLang="en-US"/>
+          </a:p>
+        </p:txBody>
+      </p:sp>
+      <p:sp>
+        <p:nvSpPr>
+          <p:cNvPr id="6" name="箭头: 右 5">
+            <a:extLst>
+              <a:ext uri="{FF2B5EF4-FFF2-40B4-BE49-F238E27FC236}">
+                <a16:creationId xmlns:a16="http://schemas.microsoft.com/office/drawing/2014/main" id="{B90E3B6C-24FF-E148-6F89-AF973D5184E4}"/>
+              </a:ext>
+            </a:extLst>
+          </p:cNvPr>
+          <p:cNvSpPr/>
+          <p:nvPr/>
+        </p:nvSpPr>
+        <p:spPr>
+          <a:xfrm>
+            <a:off x="4465200" y="1602355"/>
+            <a:ext cx="806400" cy="307777"/>
+          </a:xfrm>
+          <a:prstGeom prst="rightArrow">
+            <a:avLst/>
+          </a:prstGeom>
+        </p:spPr>
+        <p:style>
+          <a:lnRef idx="0">
+            <a:schemeClr val="accent2"/>
+          </a:lnRef>
+          <a:fillRef idx="3">
+            <a:schemeClr val="accent2"/>
+          </a:fillRef>
+          <a:effectRef idx="3">
+            <a:schemeClr val="accent2"/>
+          </a:effectRef>
+          <a:fontRef idx="minor">
+            <a:schemeClr val="lt1"/>
+          </a:fontRef>
+        </p:style>
+        <p:txBody>
+          <a:bodyPr rtlCol="0" anchor="ctr"/>
+          <a:lstStyle/>
+          <a:p>
+            <a:pPr algn="ctr"/>
+            <a:endParaRPr lang="zh-CN" altLang="en-US"/>
+          </a:p>
+        </p:txBody>
+      </p:sp>
+      <p:sp>
+        <p:nvSpPr>
+          <p:cNvPr id="7" name="箭头: 右 6">
+            <a:extLst>
+              <a:ext uri="{FF2B5EF4-FFF2-40B4-BE49-F238E27FC236}">
+                <a16:creationId xmlns:a16="http://schemas.microsoft.com/office/drawing/2014/main" id="{C7A39B71-BB16-87CD-6BC3-B429A84D456C}"/>
+              </a:ext>
+            </a:extLst>
+          </p:cNvPr>
+          <p:cNvSpPr/>
+          <p:nvPr/>
+        </p:nvSpPr>
+        <p:spPr>
+          <a:xfrm>
+            <a:off x="6517202" y="1602355"/>
+            <a:ext cx="806400" cy="307777"/>
+          </a:xfrm>
+          <a:prstGeom prst="rightArrow">
+            <a:avLst/>
+          </a:prstGeom>
+        </p:spPr>
+        <p:style>
+          <a:lnRef idx="0">
+            <a:schemeClr val="accent2"/>
+          </a:lnRef>
+          <a:fillRef idx="3">
+            <a:schemeClr val="accent2"/>
+          </a:fillRef>
+          <a:effectRef idx="3">
+            <a:schemeClr val="accent2"/>
+          </a:effectRef>
+          <a:fontRef idx="minor">
+            <a:schemeClr val="lt1"/>
+          </a:fontRef>
+        </p:style>
+        <p:txBody>
+          <a:bodyPr rtlCol="0" anchor="ctr"/>
+          <a:lstStyle/>
+          <a:p>
+            <a:pPr algn="ctr"/>
+            <a:endParaRPr lang="zh-CN" altLang="en-US"/>
+          </a:p>
+        </p:txBody>
+      </p:sp>
+      <p:sp>
+        <p:nvSpPr>
+          <p:cNvPr id="8" name="箭头: 右 7">
+            <a:extLst>
+              <a:ext uri="{FF2B5EF4-FFF2-40B4-BE49-F238E27FC236}">
+                <a16:creationId xmlns:a16="http://schemas.microsoft.com/office/drawing/2014/main" id="{F7E07B91-A574-100F-F064-17AC8462FD20}"/>
+              </a:ext>
+            </a:extLst>
+          </p:cNvPr>
+          <p:cNvSpPr/>
+          <p:nvPr/>
+        </p:nvSpPr>
+        <p:spPr>
+          <a:xfrm>
+            <a:off x="2413200" y="2883145"/>
+            <a:ext cx="806400" cy="307777"/>
+          </a:xfrm>
+          <a:prstGeom prst="rightArrow">
+            <a:avLst/>
+          </a:prstGeom>
+        </p:spPr>
+        <p:style>
+          <a:lnRef idx="0">
+            <a:schemeClr val="accent2"/>
+          </a:lnRef>
+          <a:fillRef idx="3">
+            <a:schemeClr val="accent2"/>
+          </a:fillRef>
+          <a:effectRef idx="3">
+            <a:schemeClr val="accent2"/>
+          </a:effectRef>
+          <a:fontRef idx="minor">
+            <a:schemeClr val="lt1"/>
+          </a:fontRef>
+        </p:style>
+        <p:txBody>
+          <a:bodyPr rtlCol="0" anchor="ctr"/>
+          <a:lstStyle/>
+          <a:p>
+            <a:pPr algn="ctr"/>
+            <a:endParaRPr lang="zh-CN" altLang="en-US"/>
+          </a:p>
+        </p:txBody>
+      </p:sp>
     </p:spTree>
   </p:cSld>
   <p:clrMapOvr>
@@ -8816,8 +9196,8 @@
         </p:nvSpPr>
         <p:spPr>
           <a:xfrm>
-            <a:off x="261577" y="190366"/>
-            <a:ext cx="3615092" cy="584775"/>
+            <a:off x="97269" y="190366"/>
+            <a:ext cx="3943708" cy="584775"/>
           </a:xfrm>
           <a:prstGeom prst="rect">
             <a:avLst/>
@@ -8861,7 +9241,7 @@
                   </a:outerShdw>
                 </a:effectLst>
               </a:rPr>
-              <a:t>Experience</a:t>
+              <a:t>Experience 1</a:t>
             </a:r>
             <a:endParaRPr lang="zh-CN" altLang="en-US" sz="3200" b="0" cap="none" spc="0" dirty="0">
               <a:ln w="0"/>
@@ -8902,20 +9282,416 @@
           </a:p>
         </p:txBody>
       </p:sp>
+      <p:pic>
+        <p:nvPicPr>
+          <p:cNvPr id="8" name="图片 7">
+            <a:extLst>
+              <a:ext uri="{FF2B5EF4-FFF2-40B4-BE49-F238E27FC236}">
+                <a16:creationId xmlns:a16="http://schemas.microsoft.com/office/drawing/2014/main" id="{D8224095-3528-13EB-E7F5-2A766E5C04D7}"/>
+              </a:ext>
+            </a:extLst>
+          </p:cNvPr>
+          <p:cNvPicPr>
+            <a:picLocks noChangeAspect="1"/>
+          </p:cNvPicPr>
+          <p:nvPr/>
+        </p:nvPicPr>
+        <p:blipFill>
+          <a:blip r:embed="rId3" cstate="print">
+            <a:extLst>
+              <a:ext uri="{28A0092B-C50C-407E-A947-70E740481C1C}">
+                <a14:useLocalDpi xmlns:a14="http://schemas.microsoft.com/office/drawing/2010/main" val="0"/>
+              </a:ext>
+            </a:extLst>
+          </a:blip>
+          <a:stretch>
+            <a:fillRect/>
+          </a:stretch>
+        </p:blipFill>
+        <p:spPr>
+          <a:xfrm>
+            <a:off x="3654554" y="775141"/>
+            <a:ext cx="4882892" cy="5079172"/>
+          </a:xfrm>
+          <a:prstGeom prst="rect">
+            <a:avLst/>
+          </a:prstGeom>
+        </p:spPr>
+      </p:pic>
       <p:sp>
         <p:nvSpPr>
-          <p:cNvPr id="2" name="Body-1"/>
+          <p:cNvPr id="9" name="文本框 8">
+            <a:extLst>
+              <a:ext uri="{FF2B5EF4-FFF2-40B4-BE49-F238E27FC236}">
+                <a16:creationId xmlns:a16="http://schemas.microsoft.com/office/drawing/2014/main" id="{B62B71BD-5161-0237-A5C9-C5C12DB0699F}"/>
+              </a:ext>
+            </a:extLst>
+          </p:cNvPr>
           <p:cNvSpPr txBox="1"/>
-          <p:nvPr>
-            <p:custDataLst>
-              <p:tags r:id="rId1"/>
-            </p:custDataLst>
-          </p:nvPr>
+          <p:nvPr/>
         </p:nvSpPr>
         <p:spPr>
           <a:xfrm>
-            <a:off x="3731047" y="1446849"/>
-            <a:ext cx="5056192" cy="307777"/>
+            <a:off x="1002500" y="2568800"/>
+            <a:ext cx="3139200" cy="2031325"/>
+          </a:xfrm>
+          <a:prstGeom prst="rect">
+            <a:avLst/>
+          </a:prstGeom>
+          <a:noFill/>
+        </p:spPr>
+        <p:txBody>
+          <a:bodyPr wrap="square" rtlCol="0">
+            <a:spAutoFit/>
+          </a:bodyPr>
+          <a:lstStyle/>
+          <a:p>
+            <a:r>
+              <a:rPr lang="en-US" altLang="zh-CN" dirty="0" err="1">
+                <a:latin typeface="Times New Roman" panose="02020603050405020304" pitchFamily="18" charset="0"/>
+                <a:cs typeface="Times New Roman" panose="02020603050405020304" pitchFamily="18" charset="0"/>
+              </a:rPr>
+              <a:t>ColBERT</a:t>
+            </a:r>
+            <a:endParaRPr lang="en-US" altLang="zh-CN" dirty="0">
+              <a:latin typeface="Times New Roman" panose="02020603050405020304" pitchFamily="18" charset="0"/>
+              <a:cs typeface="Times New Roman" panose="02020603050405020304" pitchFamily="18" charset="0"/>
+            </a:endParaRPr>
+          </a:p>
+          <a:p>
+            <a:endParaRPr lang="en-US" altLang="zh-CN" dirty="0">
+              <a:latin typeface="Times New Roman" panose="02020603050405020304" pitchFamily="18" charset="0"/>
+              <a:cs typeface="Times New Roman" panose="02020603050405020304" pitchFamily="18" charset="0"/>
+            </a:endParaRPr>
+          </a:p>
+          <a:p>
+            <a:endParaRPr lang="en-US" altLang="zh-CN" dirty="0">
+              <a:latin typeface="Times New Roman" panose="02020603050405020304" pitchFamily="18" charset="0"/>
+              <a:cs typeface="Times New Roman" panose="02020603050405020304" pitchFamily="18" charset="0"/>
+            </a:endParaRPr>
+          </a:p>
+          <a:p>
+            <a:r>
+              <a:rPr lang="en-US" altLang="zh-CN" dirty="0" err="1">
+                <a:latin typeface="Times New Roman" panose="02020603050405020304" pitchFamily="18" charset="0"/>
+                <a:cs typeface="Times New Roman" panose="02020603050405020304" pitchFamily="18" charset="0"/>
+              </a:rPr>
+              <a:t>ColPali</a:t>
+            </a:r>
+            <a:endParaRPr lang="en-US" altLang="zh-CN" dirty="0">
+              <a:latin typeface="Times New Roman" panose="02020603050405020304" pitchFamily="18" charset="0"/>
+              <a:cs typeface="Times New Roman" panose="02020603050405020304" pitchFamily="18" charset="0"/>
+            </a:endParaRPr>
+          </a:p>
+          <a:p>
+            <a:endParaRPr lang="en-US" altLang="zh-CN" dirty="0">
+              <a:latin typeface="Times New Roman" panose="02020603050405020304" pitchFamily="18" charset="0"/>
+              <a:cs typeface="Times New Roman" panose="02020603050405020304" pitchFamily="18" charset="0"/>
+            </a:endParaRPr>
+          </a:p>
+          <a:p>
+            <a:endParaRPr lang="en-US" altLang="zh-CN" dirty="0"/>
+          </a:p>
+          <a:p>
+            <a:r>
+              <a:rPr lang="en-US" altLang="zh-CN" dirty="0" err="1">
+                <a:latin typeface="Times New Roman" panose="02020603050405020304" pitchFamily="18" charset="0"/>
+                <a:cs typeface="Times New Roman" panose="02020603050405020304" pitchFamily="18" charset="0"/>
+              </a:rPr>
+              <a:t>ColQwen</a:t>
+            </a:r>
+            <a:endParaRPr lang="zh-CN" altLang="en-US" dirty="0">
+              <a:latin typeface="Times New Roman" panose="02020603050405020304" pitchFamily="18" charset="0"/>
+              <a:cs typeface="Times New Roman" panose="02020603050405020304" pitchFamily="18" charset="0"/>
+            </a:endParaRPr>
+          </a:p>
+        </p:txBody>
+      </p:sp>
+      <p:sp>
+        <p:nvSpPr>
+          <p:cNvPr id="10" name="箭头: 下 9">
+            <a:extLst>
+              <a:ext uri="{FF2B5EF4-FFF2-40B4-BE49-F238E27FC236}">
+                <a16:creationId xmlns:a16="http://schemas.microsoft.com/office/drawing/2014/main" id="{CBD59AB0-C46B-8C52-C400-790090535CAE}"/>
+              </a:ext>
+            </a:extLst>
+          </p:cNvPr>
+          <p:cNvSpPr/>
+          <p:nvPr/>
+        </p:nvSpPr>
+        <p:spPr>
+          <a:xfrm>
+            <a:off x="1296000" y="2939401"/>
+            <a:ext cx="331200" cy="489599"/>
+          </a:xfrm>
+          <a:prstGeom prst="downArrow">
+            <a:avLst/>
+          </a:prstGeom>
+        </p:spPr>
+        <p:style>
+          <a:lnRef idx="2">
+            <a:schemeClr val="accent4">
+              <a:shade val="15000"/>
+            </a:schemeClr>
+          </a:lnRef>
+          <a:fillRef idx="1">
+            <a:schemeClr val="accent4"/>
+          </a:fillRef>
+          <a:effectRef idx="0">
+            <a:schemeClr val="accent4"/>
+          </a:effectRef>
+          <a:fontRef idx="minor">
+            <a:schemeClr val="lt1"/>
+          </a:fontRef>
+        </p:style>
+        <p:txBody>
+          <a:bodyPr rtlCol="0" anchor="ctr"/>
+          <a:lstStyle/>
+          <a:p>
+            <a:pPr algn="ctr"/>
+            <a:endParaRPr lang="zh-CN" altLang="en-US" dirty="0"/>
+          </a:p>
+        </p:txBody>
+      </p:sp>
+      <p:sp>
+        <p:nvSpPr>
+          <p:cNvPr id="11" name="箭头: 下 10">
+            <a:extLst>
+              <a:ext uri="{FF2B5EF4-FFF2-40B4-BE49-F238E27FC236}">
+                <a16:creationId xmlns:a16="http://schemas.microsoft.com/office/drawing/2014/main" id="{F422A4D9-7C73-FD4F-ED1A-C050A5F454A1}"/>
+              </a:ext>
+            </a:extLst>
+          </p:cNvPr>
+          <p:cNvSpPr/>
+          <p:nvPr/>
+        </p:nvSpPr>
+        <p:spPr>
+          <a:xfrm>
+            <a:off x="1296000" y="3799601"/>
+            <a:ext cx="331200" cy="489599"/>
+          </a:xfrm>
+          <a:prstGeom prst="downArrow">
+            <a:avLst/>
+          </a:prstGeom>
+        </p:spPr>
+        <p:style>
+          <a:lnRef idx="2">
+            <a:schemeClr val="accent4">
+              <a:shade val="15000"/>
+            </a:schemeClr>
+          </a:lnRef>
+          <a:fillRef idx="1">
+            <a:schemeClr val="accent4"/>
+          </a:fillRef>
+          <a:effectRef idx="0">
+            <a:schemeClr val="accent4"/>
+          </a:effectRef>
+          <a:fontRef idx="minor">
+            <a:schemeClr val="lt1"/>
+          </a:fontRef>
+        </p:style>
+        <p:txBody>
+          <a:bodyPr rtlCol="0" anchor="ctr"/>
+          <a:lstStyle/>
+          <a:p>
+            <a:pPr algn="ctr"/>
+            <a:endParaRPr lang="zh-CN" altLang="en-US"/>
+          </a:p>
+        </p:txBody>
+      </p:sp>
+      <p:sp>
+        <p:nvSpPr>
+          <p:cNvPr id="12" name="文本框 11">
+            <a:extLst>
+              <a:ext uri="{FF2B5EF4-FFF2-40B4-BE49-F238E27FC236}">
+                <a16:creationId xmlns:a16="http://schemas.microsoft.com/office/drawing/2014/main" id="{9C286EB2-7F8D-0B1A-00AF-7F3DE515BFC0}"/>
+              </a:ext>
+            </a:extLst>
+          </p:cNvPr>
+          <p:cNvSpPr txBox="1"/>
+          <p:nvPr/>
+        </p:nvSpPr>
+        <p:spPr>
+          <a:xfrm>
+            <a:off x="8610600" y="432000"/>
+            <a:ext cx="3484131" cy="923330"/>
+          </a:xfrm>
+          <a:prstGeom prst="rect">
+            <a:avLst/>
+          </a:prstGeom>
+          <a:noFill/>
+        </p:spPr>
+        <p:txBody>
+          <a:bodyPr wrap="square" rtlCol="0">
+            <a:spAutoFit/>
+          </a:bodyPr>
+          <a:lstStyle/>
+          <a:p>
+            <a:r>
+              <a:rPr lang="en-US" altLang="zh-CN" dirty="0">
+                <a:latin typeface="Times New Roman" panose="02020603050405020304" pitchFamily="18" charset="0"/>
+                <a:cs typeface="Times New Roman" panose="02020603050405020304" pitchFamily="18" charset="0"/>
+              </a:rPr>
+              <a:t>Text</a:t>
+            </a:r>
+          </a:p>
+          <a:p>
+            <a:r>
+              <a:rPr lang="en-US" altLang="zh-CN" dirty="0">
+                <a:latin typeface="Times New Roman" panose="02020603050405020304" pitchFamily="18" charset="0"/>
+                <a:cs typeface="Times New Roman" panose="02020603050405020304" pitchFamily="18" charset="0"/>
+              </a:rPr>
+              <a:t>Chart              patch-level vectors</a:t>
+            </a:r>
+          </a:p>
+          <a:p>
+            <a:r>
+              <a:rPr lang="en-US" altLang="zh-CN" dirty="0">
+                <a:latin typeface="Times New Roman" panose="02020603050405020304" pitchFamily="18" charset="0"/>
+                <a:cs typeface="Times New Roman" panose="02020603050405020304" pitchFamily="18" charset="0"/>
+              </a:rPr>
+              <a:t>Table</a:t>
+            </a:r>
+            <a:endParaRPr lang="zh-CN" altLang="en-US" dirty="0">
+              <a:latin typeface="Times New Roman" panose="02020603050405020304" pitchFamily="18" charset="0"/>
+              <a:cs typeface="Times New Roman" panose="02020603050405020304" pitchFamily="18" charset="0"/>
+            </a:endParaRPr>
+          </a:p>
+        </p:txBody>
+      </p:sp>
+      <p:cxnSp>
+        <p:nvCxnSpPr>
+          <p:cNvPr id="17" name="直接箭头连接符 16">
+            <a:extLst>
+              <a:ext uri="{FF2B5EF4-FFF2-40B4-BE49-F238E27FC236}">
+                <a16:creationId xmlns:a16="http://schemas.microsoft.com/office/drawing/2014/main" id="{1CC0F22C-85EA-338E-2740-D4DED3278C8A}"/>
+              </a:ext>
+            </a:extLst>
+          </p:cNvPr>
+          <p:cNvCxnSpPr/>
+          <p:nvPr/>
+        </p:nvCxnSpPr>
+        <p:spPr>
+          <a:xfrm>
+            <a:off x="9156700" y="628650"/>
+            <a:ext cx="768350" cy="265015"/>
+          </a:xfrm>
+          <a:prstGeom prst="straightConnector1">
+            <a:avLst/>
+          </a:prstGeom>
+          <a:ln>
+            <a:tailEnd type="triangle"/>
+          </a:ln>
+        </p:spPr>
+        <p:style>
+          <a:lnRef idx="1">
+            <a:schemeClr val="accent1"/>
+          </a:lnRef>
+          <a:fillRef idx="0">
+            <a:schemeClr val="accent1"/>
+          </a:fillRef>
+          <a:effectRef idx="0">
+            <a:schemeClr val="accent1"/>
+          </a:effectRef>
+          <a:fontRef idx="minor">
+            <a:schemeClr val="tx1"/>
+          </a:fontRef>
+        </p:style>
+      </p:cxnSp>
+      <p:cxnSp>
+        <p:nvCxnSpPr>
+          <p:cNvPr id="19" name="直接箭头连接符 18">
+            <a:extLst>
+              <a:ext uri="{FF2B5EF4-FFF2-40B4-BE49-F238E27FC236}">
+                <a16:creationId xmlns:a16="http://schemas.microsoft.com/office/drawing/2014/main" id="{A14ABAAA-C0C8-66E3-24EA-1108EADABD25}"/>
+              </a:ext>
+            </a:extLst>
+          </p:cNvPr>
+          <p:cNvCxnSpPr/>
+          <p:nvPr/>
+        </p:nvCxnSpPr>
+        <p:spPr>
+          <a:xfrm>
+            <a:off x="9251950" y="921600"/>
+            <a:ext cx="679450" cy="0"/>
+          </a:xfrm>
+          <a:prstGeom prst="straightConnector1">
+            <a:avLst/>
+          </a:prstGeom>
+          <a:ln>
+            <a:tailEnd type="triangle"/>
+          </a:ln>
+        </p:spPr>
+        <p:style>
+          <a:lnRef idx="1">
+            <a:schemeClr val="accent1"/>
+          </a:lnRef>
+          <a:fillRef idx="0">
+            <a:schemeClr val="accent1"/>
+          </a:fillRef>
+          <a:effectRef idx="0">
+            <a:schemeClr val="accent1"/>
+          </a:effectRef>
+          <a:fontRef idx="minor">
+            <a:schemeClr val="tx1"/>
+          </a:fontRef>
+        </p:style>
+      </p:cxnSp>
+      <p:cxnSp>
+        <p:nvCxnSpPr>
+          <p:cNvPr id="21" name="直接箭头连接符 20">
+            <a:extLst>
+              <a:ext uri="{FF2B5EF4-FFF2-40B4-BE49-F238E27FC236}">
+                <a16:creationId xmlns:a16="http://schemas.microsoft.com/office/drawing/2014/main" id="{BC737787-6771-98B9-BE06-5B1EA5F5C641}"/>
+              </a:ext>
+            </a:extLst>
+          </p:cNvPr>
+          <p:cNvCxnSpPr/>
+          <p:nvPr/>
+        </p:nvCxnSpPr>
+        <p:spPr>
+          <a:xfrm flipV="1">
+            <a:off x="9239250" y="921600"/>
+            <a:ext cx="685800" cy="284900"/>
+          </a:xfrm>
+          <a:prstGeom prst="straightConnector1">
+            <a:avLst/>
+          </a:prstGeom>
+          <a:ln>
+            <a:tailEnd type="triangle"/>
+          </a:ln>
+        </p:spPr>
+        <p:style>
+          <a:lnRef idx="1">
+            <a:schemeClr val="accent1"/>
+          </a:lnRef>
+          <a:fillRef idx="0">
+            <a:schemeClr val="accent1"/>
+          </a:fillRef>
+          <a:effectRef idx="0">
+            <a:schemeClr val="accent1"/>
+          </a:effectRef>
+          <a:fontRef idx="minor">
+            <a:schemeClr val="tx1"/>
+          </a:fontRef>
+        </p:style>
+      </p:cxnSp>
+      <p:sp>
+        <p:nvSpPr>
+          <p:cNvPr id="3" name="文本框 2">
+            <a:extLst>
+              <a:ext uri="{FF2B5EF4-FFF2-40B4-BE49-F238E27FC236}">
+                <a16:creationId xmlns:a16="http://schemas.microsoft.com/office/drawing/2014/main" id="{266A6BE6-A7B6-6E56-CAB2-09B3A1256D80}"/>
+              </a:ext>
+            </a:extLst>
+          </p:cNvPr>
+          <p:cNvSpPr txBox="1"/>
+          <p:nvPr/>
+        </p:nvSpPr>
+        <p:spPr>
+          <a:xfrm>
+            <a:off x="9102863" y="2999534"/>
+            <a:ext cx="2250937" cy="369332"/>
           </a:xfrm>
           <a:prstGeom prst="rect">
             <a:avLst/>
@@ -8929,21 +9705,15 @@
           <a:lstStyle/>
           <a:p>
             <a:r>
-              <a:rPr lang="en-US" altLang="zh-CN" sz="1400" i="1" dirty="0">
-                <a:solidFill>
-                  <a:schemeClr val="bg1">
-                    <a:lumMod val="50000"/>
-                  </a:schemeClr>
-                </a:solidFill>
+              <a:rPr lang="en-US" altLang="zh-CN" dirty="0">
+                <a:latin typeface="Times New Roman" panose="02020603050405020304" pitchFamily="18" charset="0"/>
+                <a:cs typeface="Times New Roman" panose="02020603050405020304" pitchFamily="18" charset="0"/>
               </a:rPr>
-              <a:t>Multimodal image-text understanding and Knowledge Retrieval</a:t>
+              <a:t>Three tier of retrieval</a:t>
             </a:r>
-            <a:endParaRPr lang="zh-CN" altLang="en-US" sz="1400" i="1" dirty="0">
-              <a:solidFill>
-                <a:schemeClr val="bg1">
-                  <a:lumMod val="50000"/>
-                </a:schemeClr>
-              </a:solidFill>
+            <a:endParaRPr lang="zh-CN" altLang="en-US" dirty="0">
+              <a:latin typeface="Times New Roman" panose="02020603050405020304" pitchFamily="18" charset="0"/>
+              <a:cs typeface="Times New Roman" panose="02020603050405020304" pitchFamily="18" charset="0"/>
             </a:endParaRPr>
           </a:p>
         </p:txBody>
@@ -9069,18 +9839,20 @@
       </p:sp>
       <p:sp>
         <p:nvSpPr>
-          <p:cNvPr id="2" name="Body-1"/>
+          <p:cNvPr id="3" name="文本框 2">
+            <a:extLst>
+              <a:ext uri="{FF2B5EF4-FFF2-40B4-BE49-F238E27FC236}">
+                <a16:creationId xmlns:a16="http://schemas.microsoft.com/office/drawing/2014/main" id="{5DF127F3-B2DC-9F35-E138-71133F865DBB}"/>
+              </a:ext>
+            </a:extLst>
+          </p:cNvPr>
           <p:cNvSpPr txBox="1"/>
-          <p:nvPr>
-            <p:custDataLst>
-              <p:tags r:id="rId1"/>
-            </p:custDataLst>
-          </p:nvPr>
+          <p:nvPr/>
         </p:nvSpPr>
         <p:spPr>
           <a:xfrm>
-            <a:off x="3723847" y="1245249"/>
-            <a:ext cx="5056192" cy="307777"/>
+            <a:off x="410400" y="4730400"/>
+            <a:ext cx="11145600" cy="1477328"/>
           </a:xfrm>
           <a:prstGeom prst="rect">
             <a:avLst/>
@@ -9088,27 +9860,140 @@
           <a:noFill/>
         </p:spPr>
         <p:txBody>
-          <a:bodyPr wrap="none" rtlCol="0">
+          <a:bodyPr wrap="square" rtlCol="0">
             <a:spAutoFit/>
           </a:bodyPr>
           <a:lstStyle/>
           <a:p>
             <a:r>
-              <a:rPr lang="en-US" altLang="zh-CN" sz="1400" i="1" dirty="0">
+              <a:rPr lang="en-US" altLang="zh-CN" dirty="0">
+                <a:latin typeface="Times New Roman" panose="02020603050405020304" pitchFamily="18" charset="0"/>
+                <a:cs typeface="Times New Roman" panose="02020603050405020304" pitchFamily="18" charset="0"/>
+              </a:rPr>
+              <a:t>Compared to traditional solution:</a:t>
+            </a:r>
+          </a:p>
+          <a:p>
+            <a:pPr marL="285750" indent="-285750">
+              <a:buFont typeface="Arial" panose="020B0604020202020204" pitchFamily="34" charset="0"/>
+              <a:buChar char="•"/>
+            </a:pPr>
+            <a:r>
+              <a:rPr lang="en-US" altLang="zh-CN" dirty="0">
+                <a:latin typeface="Times New Roman" panose="02020603050405020304" pitchFamily="18" charset="0"/>
+                <a:cs typeface="Times New Roman" panose="02020603050405020304" pitchFamily="18" charset="0"/>
+              </a:rPr>
+              <a:t>Recall@10: </a:t>
+            </a:r>
+            <a:r>
+              <a:rPr lang="en-US" altLang="zh-CN" dirty="0">
                 <a:solidFill>
-                  <a:schemeClr val="bg1">
-                    <a:lumMod val="50000"/>
-                  </a:schemeClr>
+                  <a:srgbClr val="FF0000"/>
                 </a:solidFill>
+                <a:latin typeface="Times New Roman" panose="02020603050405020304" pitchFamily="18" charset="0"/>
+                <a:cs typeface="Times New Roman" panose="02020603050405020304" pitchFamily="18" charset="0"/>
               </a:rPr>
-              <a:t>Multimodal image-text understanding and Knowledge Retrieval</a:t>
+              <a:t>27% Improved </a:t>
             </a:r>
-            <a:endParaRPr lang="zh-CN" altLang="en-US" sz="1400" i="1" dirty="0">
-              <a:solidFill>
-                <a:schemeClr val="bg1">
-                  <a:lumMod val="50000"/>
-                </a:schemeClr>
-              </a:solidFill>
+          </a:p>
+          <a:p>
+            <a:pPr marL="285750" indent="-285750">
+              <a:buFont typeface="Arial" panose="020B0604020202020204" pitchFamily="34" charset="0"/>
+              <a:buChar char="•"/>
+            </a:pPr>
+            <a:r>
+              <a:rPr lang="en-US" altLang="zh-CN" dirty="0">
+                <a:latin typeface="Times New Roman" panose="02020603050405020304" pitchFamily="18" charset="0"/>
+                <a:cs typeface="Times New Roman" panose="02020603050405020304" pitchFamily="18" charset="0"/>
+              </a:rPr>
+              <a:t>nDCG@10: </a:t>
+            </a:r>
+            <a:r>
+              <a:rPr lang="en-US" altLang="zh-CN" dirty="0">
+                <a:solidFill>
+                  <a:srgbClr val="FF0000"/>
+                </a:solidFill>
+                <a:latin typeface="Times New Roman" panose="02020603050405020304" pitchFamily="18" charset="0"/>
+                <a:cs typeface="Times New Roman" panose="02020603050405020304" pitchFamily="18" charset="0"/>
+              </a:rPr>
+              <a:t>13% Improved</a:t>
+            </a:r>
+          </a:p>
+          <a:p>
+            <a:pPr marL="285750" indent="-285750">
+              <a:buFont typeface="Arial" panose="020B0604020202020204" pitchFamily="34" charset="0"/>
+              <a:buChar char="•"/>
+            </a:pPr>
+            <a:r>
+              <a:rPr lang="en-US" altLang="zh-CN" dirty="0">
+                <a:latin typeface="Times New Roman" panose="02020603050405020304" pitchFamily="18" charset="0"/>
+                <a:cs typeface="Times New Roman" panose="02020603050405020304" pitchFamily="18" charset="0"/>
+              </a:rPr>
+              <a:t>Average latency: </a:t>
+            </a:r>
+            <a:r>
+              <a:rPr lang="en-US" altLang="zh-CN" dirty="0">
+                <a:solidFill>
+                  <a:srgbClr val="FF0000"/>
+                </a:solidFill>
+                <a:latin typeface="Times New Roman" panose="02020603050405020304" pitchFamily="18" charset="0"/>
+                <a:cs typeface="Times New Roman" panose="02020603050405020304" pitchFamily="18" charset="0"/>
+              </a:rPr>
+              <a:t>35% Saved</a:t>
+            </a:r>
+          </a:p>
+          <a:p>
+            <a:pPr marL="285750" indent="-285750">
+              <a:buFont typeface="Arial" panose="020B0604020202020204" pitchFamily="34" charset="0"/>
+              <a:buChar char="•"/>
+            </a:pPr>
+            <a:r>
+              <a:rPr lang="en-US" altLang="zh-CN" dirty="0">
+                <a:latin typeface="Times New Roman" panose="02020603050405020304" pitchFamily="18" charset="0"/>
+                <a:cs typeface="Times New Roman" panose="02020603050405020304" pitchFamily="18" charset="0"/>
+              </a:rPr>
+              <a:t>In financial Auditing/industrial maintenance: (</a:t>
+            </a:r>
+            <a:r>
+              <a:rPr lang="en-US" altLang="zh-CN" i="1" dirty="0">
+                <a:solidFill>
+                  <a:srgbClr val="FF0000"/>
+                </a:solidFill>
+                <a:latin typeface="Times New Roman" panose="02020603050405020304" pitchFamily="18" charset="0"/>
+                <a:cs typeface="Times New Roman" panose="02020603050405020304" pitchFamily="18" charset="0"/>
+              </a:rPr>
+              <a:t>compare to </a:t>
+            </a:r>
+            <a:r>
+              <a:rPr lang="en-US" altLang="zh-CN" i="1" dirty="0" err="1">
+                <a:solidFill>
+                  <a:srgbClr val="FF0000"/>
+                </a:solidFill>
+                <a:latin typeface="Times New Roman" panose="02020603050405020304" pitchFamily="18" charset="0"/>
+                <a:cs typeface="Times New Roman" panose="02020603050405020304" pitchFamily="18" charset="0"/>
+              </a:rPr>
+              <a:t>ColPali</a:t>
+            </a:r>
+            <a:r>
+              <a:rPr lang="en-US" altLang="zh-CN" i="1" dirty="0">
+                <a:solidFill>
+                  <a:srgbClr val="FF0000"/>
+                </a:solidFill>
+                <a:latin typeface="Times New Roman" panose="02020603050405020304" pitchFamily="18" charset="0"/>
+                <a:cs typeface="Times New Roman" panose="02020603050405020304" pitchFamily="18" charset="0"/>
+              </a:rPr>
+              <a:t> 8% Recall Improved</a:t>
+            </a:r>
+            <a:r>
+              <a:rPr lang="en-US" altLang="zh-CN" dirty="0">
+                <a:latin typeface="Times New Roman" panose="02020603050405020304" pitchFamily="18" charset="0"/>
+                <a:cs typeface="Times New Roman" panose="02020603050405020304" pitchFamily="18" charset="0"/>
+              </a:rPr>
+              <a:t>)</a:t>
+            </a:r>
+            <a:endParaRPr lang="zh-CN" altLang="en-US" dirty="0">
+              <a:latin typeface="Times New Roman" panose="02020603050405020304" pitchFamily="18" charset="0"/>
+              <a:cs typeface="Times New Roman" panose="02020603050405020304" pitchFamily="18" charset="0"/>
             </a:endParaRPr>
           </a:p>
         </p:txBody>
@@ -9244,7 +10129,7 @@
         </p:nvSpPr>
         <p:spPr>
           <a:xfrm>
-            <a:off x="3120666" y="1175483"/>
+            <a:off x="3120666" y="1067483"/>
             <a:ext cx="5950668" cy="307777"/>
           </a:xfrm>
           <a:prstGeom prst="rect">
@@ -9309,6 +10194,195 @@
                 </a:outerShdw>
               </a:effectLst>
             </a:endParaRPr>
+          </a:p>
+        </p:txBody>
+      </p:sp>
+      <p:sp>
+        <p:nvSpPr>
+          <p:cNvPr id="3" name="文本框 2">
+            <a:extLst>
+              <a:ext uri="{FF2B5EF4-FFF2-40B4-BE49-F238E27FC236}">
+                <a16:creationId xmlns:a16="http://schemas.microsoft.com/office/drawing/2014/main" id="{EB0EAFE4-6CBC-36F2-0876-59E6690E2B15}"/>
+              </a:ext>
+            </a:extLst>
+          </p:cNvPr>
+          <p:cNvSpPr txBox="1"/>
+          <p:nvPr/>
+        </p:nvSpPr>
+        <p:spPr>
+          <a:xfrm>
+            <a:off x="367200" y="1526400"/>
+            <a:ext cx="11635200" cy="1200329"/>
+          </a:xfrm>
+          <a:prstGeom prst="rect">
+            <a:avLst/>
+          </a:prstGeom>
+          <a:noFill/>
+        </p:spPr>
+        <p:txBody>
+          <a:bodyPr wrap="square" rtlCol="0">
+            <a:spAutoFit/>
+          </a:bodyPr>
+          <a:lstStyle/>
+          <a:p>
+            <a:r>
+              <a:rPr lang="en-US" altLang="zh-CN" dirty="0">
+                <a:latin typeface="Times New Roman" panose="02020603050405020304" pitchFamily="18" charset="0"/>
+                <a:cs typeface="Times New Roman" panose="02020603050405020304" pitchFamily="18" charset="0"/>
+              </a:rPr>
+              <a:t>Traditional Small-parameter Intent Recognition</a:t>
+            </a:r>
+          </a:p>
+          <a:p>
+            <a:pPr marL="342900" indent="-342900">
+              <a:buAutoNum type="arabicPeriod"/>
+            </a:pPr>
+            <a:r>
+              <a:rPr lang="en-US" altLang="zh-CN" dirty="0">
+                <a:latin typeface="Times New Roman" panose="02020603050405020304" pitchFamily="18" charset="0"/>
+                <a:cs typeface="Times New Roman" panose="02020603050405020304" pitchFamily="18" charset="0"/>
+              </a:rPr>
+              <a:t>Lack of Generalization</a:t>
+            </a:r>
+          </a:p>
+          <a:p>
+            <a:pPr marL="342900" indent="-342900">
+              <a:buAutoNum type="arabicPeriod"/>
+            </a:pPr>
+            <a:r>
+              <a:rPr lang="en-US" altLang="zh-CN" dirty="0">
+                <a:latin typeface="Times New Roman" panose="02020603050405020304" pitchFamily="18" charset="0"/>
+                <a:cs typeface="Times New Roman" panose="02020603050405020304" pitchFamily="18" charset="0"/>
+              </a:rPr>
+              <a:t>Needs Continuous Update</a:t>
+            </a:r>
+          </a:p>
+          <a:p>
+            <a:pPr marL="342900" indent="-342900">
+              <a:buAutoNum type="arabicPeriod"/>
+            </a:pPr>
+            <a:r>
+              <a:rPr lang="en-US" altLang="zh-CN" dirty="0">
+                <a:latin typeface="Times New Roman" panose="02020603050405020304" pitchFamily="18" charset="0"/>
+                <a:cs typeface="Times New Roman" panose="02020603050405020304" pitchFamily="18" charset="0"/>
+              </a:rPr>
+              <a:t>Not able to Deal with Other Tasks</a:t>
+            </a:r>
+          </a:p>
+        </p:txBody>
+      </p:sp>
+      <p:sp>
+        <p:nvSpPr>
+          <p:cNvPr id="5" name="文本框 4">
+            <a:extLst>
+              <a:ext uri="{FF2B5EF4-FFF2-40B4-BE49-F238E27FC236}">
+                <a16:creationId xmlns:a16="http://schemas.microsoft.com/office/drawing/2014/main" id="{331C6CFE-ECEF-ECAC-C7D3-1783D57EA010}"/>
+              </a:ext>
+            </a:extLst>
+          </p:cNvPr>
+          <p:cNvSpPr txBox="1"/>
+          <p:nvPr/>
+        </p:nvSpPr>
+        <p:spPr>
+          <a:xfrm>
+            <a:off x="367200" y="3680400"/>
+            <a:ext cx="11635200" cy="1754326"/>
+          </a:xfrm>
+          <a:prstGeom prst="rect">
+            <a:avLst/>
+          </a:prstGeom>
+          <a:noFill/>
+        </p:spPr>
+        <p:txBody>
+          <a:bodyPr wrap="square" rtlCol="0">
+            <a:spAutoFit/>
+          </a:bodyPr>
+          <a:lstStyle/>
+          <a:p>
+            <a:r>
+              <a:rPr lang="en-US" altLang="zh-CN" dirty="0">
+                <a:latin typeface="Times New Roman" panose="02020603050405020304" pitchFamily="18" charset="0"/>
+                <a:cs typeface="Times New Roman" panose="02020603050405020304" pitchFamily="18" charset="0"/>
+              </a:rPr>
+              <a:t>Small-parameter Large Language Model</a:t>
+            </a:r>
+          </a:p>
+          <a:p>
+            <a:pPr marL="342900" indent="-342900">
+              <a:buAutoNum type="arabicPeriod"/>
+            </a:pPr>
+            <a:r>
+              <a:rPr lang="en-US" altLang="zh-CN" dirty="0">
+                <a:latin typeface="Times New Roman" panose="02020603050405020304" pitchFamily="18" charset="0"/>
+                <a:cs typeface="Times New Roman" panose="02020603050405020304" pitchFamily="18" charset="0"/>
+              </a:rPr>
+              <a:t>Not Need to Continuous Update</a:t>
+            </a:r>
+          </a:p>
+          <a:p>
+            <a:pPr marL="342900" indent="-342900">
+              <a:buAutoNum type="arabicPeriod"/>
+            </a:pPr>
+            <a:r>
+              <a:rPr lang="en-US" altLang="zh-CN" dirty="0">
+                <a:latin typeface="Times New Roman" panose="02020603050405020304" pitchFamily="18" charset="0"/>
+                <a:cs typeface="Times New Roman" panose="02020603050405020304" pitchFamily="18" charset="0"/>
+              </a:rPr>
+              <a:t>Able to Deal with Several Tasks</a:t>
+            </a:r>
+          </a:p>
+          <a:p>
+            <a:pPr marL="342900" indent="-342900">
+              <a:buAutoNum type="arabicPeriod"/>
+            </a:pPr>
+            <a:r>
+              <a:rPr lang="en-US" altLang="zh-CN" dirty="0">
+                <a:latin typeface="Times New Roman" panose="02020603050405020304" pitchFamily="18" charset="0"/>
+                <a:cs typeface="Times New Roman" panose="02020603050405020304" pitchFamily="18" charset="0"/>
+              </a:rPr>
+              <a:t>End to End Efficiency</a:t>
+            </a:r>
+          </a:p>
+          <a:p>
+            <a:pPr marL="342900" indent="-342900">
+              <a:buAutoNum type="arabicPeriod"/>
+            </a:pPr>
+            <a:r>
+              <a:rPr lang="en-US" altLang="zh-CN" dirty="0">
+                <a:latin typeface="Times New Roman" panose="02020603050405020304" pitchFamily="18" charset="0"/>
+                <a:cs typeface="Times New Roman" panose="02020603050405020304" pitchFamily="18" charset="0"/>
+              </a:rPr>
+              <a:t>Saves Computing Resources</a:t>
+            </a:r>
+          </a:p>
+          <a:p>
+            <a:pPr marL="342900" indent="-342900">
+              <a:buAutoNum type="arabicPeriod"/>
+            </a:pPr>
+            <a:r>
+              <a:rPr lang="en-US" altLang="zh-CN" dirty="0">
+                <a:latin typeface="Times New Roman" panose="02020603050405020304" pitchFamily="18" charset="0"/>
+                <a:cs typeface="Times New Roman" panose="02020603050405020304" pitchFamily="18" charset="0"/>
+              </a:rPr>
+              <a:t>Easier to Implement: Smaller Data, Low Risk of Pre-training(</a:t>
+            </a:r>
+            <a:r>
+              <a:rPr lang="en-US" altLang="zh-CN" i="1" dirty="0">
+                <a:solidFill>
+                  <a:srgbClr val="FF0000"/>
+                </a:solidFill>
+                <a:latin typeface="Times New Roman" panose="02020603050405020304" pitchFamily="18" charset="0"/>
+                <a:cs typeface="Times New Roman" panose="02020603050405020304" pitchFamily="18" charset="0"/>
+              </a:rPr>
+              <a:t>Fast Convergence, low overload</a:t>
+            </a:r>
+            <a:r>
+              <a:rPr lang="en-US" altLang="zh-CN" dirty="0">
+                <a:latin typeface="Times New Roman" panose="02020603050405020304" pitchFamily="18" charset="0"/>
+                <a:cs typeface="Times New Roman" panose="02020603050405020304" pitchFamily="18" charset="0"/>
+              </a:rPr>
+              <a:t>)</a:t>
+            </a:r>
           </a:p>
         </p:txBody>
       </p:sp>
@@ -13294,7 +14368,7 @@
             <p:spPr>
               <a:xfrm>
                 <a:off x="921468" y="2409574"/>
-                <a:ext cx="2695041" cy="1020048"/>
+                <a:ext cx="2695041" cy="702141"/>
               </a:xfrm>
               <a:prstGeom prst="rect">
                 <a:avLst/>
@@ -13320,7 +14394,7 @@
                   <a:defRPr/>
                 </a:pPr>
                 <a:r>
-                  <a:rPr kumimoji="0" lang="zh-CN" altLang="en-US" sz="1400" b="0" i="0" u="none" strike="noStrike" kern="1200" cap="none" spc="0" normalizeH="0" baseline="0" noProof="0" dirty="0">
+                  <a:rPr kumimoji="0" lang="en-GB" altLang="zh-CN" sz="1400" b="0" i="0" u="none" strike="noStrike" kern="1200" cap="none" spc="0" normalizeH="0" baseline="0" noProof="0" dirty="0">
                     <a:ln>
                       <a:noFill/>
                     </a:ln>
@@ -13334,22 +14408,8 @@
                     <a:cs typeface="+mn-ea"/>
                     <a:sym typeface="+mn-lt"/>
                   </a:rPr>
-                  <a:t>单击此处添加文本</a:t>
+                  <a:t>Object Detection</a:t>
                 </a:r>
-                <a:endParaRPr kumimoji="0" lang="en-US" altLang="zh-CN" sz="1400" b="0" i="0" u="none" strike="noStrike" kern="1200" cap="none" spc="0" normalizeH="0" baseline="0" noProof="0" dirty="0">
-                  <a:ln>
-                    <a:noFill/>
-                  </a:ln>
-                  <a:solidFill>
-                    <a:prstClr val="white"/>
-                  </a:solidFill>
-                  <a:effectLst/>
-                  <a:uLnTx/>
-                  <a:uFillTx/>
-                  <a:latin typeface="+mn-ea"/>
-                  <a:cs typeface="+mn-ea"/>
-                  <a:sym typeface="+mn-lt"/>
-                </a:endParaRPr>
               </a:p>
               <a:p>
                 <a:pPr marR="0" lvl="0" algn="l" defTabSz="914400" rtl="0" eaLnBrk="1" fontAlgn="auto" latinLnBrk="0" hangingPunct="1">
@@ -13364,23 +14424,17 @@
                   <a:defRPr/>
                 </a:pPr>
                 <a:r>
-                  <a:rPr kumimoji="0" lang="zh-CN" altLang="en-US" sz="1400" b="0" i="0" u="none" strike="noStrike" kern="1200" cap="none" spc="0" normalizeH="0" baseline="0" noProof="0" dirty="0">
-                    <a:ln>
-                      <a:noFill/>
-                    </a:ln>
+                  <a:rPr lang="en-US" altLang="zh-CN" sz="1400" dirty="0">
                     <a:solidFill>
                       <a:prstClr val="white"/>
                     </a:solidFill>
-                    <a:effectLst/>
-                    <a:uLnTx/>
-                    <a:uFillTx/>
                     <a:latin typeface="+mn-ea"/>
                     <a:cs typeface="+mn-ea"/>
                     <a:sym typeface="+mn-lt"/>
                   </a:rPr>
-                  <a:t>单击此处添加文本</a:t>
+                  <a:t>Multi-Object Tracking</a:t>
                 </a:r>
-                <a:endParaRPr kumimoji="0" lang="en-US" altLang="zh-CN" sz="1400" b="0" i="0" u="none" strike="noStrike" kern="1200" cap="none" spc="0" normalizeH="0" baseline="0" noProof="0" dirty="0">
+                <a:endParaRPr kumimoji="0" lang="zh-CN" altLang="en-US" sz="1400" b="0" i="0" u="none" strike="noStrike" kern="1200" cap="none" spc="0" normalizeH="0" baseline="0" noProof="0" dirty="0">
                   <a:ln>
                     <a:noFill/>
                   </a:ln>
@@ -13394,36 +14448,6 @@
                   <a:cs typeface="+mn-ea"/>
                   <a:sym typeface="+mn-lt"/>
                 </a:endParaRPr>
-              </a:p>
-              <a:p>
-                <a:pPr marR="0" lvl="0" algn="l" defTabSz="914400" rtl="0" eaLnBrk="1" fontAlgn="auto" latinLnBrk="0" hangingPunct="1">
-                  <a:lnSpc>
-                    <a:spcPct val="150000"/>
-                  </a:lnSpc>
-                  <a:spcBef>
-                    <a:spcPts val="0"/>
-                  </a:spcBef>
-                  <a:buClrTx/>
-                  <a:buSzTx/>
-                  <a:defRPr/>
-                </a:pPr>
-                <a:r>
-                  <a:rPr kumimoji="0" lang="zh-CN" altLang="en-US" sz="1400" b="0" i="0" u="none" strike="noStrike" kern="1200" cap="none" spc="0" normalizeH="0" baseline="0" noProof="0" dirty="0">
-                    <a:ln>
-                      <a:noFill/>
-                    </a:ln>
-                    <a:solidFill>
-                      <a:prstClr val="white"/>
-                    </a:solidFill>
-                    <a:effectLst/>
-                    <a:uLnTx/>
-                    <a:uFillTx/>
-                    <a:latin typeface="+mn-ea"/>
-                    <a:cs typeface="+mn-ea"/>
-                    <a:sym typeface="+mn-lt"/>
-                  </a:rPr>
-                  <a:t>单击此处添加文本</a:t>
-                </a:r>
               </a:p>
             </p:txBody>
           </p:sp>
@@ -13917,7 +14941,7 @@
             <p:spPr>
               <a:xfrm>
                 <a:off x="921468" y="2409574"/>
-                <a:ext cx="2695041" cy="1020048"/>
+                <a:ext cx="2695041" cy="1025306"/>
               </a:xfrm>
               <a:prstGeom prst="rect">
                 <a:avLst/>
@@ -13943,7 +14967,7 @@
                   <a:defRPr/>
                 </a:pPr>
                 <a:r>
-                  <a:rPr kumimoji="0" lang="zh-CN" altLang="en-US" sz="1400" b="0" i="0" u="none" strike="noStrike" kern="1200" cap="none" spc="0" normalizeH="0" baseline="0" noProof="0" dirty="0">
+                  <a:rPr kumimoji="0" lang="en-US" altLang="zh-CN" sz="1400" b="0" i="0" u="none" strike="noStrike" kern="1200" cap="none" spc="0" normalizeH="0" baseline="0" noProof="0" dirty="0">
                     <a:ln>
                       <a:noFill/>
                     </a:ln>
@@ -13957,22 +14981,8 @@
                     <a:cs typeface="+mn-ea"/>
                     <a:sym typeface="+mn-lt"/>
                   </a:rPr>
-                  <a:t>单击此处添加文本</a:t>
+                  <a:t>Text Summarization</a:t>
                 </a:r>
-                <a:endParaRPr kumimoji="0" lang="en-US" altLang="zh-CN" sz="1400" b="0" i="0" u="none" strike="noStrike" kern="1200" cap="none" spc="0" normalizeH="0" baseline="0" noProof="0" dirty="0">
-                  <a:ln>
-                    <a:noFill/>
-                  </a:ln>
-                  <a:solidFill>
-                    <a:prstClr val="white"/>
-                  </a:solidFill>
-                  <a:effectLst/>
-                  <a:uLnTx/>
-                  <a:uFillTx/>
-                  <a:latin typeface="+mn-ea"/>
-                  <a:cs typeface="+mn-ea"/>
-                  <a:sym typeface="+mn-lt"/>
-                </a:endParaRPr>
               </a:p>
               <a:p>
                 <a:pPr marR="0" lvl="0" algn="l" defTabSz="914400" rtl="0" eaLnBrk="1" fontAlgn="auto" latinLnBrk="0" hangingPunct="1">
@@ -13987,36 +14997,16 @@
                   <a:defRPr/>
                 </a:pPr>
                 <a:r>
-                  <a:rPr kumimoji="0" lang="zh-CN" altLang="en-US" sz="1400" b="0" i="0" u="none" strike="noStrike" kern="1200" cap="none" spc="0" normalizeH="0" baseline="0" noProof="0" dirty="0">
-                    <a:ln>
-                      <a:noFill/>
-                    </a:ln>
+                  <a:rPr lang="en-US" altLang="zh-CN" sz="1400" dirty="0">
                     <a:solidFill>
                       <a:prstClr val="white"/>
                     </a:solidFill>
-                    <a:effectLst/>
-                    <a:uLnTx/>
-                    <a:uFillTx/>
                     <a:latin typeface="+mn-ea"/>
                     <a:cs typeface="+mn-ea"/>
                     <a:sym typeface="+mn-lt"/>
                   </a:rPr>
-                  <a:t>单击此处添加文本</a:t>
+                  <a:t>Text Classification</a:t>
                 </a:r>
-                <a:endParaRPr kumimoji="0" lang="en-US" altLang="zh-CN" sz="1400" b="0" i="0" u="none" strike="noStrike" kern="1200" cap="none" spc="0" normalizeH="0" baseline="0" noProof="0" dirty="0">
-                  <a:ln>
-                    <a:noFill/>
-                  </a:ln>
-                  <a:solidFill>
-                    <a:prstClr val="white"/>
-                  </a:solidFill>
-                  <a:effectLst/>
-                  <a:uLnTx/>
-                  <a:uFillTx/>
-                  <a:latin typeface="+mn-ea"/>
-                  <a:cs typeface="+mn-ea"/>
-                  <a:sym typeface="+mn-lt"/>
-                </a:endParaRPr>
               </a:p>
               <a:p>
                 <a:pPr marR="0" lvl="0" algn="l" defTabSz="914400" rtl="0" eaLnBrk="1" fontAlgn="auto" latinLnBrk="0" hangingPunct="1">
@@ -14031,7 +15021,7 @@
                   <a:defRPr/>
                 </a:pPr>
                 <a:r>
-                  <a:rPr kumimoji="0" lang="zh-CN" altLang="en-US" sz="1400" b="0" i="0" u="none" strike="noStrike" kern="1200" cap="none" spc="0" normalizeH="0" baseline="0" noProof="0" dirty="0">
+                  <a:rPr kumimoji="0" lang="en-US" altLang="zh-CN" sz="1400" b="0" i="0" u="none" strike="noStrike" kern="1200" cap="none" spc="0" normalizeH="0" baseline="0" noProof="0" dirty="0">
                     <a:ln>
                       <a:noFill/>
                     </a:ln>
@@ -14045,8 +15035,33 @@
                     <a:cs typeface="+mn-ea"/>
                     <a:sym typeface="+mn-lt"/>
                   </a:rPr>
-                  <a:t>单击此处添加文本</a:t>
+                  <a:t>Semi</a:t>
                 </a:r>
+                <a:r>
+                  <a:rPr lang="en-US" altLang="zh-CN" sz="1400" dirty="0">
+                    <a:solidFill>
+                      <a:prstClr val="white"/>
+                    </a:solidFill>
+                    <a:latin typeface="+mn-ea"/>
+                    <a:cs typeface="+mn-ea"/>
+                    <a:sym typeface="+mn-lt"/>
+                  </a:rPr>
+                  <a:t>-supervised Learning</a:t>
+                </a:r>
+                <a:endParaRPr kumimoji="0" lang="zh-CN" altLang="en-US" sz="1400" b="0" i="0" u="none" strike="noStrike" kern="1200" cap="none" spc="0" normalizeH="0" baseline="0" noProof="0" dirty="0">
+                  <a:ln>
+                    <a:noFill/>
+                  </a:ln>
+                  <a:solidFill>
+                    <a:prstClr val="white"/>
+                  </a:solidFill>
+                  <a:effectLst/>
+                  <a:uLnTx/>
+                  <a:uFillTx/>
+                  <a:latin typeface="+mn-ea"/>
+                  <a:cs typeface="+mn-ea"/>
+                  <a:sym typeface="+mn-lt"/>
+                </a:endParaRPr>
               </a:p>
             </p:txBody>
           </p:sp>
@@ -14540,7 +15555,7 @@
             <p:spPr>
               <a:xfrm>
                 <a:off x="921468" y="2409574"/>
-                <a:ext cx="2695041" cy="1020048"/>
+                <a:ext cx="2695041" cy="1025306"/>
               </a:xfrm>
               <a:prstGeom prst="rect">
                 <a:avLst/>
@@ -14566,7 +15581,7 @@
                   <a:defRPr/>
                 </a:pPr>
                 <a:r>
-                  <a:rPr kumimoji="0" lang="zh-CN" altLang="en-US" sz="1400" b="0" i="0" u="none" strike="noStrike" kern="1200" cap="none" spc="0" normalizeH="0" baseline="0" noProof="0" dirty="0">
+                  <a:rPr kumimoji="0" lang="en-US" altLang="zh-CN" sz="1400" b="0" i="0" u="none" strike="noStrike" kern="1200" cap="none" spc="0" normalizeH="0" baseline="0" noProof="0" dirty="0">
                     <a:ln>
                       <a:noFill/>
                     </a:ln>
@@ -14580,22 +15595,8 @@
                     <a:cs typeface="+mn-ea"/>
                     <a:sym typeface="+mn-lt"/>
                   </a:rPr>
-                  <a:t>单击此处添加文本</a:t>
+                  <a:t>Pre-training</a:t>
                 </a:r>
-                <a:endParaRPr kumimoji="0" lang="en-US" altLang="zh-CN" sz="1400" b="0" i="0" u="none" strike="noStrike" kern="1200" cap="none" spc="0" normalizeH="0" baseline="0" noProof="0" dirty="0">
-                  <a:ln>
-                    <a:noFill/>
-                  </a:ln>
-                  <a:solidFill>
-                    <a:prstClr val="white"/>
-                  </a:solidFill>
-                  <a:effectLst/>
-                  <a:uLnTx/>
-                  <a:uFillTx/>
-                  <a:latin typeface="+mn-ea"/>
-                  <a:cs typeface="+mn-ea"/>
-                  <a:sym typeface="+mn-lt"/>
-                </a:endParaRPr>
               </a:p>
               <a:p>
                 <a:pPr marR="0" lvl="0" algn="l" defTabSz="914400" rtl="0" eaLnBrk="1" fontAlgn="auto" latinLnBrk="0" hangingPunct="1">
@@ -14610,36 +15611,16 @@
                   <a:defRPr/>
                 </a:pPr>
                 <a:r>
-                  <a:rPr kumimoji="0" lang="zh-CN" altLang="en-US" sz="1400" b="0" i="0" u="none" strike="noStrike" kern="1200" cap="none" spc="0" normalizeH="0" baseline="0" noProof="0" dirty="0">
-                    <a:ln>
-                      <a:noFill/>
-                    </a:ln>
+                  <a:rPr lang="en-US" altLang="zh-CN" sz="1400" dirty="0">
                     <a:solidFill>
                       <a:prstClr val="white"/>
                     </a:solidFill>
-                    <a:effectLst/>
-                    <a:uLnTx/>
-                    <a:uFillTx/>
                     <a:latin typeface="+mn-ea"/>
                     <a:cs typeface="+mn-ea"/>
                     <a:sym typeface="+mn-lt"/>
                   </a:rPr>
-                  <a:t>单击此处添加文本</a:t>
+                  <a:t>Fine-Tuning</a:t>
                 </a:r>
-                <a:endParaRPr kumimoji="0" lang="en-US" altLang="zh-CN" sz="1400" b="0" i="0" u="none" strike="noStrike" kern="1200" cap="none" spc="0" normalizeH="0" baseline="0" noProof="0" dirty="0">
-                  <a:ln>
-                    <a:noFill/>
-                  </a:ln>
-                  <a:solidFill>
-                    <a:prstClr val="white"/>
-                  </a:solidFill>
-                  <a:effectLst/>
-                  <a:uLnTx/>
-                  <a:uFillTx/>
-                  <a:latin typeface="+mn-ea"/>
-                  <a:cs typeface="+mn-ea"/>
-                  <a:sym typeface="+mn-lt"/>
-                </a:endParaRPr>
               </a:p>
               <a:p>
                 <a:pPr marR="0" lvl="0" algn="l" defTabSz="914400" rtl="0" eaLnBrk="1" fontAlgn="auto" latinLnBrk="0" hangingPunct="1">
@@ -14654,7 +15635,7 @@
                   <a:defRPr/>
                 </a:pPr>
                 <a:r>
-                  <a:rPr kumimoji="0" lang="zh-CN" altLang="en-US" sz="1400" b="0" i="0" u="none" strike="noStrike" kern="1200" cap="none" spc="0" normalizeH="0" baseline="0" noProof="0" dirty="0">
+                  <a:rPr kumimoji="0" lang="en-US" altLang="zh-CN" sz="1400" b="0" i="0" u="none" strike="noStrike" kern="1200" cap="none" spc="0" normalizeH="0" baseline="0" noProof="0" dirty="0">
                     <a:ln>
                       <a:noFill/>
                     </a:ln>
@@ -14668,8 +15649,22 @@
                     <a:cs typeface="+mn-ea"/>
                     <a:sym typeface="+mn-lt"/>
                   </a:rPr>
-                  <a:t>单击此处添加文本</a:t>
+                  <a:t>Inference, RAG</a:t>
                 </a:r>
+                <a:endParaRPr kumimoji="0" lang="zh-CN" altLang="en-US" sz="1400" b="0" i="0" u="none" strike="noStrike" kern="1200" cap="none" spc="0" normalizeH="0" baseline="0" noProof="0" dirty="0">
+                  <a:ln>
+                    <a:noFill/>
+                  </a:ln>
+                  <a:solidFill>
+                    <a:prstClr val="white"/>
+                  </a:solidFill>
+                  <a:effectLst/>
+                  <a:uLnTx/>
+                  <a:uFillTx/>
+                  <a:latin typeface="+mn-ea"/>
+                  <a:cs typeface="+mn-ea"/>
+                  <a:sym typeface="+mn-lt"/>
+                </a:endParaRPr>
               </a:p>
             </p:txBody>
           </p:sp>
@@ -15163,7 +16158,7 @@
             <p:spPr>
               <a:xfrm>
                 <a:off x="921468" y="2409574"/>
-                <a:ext cx="2695041" cy="1020048"/>
+                <a:ext cx="2695041" cy="1025306"/>
               </a:xfrm>
               <a:prstGeom prst="rect">
                 <a:avLst/>
@@ -15189,7 +16184,7 @@
                   <a:defRPr/>
                 </a:pPr>
                 <a:r>
-                  <a:rPr kumimoji="0" lang="zh-CN" altLang="en-US" sz="1400" b="0" i="0" u="none" strike="noStrike" kern="1200" cap="none" spc="0" normalizeH="0" baseline="0" noProof="0" dirty="0">
+                  <a:rPr kumimoji="0" lang="en-US" altLang="zh-CN" sz="1400" b="0" i="0" u="none" strike="noStrike" kern="1200" cap="none" spc="0" normalizeH="0" baseline="0" noProof="0" dirty="0">
                     <a:ln>
                       <a:noFill/>
                     </a:ln>
@@ -15203,18 +16198,47 @@
                     <a:cs typeface="+mn-ea"/>
                     <a:sym typeface="+mn-lt"/>
                   </a:rPr>
-                  <a:t>单击此处添加文本</a:t>
+                  <a:t>Spring Boot, Spring MVC</a:t>
                 </a:r>
-                <a:endParaRPr kumimoji="0" lang="en-US" altLang="zh-CN" sz="1400" b="0" i="0" u="none" strike="noStrike" kern="1200" cap="none" spc="0" normalizeH="0" baseline="0" noProof="0" dirty="0">
-                  <a:ln>
-                    <a:noFill/>
-                  </a:ln>
+              </a:p>
+              <a:p>
+                <a:pPr marR="0" lvl="0" algn="l" defTabSz="914400" rtl="0" eaLnBrk="1" fontAlgn="auto" latinLnBrk="0" hangingPunct="1">
+                  <a:lnSpc>
+                    <a:spcPct val="150000"/>
+                  </a:lnSpc>
+                  <a:spcBef>
+                    <a:spcPts val="0"/>
+                  </a:spcBef>
+                  <a:buClrTx/>
+                  <a:buSzTx/>
+                  <a:defRPr/>
+                </a:pPr>
+                <a:r>
+                  <a:rPr lang="en-US" altLang="zh-CN" sz="1400" dirty="0">
+                    <a:solidFill>
+                      <a:prstClr val="white"/>
+                    </a:solidFill>
+                    <a:latin typeface="+mn-ea"/>
+                    <a:cs typeface="+mn-ea"/>
+                    <a:sym typeface="+mn-lt"/>
+                  </a:rPr>
+                  <a:t>Django, Flask, </a:t>
+                </a:r>
+                <a:r>
+                  <a:rPr lang="en-US" altLang="zh-CN" sz="1400" dirty="0" err="1">
+                    <a:solidFill>
+                      <a:prstClr val="white"/>
+                    </a:solidFill>
+                    <a:latin typeface="+mn-ea"/>
+                    <a:cs typeface="+mn-ea"/>
+                    <a:sym typeface="+mn-lt"/>
+                  </a:rPr>
+                  <a:t>FastApi</a:t>
+                </a:r>
+                <a:endParaRPr lang="en-US" altLang="zh-CN" sz="1400" dirty="0">
                   <a:solidFill>
                     <a:prstClr val="white"/>
                   </a:solidFill>
-                  <a:effectLst/>
-                  <a:uLnTx/>
-                  <a:uFillTx/>
                   <a:latin typeface="+mn-ea"/>
                   <a:cs typeface="+mn-ea"/>
                   <a:sym typeface="+mn-lt"/>
@@ -15232,24 +16256,7 @@
                   <a:buSzTx/>
                   <a:defRPr/>
                 </a:pPr>
-                <a:r>
-                  <a:rPr kumimoji="0" lang="zh-CN" altLang="en-US" sz="1400" b="0" i="0" u="none" strike="noStrike" kern="1200" cap="none" spc="0" normalizeH="0" baseline="0" noProof="0" dirty="0">
-                    <a:ln>
-                      <a:noFill/>
-                    </a:ln>
-                    <a:solidFill>
-                      <a:prstClr val="white"/>
-                    </a:solidFill>
-                    <a:effectLst/>
-                    <a:uLnTx/>
-                    <a:uFillTx/>
-                    <a:latin typeface="+mn-ea"/>
-                    <a:cs typeface="+mn-ea"/>
-                    <a:sym typeface="+mn-lt"/>
-                  </a:rPr>
-                  <a:t>单击此处添加文本</a:t>
-                </a:r>
-                <a:endParaRPr kumimoji="0" lang="en-US" altLang="zh-CN" sz="1400" b="0" i="0" u="none" strike="noStrike" kern="1200" cap="none" spc="0" normalizeH="0" baseline="0" noProof="0" dirty="0">
+                <a:endParaRPr kumimoji="0" lang="zh-CN" altLang="en-US" sz="1400" b="0" i="0" u="none" strike="noStrike" kern="1200" cap="none" spc="0" normalizeH="0" baseline="0" noProof="0" dirty="0">
                   <a:ln>
                     <a:noFill/>
                   </a:ln>
@@ -15263,36 +16270,6 @@
                   <a:cs typeface="+mn-ea"/>
                   <a:sym typeface="+mn-lt"/>
                 </a:endParaRPr>
-              </a:p>
-              <a:p>
-                <a:pPr marR="0" lvl="0" algn="l" defTabSz="914400" rtl="0" eaLnBrk="1" fontAlgn="auto" latinLnBrk="0" hangingPunct="1">
-                  <a:lnSpc>
-                    <a:spcPct val="150000"/>
-                  </a:lnSpc>
-                  <a:spcBef>
-                    <a:spcPts val="0"/>
-                  </a:spcBef>
-                  <a:buClrTx/>
-                  <a:buSzTx/>
-                  <a:defRPr/>
-                </a:pPr>
-                <a:r>
-                  <a:rPr kumimoji="0" lang="zh-CN" altLang="en-US" sz="1400" b="0" i="0" u="none" strike="noStrike" kern="1200" cap="none" spc="0" normalizeH="0" baseline="0" noProof="0" dirty="0">
-                    <a:ln>
-                      <a:noFill/>
-                    </a:ln>
-                    <a:solidFill>
-                      <a:prstClr val="white"/>
-                    </a:solidFill>
-                    <a:effectLst/>
-                    <a:uLnTx/>
-                    <a:uFillTx/>
-                    <a:latin typeface="+mn-ea"/>
-                    <a:cs typeface="+mn-ea"/>
-                    <a:sym typeface="+mn-lt"/>
-                  </a:rPr>
-                  <a:t>单击此处添加文本</a:t>
-                </a:r>
               </a:p>
             </p:txBody>
           </p:sp>
@@ -15786,7 +16763,7 @@
             <p:spPr>
               <a:xfrm>
                 <a:off x="921468" y="2409574"/>
-                <a:ext cx="2695041" cy="1020048"/>
+                <a:ext cx="2695041" cy="1025306"/>
               </a:xfrm>
               <a:prstGeom prst="rect">
                 <a:avLst/>
@@ -15812,7 +16789,7 @@
                   <a:defRPr/>
                 </a:pPr>
                 <a:r>
-                  <a:rPr kumimoji="0" lang="zh-CN" altLang="en-US" sz="1400" b="0" i="0" u="none" strike="noStrike" kern="1200" cap="none" spc="0" normalizeH="0" baseline="0" noProof="0" dirty="0">
+                  <a:rPr kumimoji="0" lang="en-US" altLang="zh-CN" sz="1400" b="0" i="0" u="none" strike="noStrike" kern="1200" cap="none" spc="0" normalizeH="0" baseline="0" noProof="0" dirty="0">
                     <a:ln>
                       <a:noFill/>
                     </a:ln>
@@ -15826,22 +16803,8 @@
                     <a:cs typeface="+mn-ea"/>
                     <a:sym typeface="+mn-lt"/>
                   </a:rPr>
-                  <a:t>单击此处添加文本</a:t>
+                  <a:t>Docker</a:t>
                 </a:r>
-                <a:endParaRPr kumimoji="0" lang="en-US" altLang="zh-CN" sz="1400" b="0" i="0" u="none" strike="noStrike" kern="1200" cap="none" spc="0" normalizeH="0" baseline="0" noProof="0" dirty="0">
-                  <a:ln>
-                    <a:noFill/>
-                  </a:ln>
-                  <a:solidFill>
-                    <a:prstClr val="white"/>
-                  </a:solidFill>
-                  <a:effectLst/>
-                  <a:uLnTx/>
-                  <a:uFillTx/>
-                  <a:latin typeface="+mn-ea"/>
-                  <a:cs typeface="+mn-ea"/>
-                  <a:sym typeface="+mn-lt"/>
-                </a:endParaRPr>
               </a:p>
               <a:p>
                 <a:pPr marR="0" lvl="0" algn="l" defTabSz="914400" rtl="0" eaLnBrk="1" fontAlgn="auto" latinLnBrk="0" hangingPunct="1">
@@ -15856,36 +16819,16 @@
                   <a:defRPr/>
                 </a:pPr>
                 <a:r>
-                  <a:rPr kumimoji="0" lang="zh-CN" altLang="en-US" sz="1400" b="0" i="0" u="none" strike="noStrike" kern="1200" cap="none" spc="0" normalizeH="0" baseline="0" noProof="0" dirty="0">
-                    <a:ln>
-                      <a:noFill/>
-                    </a:ln>
+                  <a:rPr lang="en-US" altLang="zh-CN" sz="1400" dirty="0">
                     <a:solidFill>
                       <a:prstClr val="white"/>
                     </a:solidFill>
-                    <a:effectLst/>
-                    <a:uLnTx/>
-                    <a:uFillTx/>
                     <a:latin typeface="+mn-ea"/>
                     <a:cs typeface="+mn-ea"/>
                     <a:sym typeface="+mn-lt"/>
                   </a:rPr>
-                  <a:t>单击此处添加文本</a:t>
+                  <a:t>Kubernetes</a:t>
                 </a:r>
-                <a:endParaRPr kumimoji="0" lang="en-US" altLang="zh-CN" sz="1400" b="0" i="0" u="none" strike="noStrike" kern="1200" cap="none" spc="0" normalizeH="0" baseline="0" noProof="0" dirty="0">
-                  <a:ln>
-                    <a:noFill/>
-                  </a:ln>
-                  <a:solidFill>
-                    <a:prstClr val="white"/>
-                  </a:solidFill>
-                  <a:effectLst/>
-                  <a:uLnTx/>
-                  <a:uFillTx/>
-                  <a:latin typeface="+mn-ea"/>
-                  <a:cs typeface="+mn-ea"/>
-                  <a:sym typeface="+mn-lt"/>
-                </a:endParaRPr>
               </a:p>
               <a:p>
                 <a:pPr marR="0" lvl="0" algn="l" defTabSz="914400" rtl="0" eaLnBrk="1" fontAlgn="auto" latinLnBrk="0" hangingPunct="1">
@@ -15900,7 +16843,7 @@
                   <a:defRPr/>
                 </a:pPr>
                 <a:r>
-                  <a:rPr kumimoji="0" lang="zh-CN" altLang="en-US" sz="1400" b="0" i="0" u="none" strike="noStrike" kern="1200" cap="none" spc="0" normalizeH="0" baseline="0" noProof="0" dirty="0">
+                  <a:rPr kumimoji="0" lang="en-US" altLang="zh-CN" sz="1400" b="0" i="0" u="none" strike="noStrike" kern="1200" cap="none" spc="0" normalizeH="0" baseline="0" noProof="0" dirty="0">
                     <a:ln>
                       <a:noFill/>
                     </a:ln>
@@ -15914,7 +16857,7 @@
                     <a:cs typeface="+mn-ea"/>
                     <a:sym typeface="+mn-lt"/>
                   </a:rPr>
-                  <a:t>单击此处添加文本</a:t>
+                  <a:t>Cloud Production</a:t>
                 </a:r>
               </a:p>
             </p:txBody>
@@ -16409,7 +17352,7 @@
             <p:spPr>
               <a:xfrm>
                 <a:off x="921468" y="2409574"/>
-                <a:ext cx="2695041" cy="1020048"/>
+                <a:ext cx="2695041" cy="1025306"/>
               </a:xfrm>
               <a:prstGeom prst="rect">
                 <a:avLst/>
@@ -16435,7 +17378,7 @@
                   <a:defRPr/>
                 </a:pPr>
                 <a:r>
-                  <a:rPr kumimoji="0" lang="zh-CN" altLang="en-US" sz="1400" b="0" i="0" u="none" strike="noStrike" kern="1200" cap="none" spc="0" normalizeH="0" baseline="0" noProof="0" dirty="0">
+                  <a:rPr kumimoji="0" lang="en-US" altLang="zh-CN" sz="1400" b="0" i="0" u="none" strike="noStrike" kern="1200" cap="none" spc="0" normalizeH="0" baseline="0" noProof="0" dirty="0">
                     <a:ln>
                       <a:noFill/>
                     </a:ln>
@@ -16449,22 +17392,8 @@
                     <a:cs typeface="+mn-ea"/>
                     <a:sym typeface="+mn-lt"/>
                   </a:rPr>
-                  <a:t>单击此处添加文本</a:t>
+                  <a:t>AWS Cloud Practitioner</a:t>
                 </a:r>
-                <a:endParaRPr kumimoji="0" lang="en-US" altLang="zh-CN" sz="1400" b="0" i="0" u="none" strike="noStrike" kern="1200" cap="none" spc="0" normalizeH="0" baseline="0" noProof="0" dirty="0">
-                  <a:ln>
-                    <a:noFill/>
-                  </a:ln>
-                  <a:solidFill>
-                    <a:prstClr val="white"/>
-                  </a:solidFill>
-                  <a:effectLst/>
-                  <a:uLnTx/>
-                  <a:uFillTx/>
-                  <a:latin typeface="+mn-ea"/>
-                  <a:cs typeface="+mn-ea"/>
-                  <a:sym typeface="+mn-lt"/>
-                </a:endParaRPr>
               </a:p>
               <a:p>
                 <a:pPr marR="0" lvl="0" algn="l" defTabSz="914400" rtl="0" eaLnBrk="1" fontAlgn="auto" latinLnBrk="0" hangingPunct="1">
@@ -16479,7 +17408,7 @@
                   <a:defRPr/>
                 </a:pPr>
                 <a:r>
-                  <a:rPr kumimoji="0" lang="zh-CN" altLang="en-US" sz="1400" b="0" i="0" u="none" strike="noStrike" kern="1200" cap="none" spc="0" normalizeH="0" baseline="0" noProof="0" dirty="0">
+                  <a:rPr kumimoji="0" lang="en-US" altLang="zh-CN" sz="1400" b="0" i="0" u="none" strike="noStrike" kern="1200" cap="none" spc="0" normalizeH="0" baseline="0" noProof="0" dirty="0">
                     <a:ln>
                       <a:noFill/>
                     </a:ln>
@@ -16493,9 +17422,9 @@
                     <a:cs typeface="+mn-ea"/>
                     <a:sym typeface="+mn-lt"/>
                   </a:rPr>
-                  <a:t>单击此处添加文本</a:t>
+                  <a:t>Artificial Intelligence Engineer Senior - MIIT</a:t>
                 </a:r>
-                <a:endParaRPr kumimoji="0" lang="en-US" altLang="zh-CN" sz="1400" b="0" i="0" u="none" strike="noStrike" kern="1200" cap="none" spc="0" normalizeH="0" baseline="0" noProof="0" dirty="0">
+                <a:endParaRPr kumimoji="0" lang="zh-CN" altLang="en-US" sz="1400" b="0" i="0" u="none" strike="noStrike" kern="1200" cap="none" spc="0" normalizeH="0" baseline="0" noProof="0" dirty="0">
                   <a:ln>
                     <a:noFill/>
                   </a:ln>
@@ -16509,36 +17438,6 @@
                   <a:cs typeface="+mn-ea"/>
                   <a:sym typeface="+mn-lt"/>
                 </a:endParaRPr>
-              </a:p>
-              <a:p>
-                <a:pPr marR="0" lvl="0" algn="l" defTabSz="914400" rtl="0" eaLnBrk="1" fontAlgn="auto" latinLnBrk="0" hangingPunct="1">
-                  <a:lnSpc>
-                    <a:spcPct val="150000"/>
-                  </a:lnSpc>
-                  <a:spcBef>
-                    <a:spcPts val="0"/>
-                  </a:spcBef>
-                  <a:buClrTx/>
-                  <a:buSzTx/>
-                  <a:defRPr/>
-                </a:pPr>
-                <a:r>
-                  <a:rPr kumimoji="0" lang="zh-CN" altLang="en-US" sz="1400" b="0" i="0" u="none" strike="noStrike" kern="1200" cap="none" spc="0" normalizeH="0" baseline="0" noProof="0" dirty="0">
-                    <a:ln>
-                      <a:noFill/>
-                    </a:ln>
-                    <a:solidFill>
-                      <a:prstClr val="white"/>
-                    </a:solidFill>
-                    <a:effectLst/>
-                    <a:uLnTx/>
-                    <a:uFillTx/>
-                    <a:latin typeface="+mn-ea"/>
-                    <a:cs typeface="+mn-ea"/>
-                    <a:sym typeface="+mn-lt"/>
-                  </a:rPr>
-                  <a:t>单击此处添加文本</a:t>
-                </a:r>
               </a:p>
             </p:txBody>
           </p:sp>
@@ -16753,1423 +17652,152 @@
           </a:p>
         </p:txBody>
       </p:sp>
-      <p:grpSp>
-        <p:nvGrpSpPr>
-          <p:cNvPr id="3" name="组合 2"/>
-          <p:cNvGrpSpPr>
-            <a:grpSpLocks noChangeAspect="1"/>
-          </p:cNvGrpSpPr>
-          <p:nvPr>
-            <p:custDataLst>
-              <p:tags r:id="rId1"/>
-            </p:custDataLst>
-          </p:nvPr>
-        </p:nvGrpSpPr>
-        <p:grpSpPr>
+      <p:sp>
+        <p:nvSpPr>
+          <p:cNvPr id="6" name="文本框 5">
+            <a:extLst>
+              <a:ext uri="{FF2B5EF4-FFF2-40B4-BE49-F238E27FC236}">
+                <a16:creationId xmlns:a16="http://schemas.microsoft.com/office/drawing/2014/main" id="{D7199DC4-FEAB-DE5B-12F3-A89754771633}"/>
+              </a:ext>
+            </a:extLst>
+          </p:cNvPr>
+          <p:cNvSpPr txBox="1"/>
+          <p:nvPr/>
+        </p:nvSpPr>
+        <p:spPr>
           <a:xfrm>
-            <a:off x="1787605" y="1194671"/>
-            <a:ext cx="8616790" cy="4468658"/>
-            <a:chOff x="1787605" y="1576578"/>
-            <a:chExt cx="8616790" cy="4468658"/>
+            <a:off x="518400" y="2384528"/>
+            <a:ext cx="11426400" cy="1477328"/>
           </a:xfrm>
-        </p:grpSpPr>
-        <p:grpSp>
-          <p:nvGrpSpPr>
-            <p:cNvPr id="48" name="组合 47"/>
-            <p:cNvGrpSpPr/>
-            <p:nvPr/>
-          </p:nvGrpSpPr>
-          <p:grpSpPr>
-            <a:xfrm>
-              <a:off x="1787605" y="1576578"/>
-              <a:ext cx="8616790" cy="903642"/>
-              <a:chOff x="1595598" y="696200"/>
-              <a:chExt cx="8616790" cy="903642"/>
-            </a:xfrm>
-          </p:grpSpPr>
-          <p:sp>
-            <p:nvSpPr>
-              <p:cNvPr id="61" name="Index-1"/>
-              <p:cNvSpPr/>
-              <p:nvPr>
-                <p:custDataLst>
-                  <p:tags r:id="rId11"/>
-                </p:custDataLst>
-              </p:nvPr>
-            </p:nvSpPr>
-            <p:spPr>
-              <a:xfrm>
-                <a:off x="1666875" y="696200"/>
-                <a:ext cx="676436" cy="434100"/>
-              </a:xfrm>
-              <a:prstGeom prst="parallelogram">
-                <a:avLst>
-                  <a:gd name="adj" fmla="val 20262"/>
-                </a:avLst>
-              </a:prstGeom>
-              <a:solidFill>
-                <a:schemeClr val="accent1"/>
-              </a:solidFill>
-              <a:ln>
-                <a:noFill/>
-              </a:ln>
-              <a:effectLst/>
-            </p:spPr>
-            <p:style>
-              <a:lnRef idx="2">
-                <a:schemeClr val="accent1">
-                  <a:shade val="50000"/>
-                </a:schemeClr>
-              </a:lnRef>
-              <a:fillRef idx="1">
-                <a:schemeClr val="accent1"/>
-              </a:fillRef>
-              <a:effectRef idx="0">
-                <a:schemeClr val="accent1"/>
-              </a:effectRef>
-              <a:fontRef idx="minor">
-                <a:schemeClr val="lt1"/>
-              </a:fontRef>
-            </p:style>
-            <p:txBody>
-              <a:bodyPr rtlCol="0" anchor="ctr"/>
-              <a:lstStyle/>
-              <a:p>
-                <a:pPr algn="ctr"/>
-                <a:r>
-                  <a:rPr lang="en-US" altLang="zh-CN" b="1" i="1" dirty="0">
-                    <a:solidFill>
-                      <a:schemeClr val="bg1"/>
-                    </a:solidFill>
-                  </a:rPr>
-                  <a:t>01</a:t>
-                </a:r>
-                <a:endParaRPr lang="zh-CN" altLang="en-US" b="1" i="1" dirty="0">
-                  <a:solidFill>
-                    <a:schemeClr val="bg1"/>
-                  </a:solidFill>
-                </a:endParaRPr>
-              </a:p>
-            </p:txBody>
-          </p:sp>
-          <p:sp>
-            <p:nvSpPr>
-              <p:cNvPr id="62" name="Title-1"/>
-              <p:cNvSpPr/>
-              <p:nvPr>
-                <p:custDataLst>
-                  <p:tags r:id="rId12"/>
-                </p:custDataLst>
-              </p:nvPr>
-            </p:nvSpPr>
-            <p:spPr>
-              <a:xfrm>
-                <a:off x="2343312" y="696200"/>
-                <a:ext cx="3271676" cy="434100"/>
-              </a:xfrm>
-              <a:prstGeom prst="parallelogram">
-                <a:avLst>
-                  <a:gd name="adj" fmla="val 20262"/>
-                </a:avLst>
-              </a:prstGeom>
-              <a:solidFill>
-                <a:schemeClr val="bg1"/>
-              </a:solidFill>
-              <a:ln>
-                <a:gradFill flip="none" rotWithShape="1">
-                  <a:gsLst>
-                    <a:gs pos="0">
-                      <a:schemeClr val="accent1">
-                        <a:lumMod val="20000"/>
-                        <a:lumOff val="80000"/>
-                      </a:schemeClr>
-                    </a:gs>
-                    <a:gs pos="100000">
-                      <a:schemeClr val="accent1"/>
-                    </a:gs>
-                  </a:gsLst>
-                  <a:lin ang="10800000" scaled="1"/>
-                  <a:tileRect/>
-                </a:gradFill>
-              </a:ln>
-              <a:effectLst/>
-            </p:spPr>
-            <p:style>
-              <a:lnRef idx="2">
-                <a:schemeClr val="accent1">
-                  <a:shade val="50000"/>
-                </a:schemeClr>
-              </a:lnRef>
-              <a:fillRef idx="1">
-                <a:schemeClr val="accent1"/>
-              </a:fillRef>
-              <a:effectRef idx="0">
-                <a:schemeClr val="accent1"/>
-              </a:effectRef>
-              <a:fontRef idx="minor">
-                <a:schemeClr val="lt1"/>
-              </a:fontRef>
-            </p:style>
-            <p:txBody>
-              <a:bodyPr rtlCol="0" anchor="ctr"/>
-              <a:lstStyle/>
-              <a:p>
-                <a:r>
-                  <a:rPr lang="zh-CN" altLang="en-US" b="1" i="1" dirty="0">
-                    <a:solidFill>
-                      <a:schemeClr val="tx2">
-                        <a:lumMod val="90000"/>
-                        <a:lumOff val="10000"/>
-                      </a:schemeClr>
-                    </a:solidFill>
-                  </a:rPr>
-                  <a:t>添加标题</a:t>
-                </a:r>
-              </a:p>
-            </p:txBody>
-          </p:sp>
-          <p:sp>
-            <p:nvSpPr>
-              <p:cNvPr id="63" name="Body-1"/>
-              <p:cNvSpPr/>
-              <p:nvPr>
-                <p:custDataLst>
-                  <p:tags r:id="rId13"/>
-                </p:custDataLst>
-              </p:nvPr>
-            </p:nvSpPr>
-            <p:spPr>
-              <a:xfrm>
-                <a:off x="1595598" y="1128971"/>
-                <a:ext cx="8616790" cy="470871"/>
-              </a:xfrm>
-              <a:prstGeom prst="rect">
-                <a:avLst/>
-              </a:prstGeom>
-              <a:noFill/>
-              <a:ln>
-                <a:noFill/>
-              </a:ln>
-            </p:spPr>
-            <p:style>
-              <a:lnRef idx="2">
-                <a:schemeClr val="accent1">
-                  <a:shade val="50000"/>
-                </a:schemeClr>
-              </a:lnRef>
-              <a:fillRef idx="1">
-                <a:schemeClr val="accent1"/>
-              </a:fillRef>
-              <a:effectRef idx="0">
-                <a:schemeClr val="accent1"/>
-              </a:effectRef>
-              <a:fontRef idx="minor">
-                <a:schemeClr val="lt1"/>
-              </a:fontRef>
-            </p:style>
-            <p:txBody>
-              <a:bodyPr wrap="square" lIns="108000" tIns="108000" rIns="108000" bIns="108000" rtlCol="0" anchor="t" anchorCtr="0">
-                <a:noAutofit/>
-              </a:bodyPr>
-              <a:lstStyle>
-                <a:defPPr>
-                  <a:defRPr lang="zh-CN"/>
-                </a:defPPr>
-                <a:lvl1pPr marL="0" algn="l" defTabSz="914400" rtl="0" eaLnBrk="1" latinLnBrk="0" hangingPunct="1">
-                  <a:defRPr sz="1800" kern="1200">
-                    <a:solidFill>
-                      <a:schemeClr val="lt1"/>
-                    </a:solidFill>
-                    <a:latin typeface="+mn-lt"/>
-                    <a:ea typeface="+mn-ea"/>
-                    <a:cs typeface="+mn-cs"/>
-                  </a:defRPr>
-                </a:lvl1pPr>
-                <a:lvl2pPr marL="457200" algn="l" defTabSz="914400" rtl="0" eaLnBrk="1" latinLnBrk="0" hangingPunct="1">
-                  <a:defRPr sz="1800" kern="1200">
-                    <a:solidFill>
-                      <a:schemeClr val="lt1"/>
-                    </a:solidFill>
-                    <a:latin typeface="+mn-lt"/>
-                    <a:ea typeface="+mn-ea"/>
-                    <a:cs typeface="+mn-cs"/>
-                  </a:defRPr>
-                </a:lvl2pPr>
-                <a:lvl3pPr marL="914400" algn="l" defTabSz="914400" rtl="0" eaLnBrk="1" latinLnBrk="0" hangingPunct="1">
-                  <a:defRPr sz="1800" kern="1200">
-                    <a:solidFill>
-                      <a:schemeClr val="lt1"/>
-                    </a:solidFill>
-                    <a:latin typeface="+mn-lt"/>
-                    <a:ea typeface="+mn-ea"/>
-                    <a:cs typeface="+mn-cs"/>
-                  </a:defRPr>
-                </a:lvl3pPr>
-                <a:lvl4pPr marL="1371600" algn="l" defTabSz="914400" rtl="0" eaLnBrk="1" latinLnBrk="0" hangingPunct="1">
-                  <a:defRPr sz="1800" kern="1200">
-                    <a:solidFill>
-                      <a:schemeClr val="lt1"/>
-                    </a:solidFill>
-                    <a:latin typeface="+mn-lt"/>
-                    <a:ea typeface="+mn-ea"/>
-                    <a:cs typeface="+mn-cs"/>
-                  </a:defRPr>
-                </a:lvl4pPr>
-                <a:lvl5pPr marL="1828800" algn="l" defTabSz="914400" rtl="0" eaLnBrk="1" latinLnBrk="0" hangingPunct="1">
-                  <a:defRPr sz="1800" kern="1200">
-                    <a:solidFill>
-                      <a:schemeClr val="lt1"/>
-                    </a:solidFill>
-                    <a:latin typeface="+mn-lt"/>
-                    <a:ea typeface="+mn-ea"/>
-                    <a:cs typeface="+mn-cs"/>
-                  </a:defRPr>
-                </a:lvl5pPr>
-                <a:lvl6pPr marL="2286000" algn="l" defTabSz="914400" rtl="0" eaLnBrk="1" latinLnBrk="0" hangingPunct="1">
-                  <a:defRPr sz="1800" kern="1200">
-                    <a:solidFill>
-                      <a:schemeClr val="lt1"/>
-                    </a:solidFill>
-                    <a:latin typeface="+mn-lt"/>
-                    <a:ea typeface="+mn-ea"/>
-                    <a:cs typeface="+mn-cs"/>
-                  </a:defRPr>
-                </a:lvl6pPr>
-                <a:lvl7pPr marL="2743200" algn="l" defTabSz="914400" rtl="0" eaLnBrk="1" latinLnBrk="0" hangingPunct="1">
-                  <a:defRPr sz="1800" kern="1200">
-                    <a:solidFill>
-                      <a:schemeClr val="lt1"/>
-                    </a:solidFill>
-                    <a:latin typeface="+mn-lt"/>
-                    <a:ea typeface="+mn-ea"/>
-                    <a:cs typeface="+mn-cs"/>
-                  </a:defRPr>
-                </a:lvl7pPr>
-                <a:lvl8pPr marL="3200400" algn="l" defTabSz="914400" rtl="0" eaLnBrk="1" latinLnBrk="0" hangingPunct="1">
-                  <a:defRPr sz="1800" kern="1200">
-                    <a:solidFill>
-                      <a:schemeClr val="lt1"/>
-                    </a:solidFill>
-                    <a:latin typeface="+mn-lt"/>
-                    <a:ea typeface="+mn-ea"/>
-                    <a:cs typeface="+mn-cs"/>
-                  </a:defRPr>
-                </a:lvl8pPr>
-                <a:lvl9pPr marL="3657600" algn="l" defTabSz="914400" rtl="0" eaLnBrk="1" latinLnBrk="0" hangingPunct="1">
-                  <a:defRPr sz="1800" kern="1200">
-                    <a:solidFill>
-                      <a:schemeClr val="lt1"/>
-                    </a:solidFill>
-                    <a:latin typeface="+mn-lt"/>
-                    <a:ea typeface="+mn-ea"/>
-                    <a:cs typeface="+mn-cs"/>
-                  </a:defRPr>
-                </a:lvl9pPr>
-              </a:lstStyle>
-              <a:p>
-                <a:pPr marL="0" marR="0" lvl="0" indent="0" defTabSz="913765" rtl="0" eaLnBrk="1" fontAlgn="auto" latinLnBrk="0" hangingPunct="1">
-                  <a:lnSpc>
-                    <a:spcPct val="130000"/>
-                  </a:lnSpc>
-                  <a:spcBef>
-                    <a:spcPts val="0"/>
-                  </a:spcBef>
-                  <a:spcAft>
-                    <a:spcPts val="0"/>
-                  </a:spcAft>
-                  <a:buClrTx/>
-                  <a:buSzPct val="100000"/>
-                  <a:buFontTx/>
-                  <a:buNone/>
-                  <a:defRPr/>
-                </a:pPr>
-                <a:r>
-                  <a:rPr kumimoji="0" lang="zh-CN" altLang="en-US" sz="1400" b="0" i="0" u="none" strike="noStrike" kern="1200" cap="none" spc="0" normalizeH="0" baseline="0" noProof="0" dirty="0">
-                    <a:ln>
-                      <a:noFill/>
-                    </a:ln>
-                    <a:solidFill>
-                      <a:schemeClr val="tx2">
-                        <a:lumMod val="75000"/>
-                        <a:lumOff val="25000"/>
-                      </a:schemeClr>
-                    </a:solidFill>
-                    <a:effectLst/>
-                    <a:uLnTx/>
-                    <a:uFillTx/>
-                    <a:latin typeface="+mn-ea"/>
-                    <a:cs typeface="+mn-cs"/>
-                  </a:rPr>
-                  <a:t>单击此处添加文本，单击此处添加文本，单击此处添加文本，单击此处添加文本，单击此处添加文本。</a:t>
-                </a:r>
-                <a:endParaRPr kumimoji="0" lang="en-GB" altLang="zh-CN" sz="1400" b="0" i="0" u="none" strike="noStrike" kern="1200" cap="none" spc="0" normalizeH="0" baseline="0" noProof="0" dirty="0">
-                  <a:ln>
-                    <a:noFill/>
-                  </a:ln>
-                  <a:solidFill>
-                    <a:schemeClr val="tx2">
+          <a:prstGeom prst="rect">
+            <a:avLst/>
+          </a:prstGeom>
+          <a:noFill/>
+        </p:spPr>
+        <p:txBody>
+          <a:bodyPr wrap="square" rtlCol="0">
+            <a:spAutoFit/>
+          </a:bodyPr>
+          <a:lstStyle/>
+          <a:p>
+            <a:r>
+              <a:rPr lang="en-US" altLang="zh-CN" b="1" dirty="0">
+                <a:ln/>
+                <a:pattFill prst="dkUpDiag">
+                  <a:fgClr>
+                    <a:schemeClr val="bg1">
+                      <a:lumMod val="50000"/>
+                    </a:schemeClr>
+                  </a:fgClr>
+                  <a:bgClr>
+                    <a:schemeClr val="tx1">
                       <a:lumMod val="75000"/>
                       <a:lumOff val="25000"/>
                     </a:schemeClr>
-                  </a:solidFill>
-                  <a:effectLst/>
-                  <a:uLnTx/>
-                  <a:uFillTx/>
-                  <a:latin typeface="+mn-ea"/>
-                  <a:cs typeface="+mn-cs"/>
-                </a:endParaRPr>
-              </a:p>
-            </p:txBody>
-          </p:sp>
-        </p:grpSp>
-        <p:grpSp>
-          <p:nvGrpSpPr>
-            <p:cNvPr id="49" name="组合 48"/>
-            <p:cNvGrpSpPr/>
-            <p:nvPr/>
-          </p:nvGrpSpPr>
-          <p:grpSpPr>
-            <a:xfrm>
-              <a:off x="1787605" y="2764917"/>
-              <a:ext cx="8616790" cy="903642"/>
-              <a:chOff x="1595598" y="696200"/>
-              <a:chExt cx="8616790" cy="903642"/>
-            </a:xfrm>
-          </p:grpSpPr>
-          <p:sp>
-            <p:nvSpPr>
-              <p:cNvPr id="58" name="Index-2"/>
-              <p:cNvSpPr/>
-              <p:nvPr>
-                <p:custDataLst>
-                  <p:tags r:id="rId8"/>
-                </p:custDataLst>
-              </p:nvPr>
-            </p:nvSpPr>
-            <p:spPr>
-              <a:xfrm>
-                <a:off x="1666875" y="696200"/>
-                <a:ext cx="676436" cy="434100"/>
-              </a:xfrm>
-              <a:prstGeom prst="parallelogram">
-                <a:avLst>
-                  <a:gd name="adj" fmla="val 20262"/>
-                </a:avLst>
-              </a:prstGeom>
-              <a:solidFill>
-                <a:schemeClr val="accent2"/>
-              </a:solidFill>
-              <a:ln>
-                <a:noFill/>
-              </a:ln>
-              <a:effectLst/>
-            </p:spPr>
-            <p:style>
-              <a:lnRef idx="2">
-                <a:schemeClr val="accent1">
-                  <a:shade val="50000"/>
-                </a:schemeClr>
-              </a:lnRef>
-              <a:fillRef idx="1">
-                <a:schemeClr val="accent1"/>
-              </a:fillRef>
-              <a:effectRef idx="0">
-                <a:schemeClr val="accent1"/>
-              </a:effectRef>
-              <a:fontRef idx="minor">
-                <a:schemeClr val="lt1"/>
-              </a:fontRef>
-            </p:style>
-            <p:txBody>
-              <a:bodyPr rtlCol="0" anchor="ctr"/>
-              <a:lstStyle/>
-              <a:p>
-                <a:pPr algn="ctr"/>
-                <a:r>
-                  <a:rPr lang="en-US" altLang="zh-CN" b="1" i="1" dirty="0">
-                    <a:solidFill>
-                      <a:schemeClr val="bg1"/>
-                    </a:solidFill>
-                  </a:rPr>
-                  <a:t>02</a:t>
-                </a:r>
-                <a:endParaRPr lang="zh-CN" altLang="en-US" b="1" i="1" dirty="0">
-                  <a:solidFill>
-                    <a:schemeClr val="bg1"/>
-                  </a:solidFill>
-                </a:endParaRPr>
-              </a:p>
-            </p:txBody>
-          </p:sp>
-          <p:sp>
-            <p:nvSpPr>
-              <p:cNvPr id="59" name="Title-2"/>
-              <p:cNvSpPr/>
-              <p:nvPr>
-                <p:custDataLst>
-                  <p:tags r:id="rId9"/>
-                </p:custDataLst>
-              </p:nvPr>
-            </p:nvSpPr>
-            <p:spPr>
-              <a:xfrm>
-                <a:off x="2343312" y="696200"/>
-                <a:ext cx="3271676" cy="434100"/>
-              </a:xfrm>
-              <a:prstGeom prst="parallelogram">
-                <a:avLst>
-                  <a:gd name="adj" fmla="val 20262"/>
-                </a:avLst>
-              </a:prstGeom>
-              <a:solidFill>
-                <a:schemeClr val="bg1"/>
-              </a:solidFill>
-              <a:ln>
-                <a:gradFill flip="none" rotWithShape="1">
-                  <a:gsLst>
-                    <a:gs pos="0">
-                      <a:schemeClr val="accent2">
-                        <a:lumMod val="20000"/>
-                        <a:lumOff val="80000"/>
-                      </a:schemeClr>
-                    </a:gs>
-                    <a:gs pos="100000">
-                      <a:schemeClr val="accent2"/>
-                    </a:gs>
-                  </a:gsLst>
-                  <a:lin ang="10800000" scaled="1"/>
-                  <a:tileRect/>
-                </a:gradFill>
-              </a:ln>
-              <a:effectLst/>
-            </p:spPr>
-            <p:style>
-              <a:lnRef idx="2">
-                <a:schemeClr val="accent1">
-                  <a:shade val="50000"/>
-                </a:schemeClr>
-              </a:lnRef>
-              <a:fillRef idx="1">
-                <a:schemeClr val="accent1"/>
-              </a:fillRef>
-              <a:effectRef idx="0">
-                <a:schemeClr val="accent1"/>
-              </a:effectRef>
-              <a:fontRef idx="minor">
-                <a:schemeClr val="lt1"/>
-              </a:fontRef>
-            </p:style>
-            <p:txBody>
-              <a:bodyPr rtlCol="0" anchor="ctr"/>
-              <a:lstStyle/>
-              <a:p>
-                <a:r>
-                  <a:rPr lang="zh-CN" altLang="en-US" b="1" i="1" dirty="0">
-                    <a:solidFill>
-                      <a:schemeClr val="tx2">
-                        <a:lumMod val="90000"/>
-                        <a:lumOff val="10000"/>
-                      </a:schemeClr>
-                    </a:solidFill>
-                  </a:rPr>
-                  <a:t>添加标题</a:t>
-                </a:r>
-              </a:p>
-            </p:txBody>
-          </p:sp>
-          <p:sp>
-            <p:nvSpPr>
-              <p:cNvPr id="60" name="Body-2"/>
-              <p:cNvSpPr/>
-              <p:nvPr>
-                <p:custDataLst>
-                  <p:tags r:id="rId10"/>
-                </p:custDataLst>
-              </p:nvPr>
-            </p:nvSpPr>
-            <p:spPr>
-              <a:xfrm>
-                <a:off x="1595598" y="1128971"/>
-                <a:ext cx="8616790" cy="470871"/>
-              </a:xfrm>
-              <a:prstGeom prst="rect">
-                <a:avLst/>
-              </a:prstGeom>
-              <a:noFill/>
-              <a:ln>
-                <a:noFill/>
-              </a:ln>
-            </p:spPr>
-            <p:style>
-              <a:lnRef idx="2">
-                <a:schemeClr val="accent1">
-                  <a:shade val="50000"/>
-                </a:schemeClr>
-              </a:lnRef>
-              <a:fillRef idx="1">
-                <a:schemeClr val="accent1"/>
-              </a:fillRef>
-              <a:effectRef idx="0">
-                <a:schemeClr val="accent1"/>
-              </a:effectRef>
-              <a:fontRef idx="minor">
-                <a:schemeClr val="lt1"/>
-              </a:fontRef>
-            </p:style>
-            <p:txBody>
-              <a:bodyPr wrap="square" lIns="108000" tIns="108000" rIns="108000" bIns="108000" rtlCol="0" anchor="t" anchorCtr="0">
-                <a:noAutofit/>
-              </a:bodyPr>
-              <a:lstStyle>
-                <a:defPPr>
-                  <a:defRPr lang="zh-CN"/>
-                </a:defPPr>
-                <a:lvl1pPr marL="0" algn="l" defTabSz="914400" rtl="0" eaLnBrk="1" latinLnBrk="0" hangingPunct="1">
-                  <a:defRPr sz="1800" kern="1200">
-                    <a:solidFill>
-                      <a:schemeClr val="lt1"/>
-                    </a:solidFill>
-                    <a:latin typeface="+mn-lt"/>
-                    <a:ea typeface="+mn-ea"/>
-                    <a:cs typeface="+mn-cs"/>
-                  </a:defRPr>
-                </a:lvl1pPr>
-                <a:lvl2pPr marL="457200" algn="l" defTabSz="914400" rtl="0" eaLnBrk="1" latinLnBrk="0" hangingPunct="1">
-                  <a:defRPr sz="1800" kern="1200">
-                    <a:solidFill>
-                      <a:schemeClr val="lt1"/>
-                    </a:solidFill>
-                    <a:latin typeface="+mn-lt"/>
-                    <a:ea typeface="+mn-ea"/>
-                    <a:cs typeface="+mn-cs"/>
-                  </a:defRPr>
-                </a:lvl2pPr>
-                <a:lvl3pPr marL="914400" algn="l" defTabSz="914400" rtl="0" eaLnBrk="1" latinLnBrk="0" hangingPunct="1">
-                  <a:defRPr sz="1800" kern="1200">
-                    <a:solidFill>
-                      <a:schemeClr val="lt1"/>
-                    </a:solidFill>
-                    <a:latin typeface="+mn-lt"/>
-                    <a:ea typeface="+mn-ea"/>
-                    <a:cs typeface="+mn-cs"/>
-                  </a:defRPr>
-                </a:lvl3pPr>
-                <a:lvl4pPr marL="1371600" algn="l" defTabSz="914400" rtl="0" eaLnBrk="1" latinLnBrk="0" hangingPunct="1">
-                  <a:defRPr sz="1800" kern="1200">
-                    <a:solidFill>
-                      <a:schemeClr val="lt1"/>
-                    </a:solidFill>
-                    <a:latin typeface="+mn-lt"/>
-                    <a:ea typeface="+mn-ea"/>
-                    <a:cs typeface="+mn-cs"/>
-                  </a:defRPr>
-                </a:lvl4pPr>
-                <a:lvl5pPr marL="1828800" algn="l" defTabSz="914400" rtl="0" eaLnBrk="1" latinLnBrk="0" hangingPunct="1">
-                  <a:defRPr sz="1800" kern="1200">
-                    <a:solidFill>
-                      <a:schemeClr val="lt1"/>
-                    </a:solidFill>
-                    <a:latin typeface="+mn-lt"/>
-                    <a:ea typeface="+mn-ea"/>
-                    <a:cs typeface="+mn-cs"/>
-                  </a:defRPr>
-                </a:lvl5pPr>
-                <a:lvl6pPr marL="2286000" algn="l" defTabSz="914400" rtl="0" eaLnBrk="1" latinLnBrk="0" hangingPunct="1">
-                  <a:defRPr sz="1800" kern="1200">
-                    <a:solidFill>
-                      <a:schemeClr val="lt1"/>
-                    </a:solidFill>
-                    <a:latin typeface="+mn-lt"/>
-                    <a:ea typeface="+mn-ea"/>
-                    <a:cs typeface="+mn-cs"/>
-                  </a:defRPr>
-                </a:lvl6pPr>
-                <a:lvl7pPr marL="2743200" algn="l" defTabSz="914400" rtl="0" eaLnBrk="1" latinLnBrk="0" hangingPunct="1">
-                  <a:defRPr sz="1800" kern="1200">
-                    <a:solidFill>
-                      <a:schemeClr val="lt1"/>
-                    </a:solidFill>
-                    <a:latin typeface="+mn-lt"/>
-                    <a:ea typeface="+mn-ea"/>
-                    <a:cs typeface="+mn-cs"/>
-                  </a:defRPr>
-                </a:lvl7pPr>
-                <a:lvl8pPr marL="3200400" algn="l" defTabSz="914400" rtl="0" eaLnBrk="1" latinLnBrk="0" hangingPunct="1">
-                  <a:defRPr sz="1800" kern="1200">
-                    <a:solidFill>
-                      <a:schemeClr val="lt1"/>
-                    </a:solidFill>
-                    <a:latin typeface="+mn-lt"/>
-                    <a:ea typeface="+mn-ea"/>
-                    <a:cs typeface="+mn-cs"/>
-                  </a:defRPr>
-                </a:lvl8pPr>
-                <a:lvl9pPr marL="3657600" algn="l" defTabSz="914400" rtl="0" eaLnBrk="1" latinLnBrk="0" hangingPunct="1">
-                  <a:defRPr sz="1800" kern="1200">
-                    <a:solidFill>
-                      <a:schemeClr val="lt1"/>
-                    </a:solidFill>
-                    <a:latin typeface="+mn-lt"/>
-                    <a:ea typeface="+mn-ea"/>
-                    <a:cs typeface="+mn-cs"/>
-                  </a:defRPr>
-                </a:lvl9pPr>
-              </a:lstStyle>
-              <a:p>
-                <a:pPr marL="0" marR="0" lvl="0" indent="0" defTabSz="913765" rtl="0" eaLnBrk="1" fontAlgn="auto" latinLnBrk="0" hangingPunct="1">
-                  <a:lnSpc>
-                    <a:spcPct val="130000"/>
-                  </a:lnSpc>
-                  <a:spcBef>
-                    <a:spcPts val="0"/>
-                  </a:spcBef>
-                  <a:spcAft>
-                    <a:spcPts val="0"/>
-                  </a:spcAft>
-                  <a:buClrTx/>
-                  <a:buSzPct val="100000"/>
-                  <a:buFontTx/>
-                  <a:buNone/>
-                  <a:defRPr/>
-                </a:pPr>
-                <a:r>
-                  <a:rPr kumimoji="0" lang="zh-CN" altLang="en-US" sz="1400" b="0" i="0" u="none" strike="noStrike" kern="1200" cap="none" spc="0" normalizeH="0" baseline="0" noProof="0" dirty="0">
-                    <a:ln>
-                      <a:noFill/>
-                    </a:ln>
-                    <a:solidFill>
-                      <a:schemeClr val="tx2">
-                        <a:lumMod val="75000"/>
-                        <a:lumOff val="25000"/>
-                      </a:schemeClr>
-                    </a:solidFill>
-                    <a:effectLst/>
-                    <a:uLnTx/>
-                    <a:uFillTx/>
-                    <a:latin typeface="+mn-ea"/>
-                    <a:cs typeface="+mn-cs"/>
-                  </a:rPr>
-                  <a:t>单击此处添加文本，单击此处添加文本，单击此处添加文本，单击此处添加文本，单击此处添加文本。</a:t>
-                </a:r>
-                <a:endParaRPr kumimoji="0" lang="en-GB" altLang="zh-CN" sz="1400" b="0" i="0" u="none" strike="noStrike" kern="1200" cap="none" spc="0" normalizeH="0" baseline="0" noProof="0" dirty="0">
-                  <a:ln>
-                    <a:noFill/>
-                  </a:ln>
-                  <a:solidFill>
-                    <a:schemeClr val="tx2">
+                  </a:bgClr>
+                </a:pattFill>
+                <a:effectLst>
+                  <a:outerShdw blurRad="38100" dist="19050" dir="2700000" algn="tl" rotWithShape="0">
+                    <a:schemeClr val="dk1">
+                      <a:lumMod val="50000"/>
+                      <a:alpha val="40000"/>
+                    </a:schemeClr>
+                  </a:outerShdw>
+                </a:effectLst>
+              </a:rPr>
+              <a:t>1. Efficient Knowledge Retrieval for Large Language Models</a:t>
+            </a:r>
+          </a:p>
+          <a:p>
+            <a:endParaRPr lang="en-US" altLang="zh-CN" dirty="0"/>
+          </a:p>
+          <a:p>
+            <a:r>
+              <a:rPr lang="en-US" altLang="zh-CN" b="1" dirty="0">
+                <a:ln/>
+                <a:pattFill prst="dkUpDiag">
+                  <a:fgClr>
+                    <a:schemeClr val="bg1">
+                      <a:lumMod val="50000"/>
+                    </a:schemeClr>
+                  </a:fgClr>
+                  <a:bgClr>
+                    <a:schemeClr val="tx1">
                       <a:lumMod val="75000"/>
                       <a:lumOff val="25000"/>
                     </a:schemeClr>
-                  </a:solidFill>
-                  <a:effectLst/>
-                  <a:uLnTx/>
-                  <a:uFillTx/>
-                  <a:latin typeface="+mn-ea"/>
-                  <a:cs typeface="+mn-cs"/>
-                </a:endParaRPr>
-              </a:p>
-            </p:txBody>
-          </p:sp>
-        </p:grpSp>
-        <p:grpSp>
-          <p:nvGrpSpPr>
-            <p:cNvPr id="50" name="组合 49"/>
-            <p:cNvGrpSpPr/>
-            <p:nvPr/>
-          </p:nvGrpSpPr>
-          <p:grpSpPr>
-            <a:xfrm>
-              <a:off x="1787605" y="3953256"/>
-              <a:ext cx="8616790" cy="903642"/>
-              <a:chOff x="1595598" y="696200"/>
-              <a:chExt cx="8616790" cy="903642"/>
-            </a:xfrm>
-          </p:grpSpPr>
-          <p:sp>
-            <p:nvSpPr>
-              <p:cNvPr id="55" name="Index-3"/>
-              <p:cNvSpPr/>
-              <p:nvPr>
-                <p:custDataLst>
-                  <p:tags r:id="rId5"/>
-                </p:custDataLst>
-              </p:nvPr>
-            </p:nvSpPr>
-            <p:spPr>
-              <a:xfrm>
-                <a:off x="1666875" y="696200"/>
-                <a:ext cx="676436" cy="434100"/>
-              </a:xfrm>
-              <a:prstGeom prst="parallelogram">
-                <a:avLst>
-                  <a:gd name="adj" fmla="val 20262"/>
-                </a:avLst>
-              </a:prstGeom>
-              <a:solidFill>
-                <a:schemeClr val="accent3"/>
-              </a:solidFill>
-              <a:ln>
-                <a:noFill/>
-              </a:ln>
-              <a:effectLst/>
-            </p:spPr>
-            <p:style>
-              <a:lnRef idx="2">
-                <a:schemeClr val="accent1">
-                  <a:shade val="50000"/>
-                </a:schemeClr>
-              </a:lnRef>
-              <a:fillRef idx="1">
-                <a:schemeClr val="accent1"/>
-              </a:fillRef>
-              <a:effectRef idx="0">
-                <a:schemeClr val="accent1"/>
-              </a:effectRef>
-              <a:fontRef idx="minor">
-                <a:schemeClr val="lt1"/>
-              </a:fontRef>
-            </p:style>
-            <p:txBody>
-              <a:bodyPr rtlCol="0" anchor="ctr"/>
-              <a:lstStyle/>
-              <a:p>
-                <a:pPr algn="ctr"/>
-                <a:r>
-                  <a:rPr lang="en-US" altLang="zh-CN" b="1" i="1" dirty="0">
-                    <a:solidFill>
-                      <a:schemeClr val="bg1"/>
-                    </a:solidFill>
-                  </a:rPr>
-                  <a:t>03</a:t>
-                </a:r>
-                <a:endParaRPr lang="zh-CN" altLang="en-US" b="1" i="1" dirty="0">
-                  <a:solidFill>
-                    <a:schemeClr val="bg1"/>
-                  </a:solidFill>
-                </a:endParaRPr>
-              </a:p>
-            </p:txBody>
-          </p:sp>
-          <p:sp>
-            <p:nvSpPr>
-              <p:cNvPr id="56" name="Title-3"/>
-              <p:cNvSpPr/>
-              <p:nvPr>
-                <p:custDataLst>
-                  <p:tags r:id="rId6"/>
-                </p:custDataLst>
-              </p:nvPr>
-            </p:nvSpPr>
-            <p:spPr>
-              <a:xfrm>
-                <a:off x="2343312" y="696200"/>
-                <a:ext cx="3271676" cy="434100"/>
-              </a:xfrm>
-              <a:prstGeom prst="parallelogram">
-                <a:avLst>
-                  <a:gd name="adj" fmla="val 20262"/>
-                </a:avLst>
-              </a:prstGeom>
-              <a:solidFill>
-                <a:schemeClr val="bg1"/>
-              </a:solidFill>
-              <a:ln>
-                <a:gradFill flip="none" rotWithShape="1">
-                  <a:gsLst>
-                    <a:gs pos="0">
-                      <a:schemeClr val="accent3">
-                        <a:lumMod val="20000"/>
-                        <a:lumOff val="80000"/>
-                      </a:schemeClr>
-                    </a:gs>
-                    <a:gs pos="100000">
-                      <a:schemeClr val="accent3"/>
-                    </a:gs>
-                  </a:gsLst>
-                  <a:lin ang="10800000" scaled="1"/>
-                  <a:tileRect/>
-                </a:gradFill>
-              </a:ln>
-              <a:effectLst/>
-            </p:spPr>
-            <p:style>
-              <a:lnRef idx="2">
-                <a:schemeClr val="accent1">
-                  <a:shade val="50000"/>
-                </a:schemeClr>
-              </a:lnRef>
-              <a:fillRef idx="1">
-                <a:schemeClr val="accent1"/>
-              </a:fillRef>
-              <a:effectRef idx="0">
-                <a:schemeClr val="accent1"/>
-              </a:effectRef>
-              <a:fontRef idx="minor">
-                <a:schemeClr val="lt1"/>
-              </a:fontRef>
-            </p:style>
-            <p:txBody>
-              <a:bodyPr rtlCol="0" anchor="ctr"/>
-              <a:lstStyle/>
-              <a:p>
-                <a:r>
-                  <a:rPr lang="zh-CN" altLang="en-US" b="1" i="1" dirty="0">
-                    <a:solidFill>
-                      <a:schemeClr val="tx2">
-                        <a:lumMod val="90000"/>
-                        <a:lumOff val="10000"/>
-                      </a:schemeClr>
-                    </a:solidFill>
-                  </a:rPr>
-                  <a:t>添加标题</a:t>
-                </a:r>
-              </a:p>
-            </p:txBody>
-          </p:sp>
-          <p:sp>
-            <p:nvSpPr>
-              <p:cNvPr id="57" name="Body-3"/>
-              <p:cNvSpPr/>
-              <p:nvPr>
-                <p:custDataLst>
-                  <p:tags r:id="rId7"/>
-                </p:custDataLst>
-              </p:nvPr>
-            </p:nvSpPr>
-            <p:spPr>
-              <a:xfrm>
-                <a:off x="1595598" y="1128971"/>
-                <a:ext cx="8616790" cy="470871"/>
-              </a:xfrm>
-              <a:prstGeom prst="rect">
-                <a:avLst/>
-              </a:prstGeom>
-              <a:noFill/>
-              <a:ln>
-                <a:noFill/>
-              </a:ln>
-            </p:spPr>
-            <p:style>
-              <a:lnRef idx="2">
-                <a:schemeClr val="accent1">
-                  <a:shade val="50000"/>
-                </a:schemeClr>
-              </a:lnRef>
-              <a:fillRef idx="1">
-                <a:schemeClr val="accent1"/>
-              </a:fillRef>
-              <a:effectRef idx="0">
-                <a:schemeClr val="accent1"/>
-              </a:effectRef>
-              <a:fontRef idx="minor">
-                <a:schemeClr val="lt1"/>
-              </a:fontRef>
-            </p:style>
-            <p:txBody>
-              <a:bodyPr wrap="square" lIns="108000" tIns="108000" rIns="108000" bIns="108000" rtlCol="0" anchor="t" anchorCtr="0">
-                <a:noAutofit/>
-              </a:bodyPr>
-              <a:lstStyle>
-                <a:defPPr>
-                  <a:defRPr lang="zh-CN"/>
-                </a:defPPr>
-                <a:lvl1pPr marL="0" algn="l" defTabSz="914400" rtl="0" eaLnBrk="1" latinLnBrk="0" hangingPunct="1">
-                  <a:defRPr sz="1800" kern="1200">
-                    <a:solidFill>
-                      <a:schemeClr val="lt1"/>
-                    </a:solidFill>
-                    <a:latin typeface="+mn-lt"/>
-                    <a:ea typeface="+mn-ea"/>
-                    <a:cs typeface="+mn-cs"/>
-                  </a:defRPr>
-                </a:lvl1pPr>
-                <a:lvl2pPr marL="457200" algn="l" defTabSz="914400" rtl="0" eaLnBrk="1" latinLnBrk="0" hangingPunct="1">
-                  <a:defRPr sz="1800" kern="1200">
-                    <a:solidFill>
-                      <a:schemeClr val="lt1"/>
-                    </a:solidFill>
-                    <a:latin typeface="+mn-lt"/>
-                    <a:ea typeface="+mn-ea"/>
-                    <a:cs typeface="+mn-cs"/>
-                  </a:defRPr>
-                </a:lvl2pPr>
-                <a:lvl3pPr marL="914400" algn="l" defTabSz="914400" rtl="0" eaLnBrk="1" latinLnBrk="0" hangingPunct="1">
-                  <a:defRPr sz="1800" kern="1200">
-                    <a:solidFill>
-                      <a:schemeClr val="lt1"/>
-                    </a:solidFill>
-                    <a:latin typeface="+mn-lt"/>
-                    <a:ea typeface="+mn-ea"/>
-                    <a:cs typeface="+mn-cs"/>
-                  </a:defRPr>
-                </a:lvl3pPr>
-                <a:lvl4pPr marL="1371600" algn="l" defTabSz="914400" rtl="0" eaLnBrk="1" latinLnBrk="0" hangingPunct="1">
-                  <a:defRPr sz="1800" kern="1200">
-                    <a:solidFill>
-                      <a:schemeClr val="lt1"/>
-                    </a:solidFill>
-                    <a:latin typeface="+mn-lt"/>
-                    <a:ea typeface="+mn-ea"/>
-                    <a:cs typeface="+mn-cs"/>
-                  </a:defRPr>
-                </a:lvl4pPr>
-                <a:lvl5pPr marL="1828800" algn="l" defTabSz="914400" rtl="0" eaLnBrk="1" latinLnBrk="0" hangingPunct="1">
-                  <a:defRPr sz="1800" kern="1200">
-                    <a:solidFill>
-                      <a:schemeClr val="lt1"/>
-                    </a:solidFill>
-                    <a:latin typeface="+mn-lt"/>
-                    <a:ea typeface="+mn-ea"/>
-                    <a:cs typeface="+mn-cs"/>
-                  </a:defRPr>
-                </a:lvl5pPr>
-                <a:lvl6pPr marL="2286000" algn="l" defTabSz="914400" rtl="0" eaLnBrk="1" latinLnBrk="0" hangingPunct="1">
-                  <a:defRPr sz="1800" kern="1200">
-                    <a:solidFill>
-                      <a:schemeClr val="lt1"/>
-                    </a:solidFill>
-                    <a:latin typeface="+mn-lt"/>
-                    <a:ea typeface="+mn-ea"/>
-                    <a:cs typeface="+mn-cs"/>
-                  </a:defRPr>
-                </a:lvl6pPr>
-                <a:lvl7pPr marL="2743200" algn="l" defTabSz="914400" rtl="0" eaLnBrk="1" latinLnBrk="0" hangingPunct="1">
-                  <a:defRPr sz="1800" kern="1200">
-                    <a:solidFill>
-                      <a:schemeClr val="lt1"/>
-                    </a:solidFill>
-                    <a:latin typeface="+mn-lt"/>
-                    <a:ea typeface="+mn-ea"/>
-                    <a:cs typeface="+mn-cs"/>
-                  </a:defRPr>
-                </a:lvl7pPr>
-                <a:lvl8pPr marL="3200400" algn="l" defTabSz="914400" rtl="0" eaLnBrk="1" latinLnBrk="0" hangingPunct="1">
-                  <a:defRPr sz="1800" kern="1200">
-                    <a:solidFill>
-                      <a:schemeClr val="lt1"/>
-                    </a:solidFill>
-                    <a:latin typeface="+mn-lt"/>
-                    <a:ea typeface="+mn-ea"/>
-                    <a:cs typeface="+mn-cs"/>
-                  </a:defRPr>
-                </a:lvl8pPr>
-                <a:lvl9pPr marL="3657600" algn="l" defTabSz="914400" rtl="0" eaLnBrk="1" latinLnBrk="0" hangingPunct="1">
-                  <a:defRPr sz="1800" kern="1200">
-                    <a:solidFill>
-                      <a:schemeClr val="lt1"/>
-                    </a:solidFill>
-                    <a:latin typeface="+mn-lt"/>
-                    <a:ea typeface="+mn-ea"/>
-                    <a:cs typeface="+mn-cs"/>
-                  </a:defRPr>
-                </a:lvl9pPr>
-              </a:lstStyle>
-              <a:p>
-                <a:pPr marL="0" marR="0" lvl="0" indent="0" defTabSz="913765" rtl="0" eaLnBrk="1" fontAlgn="auto" latinLnBrk="0" hangingPunct="1">
-                  <a:lnSpc>
-                    <a:spcPct val="130000"/>
-                  </a:lnSpc>
-                  <a:spcBef>
-                    <a:spcPts val="0"/>
-                  </a:spcBef>
-                  <a:spcAft>
-                    <a:spcPts val="0"/>
-                  </a:spcAft>
-                  <a:buClrTx/>
-                  <a:buSzPct val="100000"/>
-                  <a:buFontTx/>
-                  <a:buNone/>
-                  <a:defRPr/>
-                </a:pPr>
-                <a:r>
-                  <a:rPr kumimoji="0" lang="zh-CN" altLang="en-US" sz="1400" b="0" i="0" u="none" strike="noStrike" kern="1200" cap="none" spc="0" normalizeH="0" baseline="0" noProof="0" dirty="0">
-                    <a:ln>
-                      <a:noFill/>
-                    </a:ln>
-                    <a:solidFill>
-                      <a:schemeClr val="tx2">
-                        <a:lumMod val="75000"/>
-                        <a:lumOff val="25000"/>
-                      </a:schemeClr>
-                    </a:solidFill>
-                    <a:effectLst/>
-                    <a:uLnTx/>
-                    <a:uFillTx/>
-                    <a:latin typeface="+mn-ea"/>
-                    <a:cs typeface="+mn-cs"/>
-                  </a:rPr>
-                  <a:t>单击此处添加文本，单击此处添加文本，单击此处添加文本，单击此处添加文本，单击此处添加文本。</a:t>
-                </a:r>
-                <a:endParaRPr kumimoji="0" lang="en-GB" altLang="zh-CN" sz="1400" b="0" i="0" u="none" strike="noStrike" kern="1200" cap="none" spc="0" normalizeH="0" baseline="0" noProof="0" dirty="0">
-                  <a:ln>
-                    <a:noFill/>
-                  </a:ln>
-                  <a:solidFill>
-                    <a:schemeClr val="tx2">
+                  </a:bgClr>
+                </a:pattFill>
+                <a:effectLst>
+                  <a:outerShdw blurRad="38100" dist="19050" dir="2700000" algn="tl" rotWithShape="0">
+                    <a:schemeClr val="dk1">
+                      <a:lumMod val="50000"/>
+                      <a:alpha val="40000"/>
+                    </a:schemeClr>
+                  </a:outerShdw>
+                </a:effectLst>
+              </a:rPr>
+              <a:t>2. Vector Databases and Multimodal Information Integration</a:t>
+            </a:r>
+          </a:p>
+          <a:p>
+            <a:endParaRPr lang="en-US" altLang="zh-CN" dirty="0"/>
+          </a:p>
+          <a:p>
+            <a:r>
+              <a:rPr lang="en-US" altLang="zh-CN" b="1" dirty="0">
+                <a:ln/>
+                <a:pattFill prst="dkUpDiag">
+                  <a:fgClr>
+                    <a:schemeClr val="bg1">
+                      <a:lumMod val="50000"/>
+                    </a:schemeClr>
+                  </a:fgClr>
+                  <a:bgClr>
+                    <a:schemeClr val="tx1">
                       <a:lumMod val="75000"/>
                       <a:lumOff val="25000"/>
                     </a:schemeClr>
-                  </a:solidFill>
-                  <a:effectLst/>
-                  <a:uLnTx/>
-                  <a:uFillTx/>
-                  <a:latin typeface="+mn-ea"/>
-                  <a:cs typeface="+mn-cs"/>
-                </a:endParaRPr>
-              </a:p>
-            </p:txBody>
-          </p:sp>
-        </p:grpSp>
-        <p:grpSp>
-          <p:nvGrpSpPr>
-            <p:cNvPr id="51" name="组合 50"/>
-            <p:cNvGrpSpPr/>
-            <p:nvPr/>
-          </p:nvGrpSpPr>
-          <p:grpSpPr>
-            <a:xfrm>
-              <a:off x="1787605" y="5141594"/>
-              <a:ext cx="8616790" cy="903642"/>
-              <a:chOff x="1595598" y="696200"/>
-              <a:chExt cx="8616790" cy="903642"/>
-            </a:xfrm>
-          </p:grpSpPr>
-          <p:sp>
-            <p:nvSpPr>
-              <p:cNvPr id="52" name="Index-4"/>
-              <p:cNvSpPr/>
-              <p:nvPr>
-                <p:custDataLst>
-                  <p:tags r:id="rId2"/>
-                </p:custDataLst>
-              </p:nvPr>
-            </p:nvSpPr>
-            <p:spPr>
-              <a:xfrm>
-                <a:off x="1666875" y="696200"/>
-                <a:ext cx="676436" cy="434100"/>
-              </a:xfrm>
-              <a:prstGeom prst="parallelogram">
-                <a:avLst>
-                  <a:gd name="adj" fmla="val 20262"/>
-                </a:avLst>
-              </a:prstGeom>
-              <a:solidFill>
-                <a:schemeClr val="accent4"/>
-              </a:solidFill>
-              <a:ln>
-                <a:noFill/>
-              </a:ln>
-              <a:effectLst/>
-            </p:spPr>
-            <p:style>
-              <a:lnRef idx="2">
-                <a:schemeClr val="accent1">
-                  <a:shade val="50000"/>
-                </a:schemeClr>
-              </a:lnRef>
-              <a:fillRef idx="1">
-                <a:schemeClr val="accent1"/>
-              </a:fillRef>
-              <a:effectRef idx="0">
-                <a:schemeClr val="accent1"/>
-              </a:effectRef>
-              <a:fontRef idx="minor">
-                <a:schemeClr val="lt1"/>
-              </a:fontRef>
-            </p:style>
-            <p:txBody>
-              <a:bodyPr rtlCol="0" anchor="ctr"/>
-              <a:lstStyle/>
-              <a:p>
-                <a:pPr algn="ctr"/>
-                <a:r>
-                  <a:rPr lang="en-US" altLang="zh-CN" b="1" i="1" dirty="0">
-                    <a:solidFill>
-                      <a:schemeClr val="bg1"/>
-                    </a:solidFill>
-                  </a:rPr>
-                  <a:t>04</a:t>
-                </a:r>
-                <a:endParaRPr lang="zh-CN" altLang="en-US" b="1" i="1" dirty="0">
-                  <a:solidFill>
-                    <a:schemeClr val="bg1"/>
-                  </a:solidFill>
-                </a:endParaRPr>
-              </a:p>
-            </p:txBody>
-          </p:sp>
-          <p:sp>
-            <p:nvSpPr>
-              <p:cNvPr id="53" name="Title-4"/>
-              <p:cNvSpPr/>
-              <p:nvPr>
-                <p:custDataLst>
-                  <p:tags r:id="rId3"/>
-                </p:custDataLst>
-              </p:nvPr>
-            </p:nvSpPr>
-            <p:spPr>
-              <a:xfrm>
-                <a:off x="2343312" y="696200"/>
-                <a:ext cx="3271676" cy="434100"/>
-              </a:xfrm>
-              <a:prstGeom prst="parallelogram">
-                <a:avLst>
-                  <a:gd name="adj" fmla="val 20262"/>
-                </a:avLst>
-              </a:prstGeom>
-              <a:solidFill>
-                <a:schemeClr val="bg1"/>
-              </a:solidFill>
-              <a:ln>
-                <a:gradFill flip="none" rotWithShape="1">
-                  <a:gsLst>
-                    <a:gs pos="0">
-                      <a:schemeClr val="accent4">
-                        <a:lumMod val="20000"/>
-                        <a:lumOff val="80000"/>
-                      </a:schemeClr>
-                    </a:gs>
-                    <a:gs pos="100000">
-                      <a:schemeClr val="accent4"/>
-                    </a:gs>
-                  </a:gsLst>
-                  <a:lin ang="10800000" scaled="1"/>
-                  <a:tileRect/>
-                </a:gradFill>
-              </a:ln>
-              <a:effectLst/>
-            </p:spPr>
-            <p:style>
-              <a:lnRef idx="2">
-                <a:schemeClr val="accent1">
-                  <a:shade val="50000"/>
-                </a:schemeClr>
-              </a:lnRef>
-              <a:fillRef idx="1">
-                <a:schemeClr val="accent1"/>
-              </a:fillRef>
-              <a:effectRef idx="0">
-                <a:schemeClr val="accent1"/>
-              </a:effectRef>
-              <a:fontRef idx="minor">
-                <a:schemeClr val="lt1"/>
-              </a:fontRef>
-            </p:style>
-            <p:txBody>
-              <a:bodyPr rtlCol="0" anchor="ctr"/>
-              <a:lstStyle/>
-              <a:p>
-                <a:r>
-                  <a:rPr lang="zh-CN" altLang="en-US" b="1" i="1" dirty="0">
-                    <a:solidFill>
-                      <a:schemeClr val="tx2">
-                        <a:lumMod val="90000"/>
-                        <a:lumOff val="10000"/>
-                      </a:schemeClr>
-                    </a:solidFill>
-                  </a:rPr>
-                  <a:t>添加标题</a:t>
-                </a:r>
-              </a:p>
-            </p:txBody>
-          </p:sp>
-          <p:sp>
-            <p:nvSpPr>
-              <p:cNvPr id="54" name="Body-4"/>
-              <p:cNvSpPr/>
-              <p:nvPr>
-                <p:custDataLst>
-                  <p:tags r:id="rId4"/>
-                </p:custDataLst>
-              </p:nvPr>
-            </p:nvSpPr>
-            <p:spPr>
-              <a:xfrm>
-                <a:off x="1595598" y="1128971"/>
-                <a:ext cx="8616790" cy="470871"/>
-              </a:xfrm>
-              <a:prstGeom prst="rect">
-                <a:avLst/>
-              </a:prstGeom>
-              <a:noFill/>
-              <a:ln>
-                <a:noFill/>
-              </a:ln>
-            </p:spPr>
-            <p:style>
-              <a:lnRef idx="2">
-                <a:schemeClr val="accent1">
-                  <a:shade val="50000"/>
-                </a:schemeClr>
-              </a:lnRef>
-              <a:fillRef idx="1">
-                <a:schemeClr val="accent1"/>
-              </a:fillRef>
-              <a:effectRef idx="0">
-                <a:schemeClr val="accent1"/>
-              </a:effectRef>
-              <a:fontRef idx="minor">
-                <a:schemeClr val="lt1"/>
-              </a:fontRef>
-            </p:style>
-            <p:txBody>
-              <a:bodyPr wrap="square" lIns="108000" tIns="108000" rIns="108000" bIns="108000" rtlCol="0" anchor="t" anchorCtr="0">
-                <a:noAutofit/>
-              </a:bodyPr>
-              <a:lstStyle>
-                <a:defPPr>
-                  <a:defRPr lang="zh-CN"/>
-                </a:defPPr>
-                <a:lvl1pPr marL="0" algn="l" defTabSz="914400" rtl="0" eaLnBrk="1" latinLnBrk="0" hangingPunct="1">
-                  <a:defRPr sz="1800" kern="1200">
-                    <a:solidFill>
-                      <a:schemeClr val="lt1"/>
-                    </a:solidFill>
-                    <a:latin typeface="+mn-lt"/>
-                    <a:ea typeface="+mn-ea"/>
-                    <a:cs typeface="+mn-cs"/>
-                  </a:defRPr>
-                </a:lvl1pPr>
-                <a:lvl2pPr marL="457200" algn="l" defTabSz="914400" rtl="0" eaLnBrk="1" latinLnBrk="0" hangingPunct="1">
-                  <a:defRPr sz="1800" kern="1200">
-                    <a:solidFill>
-                      <a:schemeClr val="lt1"/>
-                    </a:solidFill>
-                    <a:latin typeface="+mn-lt"/>
-                    <a:ea typeface="+mn-ea"/>
-                    <a:cs typeface="+mn-cs"/>
-                  </a:defRPr>
-                </a:lvl2pPr>
-                <a:lvl3pPr marL="914400" algn="l" defTabSz="914400" rtl="0" eaLnBrk="1" latinLnBrk="0" hangingPunct="1">
-                  <a:defRPr sz="1800" kern="1200">
-                    <a:solidFill>
-                      <a:schemeClr val="lt1"/>
-                    </a:solidFill>
-                    <a:latin typeface="+mn-lt"/>
-                    <a:ea typeface="+mn-ea"/>
-                    <a:cs typeface="+mn-cs"/>
-                  </a:defRPr>
-                </a:lvl3pPr>
-                <a:lvl4pPr marL="1371600" algn="l" defTabSz="914400" rtl="0" eaLnBrk="1" latinLnBrk="0" hangingPunct="1">
-                  <a:defRPr sz="1800" kern="1200">
-                    <a:solidFill>
-                      <a:schemeClr val="lt1"/>
-                    </a:solidFill>
-                    <a:latin typeface="+mn-lt"/>
-                    <a:ea typeface="+mn-ea"/>
-                    <a:cs typeface="+mn-cs"/>
-                  </a:defRPr>
-                </a:lvl4pPr>
-                <a:lvl5pPr marL="1828800" algn="l" defTabSz="914400" rtl="0" eaLnBrk="1" latinLnBrk="0" hangingPunct="1">
-                  <a:defRPr sz="1800" kern="1200">
-                    <a:solidFill>
-                      <a:schemeClr val="lt1"/>
-                    </a:solidFill>
-                    <a:latin typeface="+mn-lt"/>
-                    <a:ea typeface="+mn-ea"/>
-                    <a:cs typeface="+mn-cs"/>
-                  </a:defRPr>
-                </a:lvl5pPr>
-                <a:lvl6pPr marL="2286000" algn="l" defTabSz="914400" rtl="0" eaLnBrk="1" latinLnBrk="0" hangingPunct="1">
-                  <a:defRPr sz="1800" kern="1200">
-                    <a:solidFill>
-                      <a:schemeClr val="lt1"/>
-                    </a:solidFill>
-                    <a:latin typeface="+mn-lt"/>
-                    <a:ea typeface="+mn-ea"/>
-                    <a:cs typeface="+mn-cs"/>
-                  </a:defRPr>
-                </a:lvl6pPr>
-                <a:lvl7pPr marL="2743200" algn="l" defTabSz="914400" rtl="0" eaLnBrk="1" latinLnBrk="0" hangingPunct="1">
-                  <a:defRPr sz="1800" kern="1200">
-                    <a:solidFill>
-                      <a:schemeClr val="lt1"/>
-                    </a:solidFill>
-                    <a:latin typeface="+mn-lt"/>
-                    <a:ea typeface="+mn-ea"/>
-                    <a:cs typeface="+mn-cs"/>
-                  </a:defRPr>
-                </a:lvl7pPr>
-                <a:lvl8pPr marL="3200400" algn="l" defTabSz="914400" rtl="0" eaLnBrk="1" latinLnBrk="0" hangingPunct="1">
-                  <a:defRPr sz="1800" kern="1200">
-                    <a:solidFill>
-                      <a:schemeClr val="lt1"/>
-                    </a:solidFill>
-                    <a:latin typeface="+mn-lt"/>
-                    <a:ea typeface="+mn-ea"/>
-                    <a:cs typeface="+mn-cs"/>
-                  </a:defRPr>
-                </a:lvl8pPr>
-                <a:lvl9pPr marL="3657600" algn="l" defTabSz="914400" rtl="0" eaLnBrk="1" latinLnBrk="0" hangingPunct="1">
-                  <a:defRPr sz="1800" kern="1200">
-                    <a:solidFill>
-                      <a:schemeClr val="lt1"/>
-                    </a:solidFill>
-                    <a:latin typeface="+mn-lt"/>
-                    <a:ea typeface="+mn-ea"/>
-                    <a:cs typeface="+mn-cs"/>
-                  </a:defRPr>
-                </a:lvl9pPr>
-              </a:lstStyle>
-              <a:p>
-                <a:pPr marL="0" marR="0" lvl="0" indent="0" defTabSz="913765" rtl="0" eaLnBrk="1" fontAlgn="auto" latinLnBrk="0" hangingPunct="1">
-                  <a:lnSpc>
-                    <a:spcPct val="130000"/>
-                  </a:lnSpc>
-                  <a:spcBef>
-                    <a:spcPts val="0"/>
-                  </a:spcBef>
-                  <a:spcAft>
-                    <a:spcPts val="0"/>
-                  </a:spcAft>
-                  <a:buClrTx/>
-                  <a:buSzPct val="100000"/>
-                  <a:buFontTx/>
-                  <a:buNone/>
-                  <a:defRPr/>
-                </a:pPr>
-                <a:r>
-                  <a:rPr kumimoji="0" lang="zh-CN" altLang="en-US" sz="1400" b="0" i="0" u="none" strike="noStrike" kern="1200" cap="none" spc="0" normalizeH="0" baseline="0" noProof="0" dirty="0">
-                    <a:ln>
-                      <a:noFill/>
-                    </a:ln>
-                    <a:solidFill>
-                      <a:schemeClr val="tx2">
-                        <a:lumMod val="75000"/>
-                        <a:lumOff val="25000"/>
-                      </a:schemeClr>
-                    </a:solidFill>
-                    <a:effectLst/>
-                    <a:uLnTx/>
-                    <a:uFillTx/>
-                    <a:latin typeface="+mn-ea"/>
-                    <a:cs typeface="+mn-cs"/>
-                  </a:rPr>
-                  <a:t>单击此处添加文本，单击此处添加文本，单击此处添加文本，单击此处添加文本，单击此处添加文本。</a:t>
-                </a:r>
-                <a:endParaRPr kumimoji="0" lang="en-GB" altLang="zh-CN" sz="1400" b="0" i="0" u="none" strike="noStrike" kern="1200" cap="none" spc="0" normalizeH="0" baseline="0" noProof="0" dirty="0">
-                  <a:ln>
-                    <a:noFill/>
-                  </a:ln>
-                  <a:solidFill>
-                    <a:schemeClr val="tx2">
-                      <a:lumMod val="75000"/>
-                      <a:lumOff val="25000"/>
+                  </a:bgClr>
+                </a:pattFill>
+                <a:effectLst>
+                  <a:outerShdw blurRad="38100" dist="19050" dir="2700000" algn="tl" rotWithShape="0">
+                    <a:schemeClr val="dk1">
+                      <a:lumMod val="50000"/>
+                      <a:alpha val="40000"/>
                     </a:schemeClr>
-                  </a:solidFill>
-                  <a:effectLst/>
-                  <a:uLnTx/>
-                  <a:uFillTx/>
-                  <a:latin typeface="+mn-ea"/>
-                  <a:cs typeface="+mn-cs"/>
-                </a:endParaRPr>
-              </a:p>
-            </p:txBody>
-          </p:sp>
-        </p:grpSp>
-      </p:grpSp>
+                  </a:outerShdw>
+                </a:effectLst>
+              </a:rPr>
+              <a:t>3. Scalability and Efficiency in Large Language Models Inference &amp; Deployment</a:t>
+            </a:r>
+            <a:endParaRPr lang="zh-CN" altLang="en-US" b="1" dirty="0">
+              <a:ln/>
+              <a:pattFill prst="dkUpDiag">
+                <a:fgClr>
+                  <a:schemeClr val="bg1">
+                    <a:lumMod val="50000"/>
+                  </a:schemeClr>
+                </a:fgClr>
+                <a:bgClr>
+                  <a:schemeClr val="tx1">
+                    <a:lumMod val="75000"/>
+                    <a:lumOff val="25000"/>
+                  </a:schemeClr>
+                </a:bgClr>
+              </a:pattFill>
+              <a:effectLst>
+                <a:outerShdw blurRad="38100" dist="19050" dir="2700000" algn="tl" rotWithShape="0">
+                  <a:schemeClr val="dk1">
+                    <a:lumMod val="50000"/>
+                    <a:alpha val="40000"/>
+                  </a:schemeClr>
+                </a:outerShdw>
+              </a:effectLst>
+            </a:endParaRPr>
+          </a:p>
+        </p:txBody>
+      </p:sp>
     </p:spTree>
   </p:cSld>
   <p:clrMapOvr>
@@ -21214,7 +20842,7 @@
         </p:nvSpPr>
         <p:spPr>
           <a:xfrm>
-            <a:off x="2393853" y="1125902"/>
+            <a:off x="2393853" y="1053902"/>
             <a:ext cx="7404294" cy="306705"/>
           </a:xfrm>
           <a:prstGeom prst="rect">
@@ -21729,64 +21357,42 @@
           </a:p>
         </p:txBody>
       </p:sp>
-      <p:sp>
-        <p:nvSpPr>
-          <p:cNvPr id="2" name="Body-2"/>
-          <p:cNvSpPr txBox="1"/>
-          <p:nvPr>
-            <p:custDataLst>
-              <p:tags r:id="rId1"/>
-            </p:custDataLst>
-          </p:nvPr>
-        </p:nvSpPr>
+      <p:pic>
+        <p:nvPicPr>
+          <p:cNvPr id="5" name="图片 4">
+            <a:extLst>
+              <a:ext uri="{FF2B5EF4-FFF2-40B4-BE49-F238E27FC236}">
+                <a16:creationId xmlns:a16="http://schemas.microsoft.com/office/drawing/2014/main" id="{E2DC22FB-E222-3179-35C4-AEC12ED19C0F}"/>
+              </a:ext>
+            </a:extLst>
+          </p:cNvPr>
+          <p:cNvPicPr>
+            <a:picLocks noChangeAspect="1"/>
+          </p:cNvPicPr>
+          <p:nvPr/>
+        </p:nvPicPr>
+        <p:blipFill>
+          <a:blip r:embed="rId3" cstate="print">
+            <a:extLst>
+              <a:ext uri="{28A0092B-C50C-407E-A947-70E740481C1C}">
+                <a14:useLocalDpi xmlns:a14="http://schemas.microsoft.com/office/drawing/2010/main" val="0"/>
+              </a:ext>
+            </a:extLst>
+          </a:blip>
+          <a:stretch>
+            <a:fillRect/>
+          </a:stretch>
+        </p:blipFill>
         <p:spPr>
           <a:xfrm>
-            <a:off x="3280165" y="1290683"/>
-            <a:ext cx="5631670" cy="523220"/>
+            <a:off x="669600" y="1347313"/>
+            <a:ext cx="6265237" cy="4163373"/>
           </a:xfrm>
           <a:prstGeom prst="rect">
             <a:avLst/>
           </a:prstGeom>
-          <a:noFill/>
         </p:spPr>
-        <p:txBody>
-          <a:bodyPr wrap="none" rtlCol="0">
-            <a:spAutoFit/>
-          </a:bodyPr>
-          <a:lstStyle/>
-          <a:p>
-            <a:r>
-              <a:rPr lang="en-US" altLang="zh-CN" sz="1400" i="1" dirty="0">
-                <a:solidFill>
-                  <a:schemeClr val="bg1">
-                    <a:lumMod val="50000"/>
-                  </a:schemeClr>
-                </a:solidFill>
-              </a:rPr>
-              <a:t>Z3 Rule-Based Multi-Step Reasoning: DAG-Driven Dataset Generation</a:t>
-            </a:r>
-          </a:p>
-          <a:p>
-            <a:r>
-              <a:rPr lang="en-US" altLang="zh-CN" sz="1400" i="1" dirty="0">
-                <a:solidFill>
-                  <a:schemeClr val="bg1">
-                    <a:lumMod val="50000"/>
-                  </a:schemeClr>
-                </a:solidFill>
-              </a:rPr>
-              <a:t>With Variable and Semantic Constraints</a:t>
-            </a:r>
-            <a:endParaRPr lang="zh-CN" altLang="en-US" sz="1400" i="1" dirty="0">
-              <a:solidFill>
-                <a:schemeClr val="bg1">
-                  <a:lumMod val="50000"/>
-                </a:schemeClr>
-              </a:solidFill>
-            </a:endParaRPr>
-          </a:p>
-        </p:txBody>
-      </p:sp>
+      </p:pic>
     </p:spTree>
   </p:cSld>
   <p:clrMapOvr>
@@ -21994,34 +21600,13 @@
 
 <file path=ppt/tags/tag100.xml><?xml version="1.0" encoding="utf-8"?>
 <p:tagLst xmlns:a="http://schemas.openxmlformats.org/drawingml/2006/main" xmlns:r="http://schemas.openxmlformats.org/officeDocument/2006/relationships" xmlns:p="http://schemas.openxmlformats.org/presentationml/2006/main">
-  <p:tag name="OP_SCP_SHAPE_TYPE" val="Index"/>
-  <p:tag name="OP_SCP_ITEM_INDEX" val="4"/>
-  <p:tag name="OP_SCP_DEFAULT_TEXT" val="04"/>
-</p:tagLst>
-</file>
-
-<file path=ppt/tags/tag101.xml><?xml version="1.0" encoding="utf-8"?>
-<p:tagLst xmlns:a="http://schemas.openxmlformats.org/drawingml/2006/main" xmlns:r="http://schemas.openxmlformats.org/officeDocument/2006/relationships" xmlns:p="http://schemas.openxmlformats.org/presentationml/2006/main">
-  <p:tag name="ADJUSTMENTS" val="9.14252"/>
-  <p:tag name="SHADOWSIZE" val="100"/>
-</p:tagLst>
-</file>
-
-<file path=ppt/tags/tag102.xml><?xml version="1.0" encoding="utf-8"?>
-<p:tagLst xmlns:a="http://schemas.openxmlformats.org/drawingml/2006/main" xmlns:r="http://schemas.openxmlformats.org/officeDocument/2006/relationships" xmlns:p="http://schemas.openxmlformats.org/presentationml/2006/main">
-  <p:tag name="SHADOWSIZE" val="101"/>
-</p:tagLst>
-</file>
-
-<file path=ppt/tags/tag103.xml><?xml version="1.0" encoding="utf-8"?>
-<p:tagLst xmlns:a="http://schemas.openxmlformats.org/drawingml/2006/main" xmlns:r="http://schemas.openxmlformats.org/officeDocument/2006/relationships" xmlns:p="http://schemas.openxmlformats.org/presentationml/2006/main">
   <p:tag name="OP_SCP_SHAPE_TYPE" val="Title"/>
   <p:tag name="OP_SCP_ITEM_INDEX" val="3"/>
   <p:tag name="OP_SCP_DEFAULT_TEXT" val="添加标题"/>
 </p:tagLst>
 </file>
 
-<file path=ppt/tags/tag104.xml><?xml version="1.0" encoding="utf-8"?>
+<file path=ppt/tags/tag101.xml><?xml version="1.0" encoding="utf-8"?>
 <p:tagLst xmlns:a="http://schemas.openxmlformats.org/drawingml/2006/main" xmlns:r="http://schemas.openxmlformats.org/officeDocument/2006/relationships" xmlns:p="http://schemas.openxmlformats.org/presentationml/2006/main">
   <p:tag name="OP_SCP_SHAPE_TYPE" val="Body"/>
   <p:tag name="OP_SCP_ITEM_INDEX" val="3"/>
@@ -22029,7 +21614,7 @@
 </p:tagLst>
 </file>
 
-<file path=ppt/tags/tag105.xml><?xml version="1.0" encoding="utf-8"?>
+<file path=ppt/tags/tag102.xml><?xml version="1.0" encoding="utf-8"?>
 <p:tagLst xmlns:a="http://schemas.openxmlformats.org/drawingml/2006/main" xmlns:r="http://schemas.openxmlformats.org/officeDocument/2006/relationships" xmlns:p="http://schemas.openxmlformats.org/presentationml/2006/main">
   <p:tag name="OP_SCP_SHAPE_TYPE" val="Index"/>
   <p:tag name="OP_SCP_ITEM_INDEX" val="3"/>
@@ -22037,20 +21622,20 @@
 </p:tagLst>
 </file>
 
-<file path=ppt/tags/tag106.xml><?xml version="1.0" encoding="utf-8"?>
+<file path=ppt/tags/tag103.xml><?xml version="1.0" encoding="utf-8"?>
 <p:tagLst xmlns:a="http://schemas.openxmlformats.org/drawingml/2006/main" xmlns:r="http://schemas.openxmlformats.org/officeDocument/2006/relationships" xmlns:p="http://schemas.openxmlformats.org/presentationml/2006/main">
   <p:tag name="ADJUSTMENTS" val="9.14252"/>
   <p:tag name="SHADOWSIZE" val="100"/>
 </p:tagLst>
 </file>
 
-<file path=ppt/tags/tag107.xml><?xml version="1.0" encoding="utf-8"?>
+<file path=ppt/tags/tag104.xml><?xml version="1.0" encoding="utf-8"?>
 <p:tagLst xmlns:a="http://schemas.openxmlformats.org/drawingml/2006/main" xmlns:r="http://schemas.openxmlformats.org/officeDocument/2006/relationships" xmlns:p="http://schemas.openxmlformats.org/presentationml/2006/main">
   <p:tag name="SHADOWSIZE" val="101"/>
 </p:tagLst>
 </file>
 
-<file path=ppt/tags/tag108.xml><?xml version="1.0" encoding="utf-8"?>
+<file path=ppt/tags/tag105.xml><?xml version="1.0" encoding="utf-8"?>
 <p:tagLst xmlns:a="http://schemas.openxmlformats.org/drawingml/2006/main" xmlns:r="http://schemas.openxmlformats.org/officeDocument/2006/relationships" xmlns:p="http://schemas.openxmlformats.org/presentationml/2006/main">
   <p:tag name="OP_SCP_SHAPE_TYPE" val="Title"/>
   <p:tag name="OP_SCP_ITEM_INDEX" val="2"/>
@@ -22058,11 +21643,32 @@
 </p:tagLst>
 </file>
 
-<file path=ppt/tags/tag109.xml><?xml version="1.0" encoding="utf-8"?>
+<file path=ppt/tags/tag106.xml><?xml version="1.0" encoding="utf-8"?>
 <p:tagLst xmlns:a="http://schemas.openxmlformats.org/drawingml/2006/main" xmlns:r="http://schemas.openxmlformats.org/officeDocument/2006/relationships" xmlns:p="http://schemas.openxmlformats.org/presentationml/2006/main">
   <p:tag name="OP_SCP_SHAPE_TYPE" val="Body"/>
   <p:tag name="OP_SCP_ITEM_INDEX" val="2"/>
   <p:tag name="OP_SCP_DEFAULT_TEXT" val="单击此处添加文本&#10;单击此处添加文本&#10;单击此处添加文本"/>
+</p:tagLst>
+</file>
+
+<file path=ppt/tags/tag107.xml><?xml version="1.0" encoding="utf-8"?>
+<p:tagLst xmlns:a="http://schemas.openxmlformats.org/drawingml/2006/main" xmlns:r="http://schemas.openxmlformats.org/officeDocument/2006/relationships" xmlns:p="http://schemas.openxmlformats.org/presentationml/2006/main">
+  <p:tag name="OP_SCP_SHAPE_TYPE" val="Index"/>
+  <p:tag name="OP_SCP_ITEM_INDEX" val="2"/>
+  <p:tag name="OP_SCP_DEFAULT_TEXT" val="02"/>
+</p:tagLst>
+</file>
+
+<file path=ppt/tags/tag108.xml><?xml version="1.0" encoding="utf-8"?>
+<p:tagLst xmlns:a="http://schemas.openxmlformats.org/drawingml/2006/main" xmlns:r="http://schemas.openxmlformats.org/officeDocument/2006/relationships" xmlns:p="http://schemas.openxmlformats.org/presentationml/2006/main">
+  <p:tag name="ADJUSTMENTS" val="9.14252"/>
+  <p:tag name="SHADOWSIZE" val="100"/>
+</p:tagLst>
+</file>
+
+<file path=ppt/tags/tag109.xml><?xml version="1.0" encoding="utf-8"?>
+<p:tagLst xmlns:a="http://schemas.openxmlformats.org/drawingml/2006/main" xmlns:r="http://schemas.openxmlformats.org/officeDocument/2006/relationships" xmlns:p="http://schemas.openxmlformats.org/presentationml/2006/main">
+  <p:tag name="SHADOWSIZE" val="101"/>
 </p:tagLst>
 </file>
 
@@ -22076,34 +21682,13 @@
 
 <file path=ppt/tags/tag110.xml><?xml version="1.0" encoding="utf-8"?>
 <p:tagLst xmlns:a="http://schemas.openxmlformats.org/drawingml/2006/main" xmlns:r="http://schemas.openxmlformats.org/officeDocument/2006/relationships" xmlns:p="http://schemas.openxmlformats.org/presentationml/2006/main">
-  <p:tag name="OP_SCP_SHAPE_TYPE" val="Index"/>
-  <p:tag name="OP_SCP_ITEM_INDEX" val="2"/>
-  <p:tag name="OP_SCP_DEFAULT_TEXT" val="02"/>
-</p:tagLst>
-</file>
-
-<file path=ppt/tags/tag111.xml><?xml version="1.0" encoding="utf-8"?>
-<p:tagLst xmlns:a="http://schemas.openxmlformats.org/drawingml/2006/main" xmlns:r="http://schemas.openxmlformats.org/officeDocument/2006/relationships" xmlns:p="http://schemas.openxmlformats.org/presentationml/2006/main">
-  <p:tag name="ADJUSTMENTS" val="9.14252"/>
-  <p:tag name="SHADOWSIZE" val="100"/>
-</p:tagLst>
-</file>
-
-<file path=ppt/tags/tag112.xml><?xml version="1.0" encoding="utf-8"?>
-<p:tagLst xmlns:a="http://schemas.openxmlformats.org/drawingml/2006/main" xmlns:r="http://schemas.openxmlformats.org/officeDocument/2006/relationships" xmlns:p="http://schemas.openxmlformats.org/presentationml/2006/main">
-  <p:tag name="SHADOWSIZE" val="101"/>
-</p:tagLst>
-</file>
-
-<file path=ppt/tags/tag113.xml><?xml version="1.0" encoding="utf-8"?>
-<p:tagLst xmlns:a="http://schemas.openxmlformats.org/drawingml/2006/main" xmlns:r="http://schemas.openxmlformats.org/officeDocument/2006/relationships" xmlns:p="http://schemas.openxmlformats.org/presentationml/2006/main">
   <p:tag name="OP_SCP_SHAPE_TYPE" val="Title"/>
   <p:tag name="OP_SCP_ITEM_INDEX" val="1"/>
   <p:tag name="OP_SCP_DEFAULT_TEXT" val="添加标题"/>
 </p:tagLst>
 </file>
 
-<file path=ppt/tags/tag114.xml><?xml version="1.0" encoding="utf-8"?>
+<file path=ppt/tags/tag111.xml><?xml version="1.0" encoding="utf-8"?>
 <p:tagLst xmlns:a="http://schemas.openxmlformats.org/drawingml/2006/main" xmlns:r="http://schemas.openxmlformats.org/officeDocument/2006/relationships" xmlns:p="http://schemas.openxmlformats.org/presentationml/2006/main">
   <p:tag name="OP_SCP_SHAPE_TYPE" val="Body"/>
   <p:tag name="OP_SCP_ITEM_INDEX" val="1"/>
@@ -22111,48 +21696,11 @@
 </p:tagLst>
 </file>
 
-<file path=ppt/tags/tag115.xml><?xml version="1.0" encoding="utf-8"?>
+<file path=ppt/tags/tag112.xml><?xml version="1.0" encoding="utf-8"?>
 <p:tagLst xmlns:a="http://schemas.openxmlformats.org/drawingml/2006/main" xmlns:r="http://schemas.openxmlformats.org/officeDocument/2006/relationships" xmlns:p="http://schemas.openxmlformats.org/presentationml/2006/main">
   <p:tag name="OP_SCP_SHAPE_TYPE" val="Index"/>
   <p:tag name="OP_SCP_ITEM_INDEX" val="1"/>
   <p:tag name="OP_SCP_DEFAULT_TEXT" val="01"/>
-</p:tagLst>
-</file>
-
-<file path=ppt/tags/tag116.xml><?xml version="1.0" encoding="utf-8"?>
-<p:tagLst xmlns:a="http://schemas.openxmlformats.org/drawingml/2006/main" xmlns:r="http://schemas.openxmlformats.org/officeDocument/2006/relationships" xmlns:p="http://schemas.openxmlformats.org/presentationml/2006/main">
-  <p:tag name="DATA_TYPE" val="OfficePlusSmartComponent"/>
-  <p:tag name="OP_SCP_TAG_VERSION" val="1.0"/>
-  <p:tag name="OP_SCP_CHANGE_COLOR" val="N"/>
-  <p:tag name="OP_SCP_COMPONENT_TYPE" val="Relation"/>
-  <p:tag name="OP_SCP_CONTENT_ID" val="MatlComponentContent-1398"/>
-  <p:tag name="OP_SCP_COMPONENT_INFO" val="{&quot;title&quot;:&quot;扁平4项纯文本PPT组件&quot;,&quot;description&quot;:&quot;扁平4项纯文本PPT组件：四项纯文本布局，适用于复杂信息展示，设计美观。&quot;,&quot;keywords&quot;:[&quot;扁平&quot;,&quot;4项&quot;,&quot;纯文本&quot;,&quot;PPT组件&quot;],&quot;labels&quot;:[]}"/>
-  <p:tag name="OP_SCP_GROUP_ID" val="da3acdd4-1db5-f0d8-7ab5-d92e51cc43c8"/>
-  <p:tag name="OP_SCP_ITEM_COUNT" val="4"/>
-</p:tagLst>
-</file>
-
-<file path=ppt/tags/tag117.xml><?xml version="1.0" encoding="utf-8"?>
-<p:tagLst xmlns:a="http://schemas.openxmlformats.org/drawingml/2006/main" xmlns:r="http://schemas.openxmlformats.org/officeDocument/2006/relationships" xmlns:p="http://schemas.openxmlformats.org/presentationml/2006/main">
-  <p:tag name="OP_SCP_SHAPE_TYPE" val="Index"/>
-  <p:tag name="OP_SCP_ITEM_INDEX" val="4"/>
-  <p:tag name="OP_SCP_DEFAULT_TEXT" val="04"/>
-</p:tagLst>
-</file>
-
-<file path=ppt/tags/tag118.xml><?xml version="1.0" encoding="utf-8"?>
-<p:tagLst xmlns:a="http://schemas.openxmlformats.org/drawingml/2006/main" xmlns:r="http://schemas.openxmlformats.org/officeDocument/2006/relationships" xmlns:p="http://schemas.openxmlformats.org/presentationml/2006/main">
-  <p:tag name="OP_SCP_SHAPE_TYPE" val="Title"/>
-  <p:tag name="OP_SCP_ITEM_INDEX" val="4"/>
-  <p:tag name="OP_SCP_DEFAULT_TEXT" val="添加标题"/>
-</p:tagLst>
-</file>
-
-<file path=ppt/tags/tag119.xml><?xml version="1.0" encoding="utf-8"?>
-<p:tagLst xmlns:a="http://schemas.openxmlformats.org/drawingml/2006/main" xmlns:r="http://schemas.openxmlformats.org/officeDocument/2006/relationships" xmlns:p="http://schemas.openxmlformats.org/presentationml/2006/main">
-  <p:tag name="OP_SCP_SHAPE_TYPE" val="Body"/>
-  <p:tag name="OP_SCP_ITEM_INDEX" val="4"/>
-  <p:tag name="OP_SCP_DEFAULT_TEXT" val="单击此处添加文本，单击此处添加文本，单击此处添加文本，单击此处添加文本，单击此处添加文本。"/>
 </p:tagLst>
 </file>
 
@@ -22161,78 +21709,6 @@
   <p:tag name="OP_SCP_SHAPE_TYPE" val="Index"/>
   <p:tag name="OP_SCP_ITEM_INDEX" val="1"/>
   <p:tag name="OP_SCP_DEFAULT_TEXT" val="01"/>
-</p:tagLst>
-</file>
-
-<file path=ppt/tags/tag120.xml><?xml version="1.0" encoding="utf-8"?>
-<p:tagLst xmlns:a="http://schemas.openxmlformats.org/drawingml/2006/main" xmlns:r="http://schemas.openxmlformats.org/officeDocument/2006/relationships" xmlns:p="http://schemas.openxmlformats.org/presentationml/2006/main">
-  <p:tag name="OP_SCP_SHAPE_TYPE" val="Index"/>
-  <p:tag name="OP_SCP_ITEM_INDEX" val="3"/>
-  <p:tag name="OP_SCP_DEFAULT_TEXT" val="03"/>
-</p:tagLst>
-</file>
-
-<file path=ppt/tags/tag121.xml><?xml version="1.0" encoding="utf-8"?>
-<p:tagLst xmlns:a="http://schemas.openxmlformats.org/drawingml/2006/main" xmlns:r="http://schemas.openxmlformats.org/officeDocument/2006/relationships" xmlns:p="http://schemas.openxmlformats.org/presentationml/2006/main">
-  <p:tag name="OP_SCP_SHAPE_TYPE" val="Title"/>
-  <p:tag name="OP_SCP_ITEM_INDEX" val="3"/>
-  <p:tag name="OP_SCP_DEFAULT_TEXT" val="添加标题"/>
-</p:tagLst>
-</file>
-
-<file path=ppt/tags/tag122.xml><?xml version="1.0" encoding="utf-8"?>
-<p:tagLst xmlns:a="http://schemas.openxmlformats.org/drawingml/2006/main" xmlns:r="http://schemas.openxmlformats.org/officeDocument/2006/relationships" xmlns:p="http://schemas.openxmlformats.org/presentationml/2006/main">
-  <p:tag name="OP_SCP_SHAPE_TYPE" val="Body"/>
-  <p:tag name="OP_SCP_ITEM_INDEX" val="3"/>
-  <p:tag name="OP_SCP_DEFAULT_TEXT" val="单击此处添加文本，单击此处添加文本，单击此处添加文本，单击此处添加文本，单击此处添加文本。"/>
-</p:tagLst>
-</file>
-
-<file path=ppt/tags/tag123.xml><?xml version="1.0" encoding="utf-8"?>
-<p:tagLst xmlns:a="http://schemas.openxmlformats.org/drawingml/2006/main" xmlns:r="http://schemas.openxmlformats.org/officeDocument/2006/relationships" xmlns:p="http://schemas.openxmlformats.org/presentationml/2006/main">
-  <p:tag name="OP_SCP_SHAPE_TYPE" val="Index"/>
-  <p:tag name="OP_SCP_ITEM_INDEX" val="2"/>
-  <p:tag name="OP_SCP_DEFAULT_TEXT" val="02"/>
-</p:tagLst>
-</file>
-
-<file path=ppt/tags/tag124.xml><?xml version="1.0" encoding="utf-8"?>
-<p:tagLst xmlns:a="http://schemas.openxmlformats.org/drawingml/2006/main" xmlns:r="http://schemas.openxmlformats.org/officeDocument/2006/relationships" xmlns:p="http://schemas.openxmlformats.org/presentationml/2006/main">
-  <p:tag name="OP_SCP_SHAPE_TYPE" val="Title"/>
-  <p:tag name="OP_SCP_ITEM_INDEX" val="2"/>
-  <p:tag name="OP_SCP_DEFAULT_TEXT" val="添加标题"/>
-</p:tagLst>
-</file>
-
-<file path=ppt/tags/tag125.xml><?xml version="1.0" encoding="utf-8"?>
-<p:tagLst xmlns:a="http://schemas.openxmlformats.org/drawingml/2006/main" xmlns:r="http://schemas.openxmlformats.org/officeDocument/2006/relationships" xmlns:p="http://schemas.openxmlformats.org/presentationml/2006/main">
-  <p:tag name="OP_SCP_SHAPE_TYPE" val="Body"/>
-  <p:tag name="OP_SCP_ITEM_INDEX" val="2"/>
-  <p:tag name="OP_SCP_DEFAULT_TEXT" val="单击此处添加文本，单击此处添加文本，单击此处添加文本，单击此处添加文本，单击此处添加文本。"/>
-</p:tagLst>
-</file>
-
-<file path=ppt/tags/tag126.xml><?xml version="1.0" encoding="utf-8"?>
-<p:tagLst xmlns:a="http://schemas.openxmlformats.org/drawingml/2006/main" xmlns:r="http://schemas.openxmlformats.org/officeDocument/2006/relationships" xmlns:p="http://schemas.openxmlformats.org/presentationml/2006/main">
-  <p:tag name="OP_SCP_SHAPE_TYPE" val="Index"/>
-  <p:tag name="OP_SCP_ITEM_INDEX" val="1"/>
-  <p:tag name="OP_SCP_DEFAULT_TEXT" val="01"/>
-</p:tagLst>
-</file>
-
-<file path=ppt/tags/tag127.xml><?xml version="1.0" encoding="utf-8"?>
-<p:tagLst xmlns:a="http://schemas.openxmlformats.org/drawingml/2006/main" xmlns:r="http://schemas.openxmlformats.org/officeDocument/2006/relationships" xmlns:p="http://schemas.openxmlformats.org/presentationml/2006/main">
-  <p:tag name="OP_SCP_SHAPE_TYPE" val="Title"/>
-  <p:tag name="OP_SCP_ITEM_INDEX" val="1"/>
-  <p:tag name="OP_SCP_DEFAULT_TEXT" val="添加标题"/>
-</p:tagLst>
-</file>
-
-<file path=ppt/tags/tag128.xml><?xml version="1.0" encoding="utf-8"?>
-<p:tagLst xmlns:a="http://schemas.openxmlformats.org/drawingml/2006/main" xmlns:r="http://schemas.openxmlformats.org/officeDocument/2006/relationships" xmlns:p="http://schemas.openxmlformats.org/presentationml/2006/main">
-  <p:tag name="OP_SCP_SHAPE_TYPE" val="Body"/>
-  <p:tag name="OP_SCP_ITEM_INDEX" val="1"/>
-  <p:tag name="OP_SCP_DEFAULT_TEXT" val="单击此处添加文本，单击此处添加文本，单击此处添加文本，单击此处添加文本，单击此处添加文本。"/>
 </p:tagLst>
 </file>
 
@@ -22667,7 +22143,7 @@
 <file path=ppt/tags/tag63.xml><?xml version="1.0" encoding="utf-8"?>
 <p:tagLst xmlns:a="http://schemas.openxmlformats.org/drawingml/2006/main" xmlns:r="http://schemas.openxmlformats.org/officeDocument/2006/relationships" xmlns:p="http://schemas.openxmlformats.org/presentationml/2006/main">
   <p:tag name="OP_SCP_SHAPE_TYPE" val="Body"/>
-  <p:tag name="OP_SCP_ITEM_INDEX" val="2"/>
+  <p:tag name="OP_SCP_ITEM_INDEX" val="3"/>
   <p:tag name="OP_SCP_DEFAULT_TEXT" val="单击输入文本描述内容，单击输入文本描述内容"/>
 </p:tagLst>
 </file>
@@ -22682,14 +22158,6 @@
 
 <file path=ppt/tags/tag65.xml><?xml version="1.0" encoding="utf-8"?>
 <p:tagLst xmlns:a="http://schemas.openxmlformats.org/drawingml/2006/main" xmlns:r="http://schemas.openxmlformats.org/officeDocument/2006/relationships" xmlns:p="http://schemas.openxmlformats.org/presentationml/2006/main">
-  <p:tag name="OP_SCP_SHAPE_TYPE" val="Body"/>
-  <p:tag name="OP_SCP_ITEM_INDEX" val="3"/>
-  <p:tag name="OP_SCP_DEFAULT_TEXT" val="单击输入文本描述内容，单击输入文本描述内容"/>
-</p:tagLst>
-</file>
-
-<file path=ppt/tags/tag66.xml><?xml version="1.0" encoding="utf-8"?>
-<p:tagLst xmlns:a="http://schemas.openxmlformats.org/drawingml/2006/main" xmlns:r="http://schemas.openxmlformats.org/officeDocument/2006/relationships" xmlns:p="http://schemas.openxmlformats.org/presentationml/2006/main">
   <p:tag name="DATA_TYPE" val="OfficePlusSmartComponent"/>
   <p:tag name="OP_SCP_TAG_VERSION" val="1.0"/>
   <p:tag name="OP_SCP_CHANGE_COLOR" val="N"/>
@@ -22701,7 +22169,7 @@
 </p:tagLst>
 </file>
 
-<file path=ppt/tags/tag67.xml><?xml version="1.0" encoding="utf-8"?>
+<file path=ppt/tags/tag66.xml><?xml version="1.0" encoding="utf-8"?>
 <p:tagLst xmlns:a="http://schemas.openxmlformats.org/drawingml/2006/main" xmlns:r="http://schemas.openxmlformats.org/officeDocument/2006/relationships" xmlns:p="http://schemas.openxmlformats.org/presentationml/2006/main">
   <p:tag name="OP_SCP_SHAPE_TYPE" val="Index"/>
   <p:tag name="OP_SCP_ITEM_INDEX" val="3"/>
@@ -22709,7 +22177,7 @@
 </p:tagLst>
 </file>
 
-<file path=ppt/tags/tag68.xml><?xml version="1.0" encoding="utf-8"?>
+<file path=ppt/tags/tag67.xml><?xml version="1.0" encoding="utf-8"?>
 <p:tagLst xmlns:a="http://schemas.openxmlformats.org/drawingml/2006/main" xmlns:r="http://schemas.openxmlformats.org/officeDocument/2006/relationships" xmlns:p="http://schemas.openxmlformats.org/presentationml/2006/main">
   <p:tag name="OP_SCP_SHAPE_TYPE" val="Title"/>
   <p:tag name="OP_SCP_ITEM_INDEX" val="3"/>
@@ -22717,11 +22185,19 @@
 </p:tagLst>
 </file>
 
-<file path=ppt/tags/tag69.xml><?xml version="1.0" encoding="utf-8"?>
+<file path=ppt/tags/tag68.xml><?xml version="1.0" encoding="utf-8"?>
 <p:tagLst xmlns:a="http://schemas.openxmlformats.org/drawingml/2006/main" xmlns:r="http://schemas.openxmlformats.org/officeDocument/2006/relationships" xmlns:p="http://schemas.openxmlformats.org/presentationml/2006/main">
   <p:tag name="OP_SCP_SHAPE_TYPE" val="Body"/>
   <p:tag name="OP_SCP_ITEM_INDEX" val="3"/>
   <p:tag name="OP_SCP_DEFAULT_TEXT" val="单击输入文本描述内容，单击输入文本描述内容"/>
+</p:tagLst>
+</file>
+
+<file path=ppt/tags/tag69.xml><?xml version="1.0" encoding="utf-8"?>
+<p:tagLst xmlns:a="http://schemas.openxmlformats.org/drawingml/2006/main" xmlns:r="http://schemas.openxmlformats.org/officeDocument/2006/relationships" xmlns:p="http://schemas.openxmlformats.org/presentationml/2006/main">
+  <p:tag name="OP_SCP_SHAPE_TYPE" val="Index"/>
+  <p:tag name="OP_SCP_ITEM_INDEX" val="2"/>
+  <p:tag name="OP_SCP_DEFAULT_TEXT" val="02"/>
 </p:tagLst>
 </file>
 
@@ -22735,21 +22211,13 @@
 
 <file path=ppt/tags/tag70.xml><?xml version="1.0" encoding="utf-8"?>
 <p:tagLst xmlns:a="http://schemas.openxmlformats.org/drawingml/2006/main" xmlns:r="http://schemas.openxmlformats.org/officeDocument/2006/relationships" xmlns:p="http://schemas.openxmlformats.org/presentationml/2006/main">
-  <p:tag name="OP_SCP_SHAPE_TYPE" val="Index"/>
-  <p:tag name="OP_SCP_ITEM_INDEX" val="2"/>
-  <p:tag name="OP_SCP_DEFAULT_TEXT" val="02"/>
-</p:tagLst>
-</file>
-
-<file path=ppt/tags/tag71.xml><?xml version="1.0" encoding="utf-8"?>
-<p:tagLst xmlns:a="http://schemas.openxmlformats.org/drawingml/2006/main" xmlns:r="http://schemas.openxmlformats.org/officeDocument/2006/relationships" xmlns:p="http://schemas.openxmlformats.org/presentationml/2006/main">
   <p:tag name="OP_SCP_SHAPE_TYPE" val="Title"/>
   <p:tag name="OP_SCP_ITEM_INDEX" val="2"/>
   <p:tag name="OP_SCP_DEFAULT_TEXT" val="输入标题"/>
 </p:tagLst>
 </file>
 
-<file path=ppt/tags/tag72.xml><?xml version="1.0" encoding="utf-8"?>
+<file path=ppt/tags/tag71.xml><?xml version="1.0" encoding="utf-8"?>
 <p:tagLst xmlns:a="http://schemas.openxmlformats.org/drawingml/2006/main" xmlns:r="http://schemas.openxmlformats.org/officeDocument/2006/relationships" xmlns:p="http://schemas.openxmlformats.org/presentationml/2006/main">
   <p:tag name="OP_SCP_SHAPE_TYPE" val="Body"/>
   <p:tag name="OP_SCP_ITEM_INDEX" val="2"/>
@@ -22757,7 +22225,7 @@
 </p:tagLst>
 </file>
 
-<file path=ppt/tags/tag73.xml><?xml version="1.0" encoding="utf-8"?>
+<file path=ppt/tags/tag72.xml><?xml version="1.0" encoding="utf-8"?>
 <p:tagLst xmlns:a="http://schemas.openxmlformats.org/drawingml/2006/main" xmlns:r="http://schemas.openxmlformats.org/officeDocument/2006/relationships" xmlns:p="http://schemas.openxmlformats.org/presentationml/2006/main">
   <p:tag name="OP_SCP_SHAPE_TYPE" val="Index"/>
   <p:tag name="OP_SCP_ITEM_INDEX" val="1"/>
@@ -22765,11 +22233,19 @@
 </p:tagLst>
 </file>
 
-<file path=ppt/tags/tag74.xml><?xml version="1.0" encoding="utf-8"?>
+<file path=ppt/tags/tag73.xml><?xml version="1.0" encoding="utf-8"?>
 <p:tagLst xmlns:a="http://schemas.openxmlformats.org/drawingml/2006/main" xmlns:r="http://schemas.openxmlformats.org/officeDocument/2006/relationships" xmlns:p="http://schemas.openxmlformats.org/presentationml/2006/main">
   <p:tag name="OP_SCP_SHAPE_TYPE" val="Title"/>
   <p:tag name="OP_SCP_ITEM_INDEX" val="1"/>
   <p:tag name="OP_SCP_DEFAULT_TEXT" val="输入标题"/>
+</p:tagLst>
+</file>
+
+<file path=ppt/tags/tag74.xml><?xml version="1.0" encoding="utf-8"?>
+<p:tagLst xmlns:a="http://schemas.openxmlformats.org/drawingml/2006/main" xmlns:r="http://schemas.openxmlformats.org/officeDocument/2006/relationships" xmlns:p="http://schemas.openxmlformats.org/presentationml/2006/main">
+  <p:tag name="OP_SCP_SHAPE_TYPE" val="Body"/>
+  <p:tag name="OP_SCP_ITEM_INDEX" val="1"/>
+  <p:tag name="OP_SCP_DEFAULT_TEXT" val="单击输入文本描述内容，单击输入文本描述内容"/>
 </p:tagLst>
 </file>
 
@@ -22784,7 +22260,7 @@
 <file path=ppt/tags/tag76.xml><?xml version="1.0" encoding="utf-8"?>
 <p:tagLst xmlns:a="http://schemas.openxmlformats.org/drawingml/2006/main" xmlns:r="http://schemas.openxmlformats.org/officeDocument/2006/relationships" xmlns:p="http://schemas.openxmlformats.org/presentationml/2006/main">
   <p:tag name="OP_SCP_SHAPE_TYPE" val="Body"/>
-  <p:tag name="OP_SCP_ITEM_INDEX" val="1"/>
+  <p:tag name="OP_SCP_ITEM_INDEX" val="2"/>
   <p:tag name="OP_SCP_DEFAULT_TEXT" val="单击输入文本描述内容，单击输入文本描述内容"/>
 </p:tagLst>
 </file>
@@ -22792,7 +22268,7 @@
 <file path=ppt/tags/tag77.xml><?xml version="1.0" encoding="utf-8"?>
 <p:tagLst xmlns:a="http://schemas.openxmlformats.org/drawingml/2006/main" xmlns:r="http://schemas.openxmlformats.org/officeDocument/2006/relationships" xmlns:p="http://schemas.openxmlformats.org/presentationml/2006/main">
   <p:tag name="OP_SCP_SHAPE_TYPE" val="Body"/>
-  <p:tag name="OP_SCP_ITEM_INDEX" val="1"/>
+  <p:tag name="OP_SCP_ITEM_INDEX" val="2"/>
   <p:tag name="OP_SCP_DEFAULT_TEXT" val="单击输入文本描述内容，单击输入文本描述内容"/>
 </p:tagLst>
 </file>
@@ -22800,7 +22276,7 @@
 <file path=ppt/tags/tag78.xml><?xml version="1.0" encoding="utf-8"?>
 <p:tagLst xmlns:a="http://schemas.openxmlformats.org/drawingml/2006/main" xmlns:r="http://schemas.openxmlformats.org/officeDocument/2006/relationships" xmlns:p="http://schemas.openxmlformats.org/presentationml/2006/main">
   <p:tag name="OP_SCP_SHAPE_TYPE" val="Body"/>
-  <p:tag name="OP_SCP_ITEM_INDEX" val="1"/>
+  <p:tag name="OP_SCP_ITEM_INDEX" val="2"/>
   <p:tag name="OP_SCP_DEFAULT_TEXT" val="单击输入文本描述内容，单击输入文本描述内容"/>
 </p:tagLst>
 </file>
@@ -22808,7 +22284,7 @@
 <file path=ppt/tags/tag79.xml><?xml version="1.0" encoding="utf-8"?>
 <p:tagLst xmlns:a="http://schemas.openxmlformats.org/drawingml/2006/main" xmlns:r="http://schemas.openxmlformats.org/officeDocument/2006/relationships" xmlns:p="http://schemas.openxmlformats.org/presentationml/2006/main">
   <p:tag name="OP_SCP_SHAPE_TYPE" val="Body"/>
-  <p:tag name="OP_SCP_ITEM_INDEX" val="2"/>
+  <p:tag name="OP_SCP_ITEM_INDEX" val="3"/>
   <p:tag name="OP_SCP_DEFAULT_TEXT" val="单击输入文本描述内容，单击输入文本描述内容"/>
 </p:tagLst>
 </file>
@@ -22824,7 +22300,7 @@
 <file path=ppt/tags/tag80.xml><?xml version="1.0" encoding="utf-8"?>
 <p:tagLst xmlns:a="http://schemas.openxmlformats.org/drawingml/2006/main" xmlns:r="http://schemas.openxmlformats.org/officeDocument/2006/relationships" xmlns:p="http://schemas.openxmlformats.org/presentationml/2006/main">
   <p:tag name="OP_SCP_SHAPE_TYPE" val="Body"/>
-  <p:tag name="OP_SCP_ITEM_INDEX" val="2"/>
+  <p:tag name="OP_SCP_ITEM_INDEX" val="3"/>
   <p:tag name="OP_SCP_DEFAULT_TEXT" val="单击输入文本描述内容，单击输入文本描述内容"/>
 </p:tagLst>
 </file>
@@ -22832,36 +22308,12 @@
 <file path=ppt/tags/tag81.xml><?xml version="1.0" encoding="utf-8"?>
 <p:tagLst xmlns:a="http://schemas.openxmlformats.org/drawingml/2006/main" xmlns:r="http://schemas.openxmlformats.org/officeDocument/2006/relationships" xmlns:p="http://schemas.openxmlformats.org/presentationml/2006/main">
   <p:tag name="OP_SCP_SHAPE_TYPE" val="Body"/>
-  <p:tag name="OP_SCP_ITEM_INDEX" val="2"/>
+  <p:tag name="OP_SCP_ITEM_INDEX" val="3"/>
   <p:tag name="OP_SCP_DEFAULT_TEXT" val="单击输入文本描述内容，单击输入文本描述内容"/>
 </p:tagLst>
 </file>
 
 <file path=ppt/tags/tag82.xml><?xml version="1.0" encoding="utf-8"?>
-<p:tagLst xmlns:a="http://schemas.openxmlformats.org/drawingml/2006/main" xmlns:r="http://schemas.openxmlformats.org/officeDocument/2006/relationships" xmlns:p="http://schemas.openxmlformats.org/presentationml/2006/main">
-  <p:tag name="OP_SCP_SHAPE_TYPE" val="Body"/>
-  <p:tag name="OP_SCP_ITEM_INDEX" val="3"/>
-  <p:tag name="OP_SCP_DEFAULT_TEXT" val="单击输入文本描述内容，单击输入文本描述内容"/>
-</p:tagLst>
-</file>
-
-<file path=ppt/tags/tag83.xml><?xml version="1.0" encoding="utf-8"?>
-<p:tagLst xmlns:a="http://schemas.openxmlformats.org/drawingml/2006/main" xmlns:r="http://schemas.openxmlformats.org/officeDocument/2006/relationships" xmlns:p="http://schemas.openxmlformats.org/presentationml/2006/main">
-  <p:tag name="OP_SCP_SHAPE_TYPE" val="Body"/>
-  <p:tag name="OP_SCP_ITEM_INDEX" val="3"/>
-  <p:tag name="OP_SCP_DEFAULT_TEXT" val="单击输入文本描述内容，单击输入文本描述内容"/>
-</p:tagLst>
-</file>
-
-<file path=ppt/tags/tag84.xml><?xml version="1.0" encoding="utf-8"?>
-<p:tagLst xmlns:a="http://schemas.openxmlformats.org/drawingml/2006/main" xmlns:r="http://schemas.openxmlformats.org/officeDocument/2006/relationships" xmlns:p="http://schemas.openxmlformats.org/presentationml/2006/main">
-  <p:tag name="OP_SCP_SHAPE_TYPE" val="Body"/>
-  <p:tag name="OP_SCP_ITEM_INDEX" val="3"/>
-  <p:tag name="OP_SCP_DEFAULT_TEXT" val="单击输入文本描述内容，单击输入文本描述内容"/>
-</p:tagLst>
-</file>
-
-<file path=ppt/tags/tag85.xml><?xml version="1.0" encoding="utf-8"?>
 <p:tagLst xmlns:a="http://schemas.openxmlformats.org/drawingml/2006/main" xmlns:r="http://schemas.openxmlformats.org/officeDocument/2006/relationships" xmlns:p="http://schemas.openxmlformats.org/presentationml/2006/main">
   <p:tag name="DATA_TYPE" val="OfficePlusSmartComponent"/>
   <p:tag name="OP_SCP_TAG_VERSION" val="1.0"/>
@@ -22874,20 +22326,20 @@
 </p:tagLst>
 </file>
 
-<file path=ppt/tags/tag86.xml><?xml version="1.0" encoding="utf-8"?>
+<file path=ppt/tags/tag83.xml><?xml version="1.0" encoding="utf-8"?>
 <p:tagLst xmlns:a="http://schemas.openxmlformats.org/drawingml/2006/main" xmlns:r="http://schemas.openxmlformats.org/officeDocument/2006/relationships" xmlns:p="http://schemas.openxmlformats.org/presentationml/2006/main">
   <p:tag name="ADJUSTMENTS" val="9.14252"/>
   <p:tag name="SHADOWSIZE" val="100"/>
 </p:tagLst>
 </file>
 
-<file path=ppt/tags/tag87.xml><?xml version="1.0" encoding="utf-8"?>
+<file path=ppt/tags/tag84.xml><?xml version="1.0" encoding="utf-8"?>
 <p:tagLst xmlns:a="http://schemas.openxmlformats.org/drawingml/2006/main" xmlns:r="http://schemas.openxmlformats.org/officeDocument/2006/relationships" xmlns:p="http://schemas.openxmlformats.org/presentationml/2006/main">
   <p:tag name="SHADOWSIZE" val="101"/>
 </p:tagLst>
 </file>
 
-<file path=ppt/tags/tag88.xml><?xml version="1.0" encoding="utf-8"?>
+<file path=ppt/tags/tag85.xml><?xml version="1.0" encoding="utf-8"?>
 <p:tagLst xmlns:a="http://schemas.openxmlformats.org/drawingml/2006/main" xmlns:r="http://schemas.openxmlformats.org/officeDocument/2006/relationships" xmlns:p="http://schemas.openxmlformats.org/presentationml/2006/main">
   <p:tag name="OP_SCP_SHAPE_TYPE" val="Title"/>
   <p:tag name="OP_SCP_ITEM_INDEX" val="6"/>
@@ -22895,11 +22347,32 @@
 </p:tagLst>
 </file>
 
-<file path=ppt/tags/tag89.xml><?xml version="1.0" encoding="utf-8"?>
+<file path=ppt/tags/tag86.xml><?xml version="1.0" encoding="utf-8"?>
 <p:tagLst xmlns:a="http://schemas.openxmlformats.org/drawingml/2006/main" xmlns:r="http://schemas.openxmlformats.org/officeDocument/2006/relationships" xmlns:p="http://schemas.openxmlformats.org/presentationml/2006/main">
   <p:tag name="OP_SCP_SHAPE_TYPE" val="Body"/>
   <p:tag name="OP_SCP_ITEM_INDEX" val="6"/>
   <p:tag name="OP_SCP_DEFAULT_TEXT" val="单击此处添加文本&#10;单击此处添加文本&#10;单击此处添加文本"/>
+</p:tagLst>
+</file>
+
+<file path=ppt/tags/tag87.xml><?xml version="1.0" encoding="utf-8"?>
+<p:tagLst xmlns:a="http://schemas.openxmlformats.org/drawingml/2006/main" xmlns:r="http://schemas.openxmlformats.org/officeDocument/2006/relationships" xmlns:p="http://schemas.openxmlformats.org/presentationml/2006/main">
+  <p:tag name="OP_SCP_SHAPE_TYPE" val="Index"/>
+  <p:tag name="OP_SCP_ITEM_INDEX" val="6"/>
+  <p:tag name="OP_SCP_DEFAULT_TEXT" val="06"/>
+</p:tagLst>
+</file>
+
+<file path=ppt/tags/tag88.xml><?xml version="1.0" encoding="utf-8"?>
+<p:tagLst xmlns:a="http://schemas.openxmlformats.org/drawingml/2006/main" xmlns:r="http://schemas.openxmlformats.org/officeDocument/2006/relationships" xmlns:p="http://schemas.openxmlformats.org/presentationml/2006/main">
+  <p:tag name="ADJUSTMENTS" val="9.14252"/>
+  <p:tag name="SHADOWSIZE" val="100"/>
+</p:tagLst>
+</file>
+
+<file path=ppt/tags/tag89.xml><?xml version="1.0" encoding="utf-8"?>
+<p:tagLst xmlns:a="http://schemas.openxmlformats.org/drawingml/2006/main" xmlns:r="http://schemas.openxmlformats.org/officeDocument/2006/relationships" xmlns:p="http://schemas.openxmlformats.org/presentationml/2006/main">
+  <p:tag name="SHADOWSIZE" val="101"/>
 </p:tagLst>
 </file>
 
@@ -22913,34 +22386,13 @@
 
 <file path=ppt/tags/tag90.xml><?xml version="1.0" encoding="utf-8"?>
 <p:tagLst xmlns:a="http://schemas.openxmlformats.org/drawingml/2006/main" xmlns:r="http://schemas.openxmlformats.org/officeDocument/2006/relationships" xmlns:p="http://schemas.openxmlformats.org/presentationml/2006/main">
-  <p:tag name="OP_SCP_SHAPE_TYPE" val="Index"/>
-  <p:tag name="OP_SCP_ITEM_INDEX" val="6"/>
-  <p:tag name="OP_SCP_DEFAULT_TEXT" val="06"/>
-</p:tagLst>
-</file>
-
-<file path=ppt/tags/tag91.xml><?xml version="1.0" encoding="utf-8"?>
-<p:tagLst xmlns:a="http://schemas.openxmlformats.org/drawingml/2006/main" xmlns:r="http://schemas.openxmlformats.org/officeDocument/2006/relationships" xmlns:p="http://schemas.openxmlformats.org/presentationml/2006/main">
-  <p:tag name="ADJUSTMENTS" val="9.14252"/>
-  <p:tag name="SHADOWSIZE" val="100"/>
-</p:tagLst>
-</file>
-
-<file path=ppt/tags/tag92.xml><?xml version="1.0" encoding="utf-8"?>
-<p:tagLst xmlns:a="http://schemas.openxmlformats.org/drawingml/2006/main" xmlns:r="http://schemas.openxmlformats.org/officeDocument/2006/relationships" xmlns:p="http://schemas.openxmlformats.org/presentationml/2006/main">
-  <p:tag name="SHADOWSIZE" val="101"/>
-</p:tagLst>
-</file>
-
-<file path=ppt/tags/tag93.xml><?xml version="1.0" encoding="utf-8"?>
-<p:tagLst xmlns:a="http://schemas.openxmlformats.org/drawingml/2006/main" xmlns:r="http://schemas.openxmlformats.org/officeDocument/2006/relationships" xmlns:p="http://schemas.openxmlformats.org/presentationml/2006/main">
   <p:tag name="OP_SCP_SHAPE_TYPE" val="Title"/>
   <p:tag name="OP_SCP_ITEM_INDEX" val="5"/>
   <p:tag name="OP_SCP_DEFAULT_TEXT" val="添加标题"/>
 </p:tagLst>
 </file>
 
-<file path=ppt/tags/tag94.xml><?xml version="1.0" encoding="utf-8"?>
+<file path=ppt/tags/tag91.xml><?xml version="1.0" encoding="utf-8"?>
 <p:tagLst xmlns:a="http://schemas.openxmlformats.org/drawingml/2006/main" xmlns:r="http://schemas.openxmlformats.org/officeDocument/2006/relationships" xmlns:p="http://schemas.openxmlformats.org/presentationml/2006/main">
   <p:tag name="OP_SCP_SHAPE_TYPE" val="Body"/>
   <p:tag name="OP_SCP_ITEM_INDEX" val="5"/>
@@ -22948,7 +22400,7 @@
 </p:tagLst>
 </file>
 
-<file path=ppt/tags/tag95.xml><?xml version="1.0" encoding="utf-8"?>
+<file path=ppt/tags/tag92.xml><?xml version="1.0" encoding="utf-8"?>
 <p:tagLst xmlns:a="http://schemas.openxmlformats.org/drawingml/2006/main" xmlns:r="http://schemas.openxmlformats.org/officeDocument/2006/relationships" xmlns:p="http://schemas.openxmlformats.org/presentationml/2006/main">
   <p:tag name="OP_SCP_SHAPE_TYPE" val="Index"/>
   <p:tag name="OP_SCP_ITEM_INDEX" val="5"/>
@@ -22956,20 +22408,20 @@
 </p:tagLst>
 </file>
 
-<file path=ppt/tags/tag96.xml><?xml version="1.0" encoding="utf-8"?>
+<file path=ppt/tags/tag93.xml><?xml version="1.0" encoding="utf-8"?>
 <p:tagLst xmlns:a="http://schemas.openxmlformats.org/drawingml/2006/main" xmlns:r="http://schemas.openxmlformats.org/officeDocument/2006/relationships" xmlns:p="http://schemas.openxmlformats.org/presentationml/2006/main">
   <p:tag name="ADJUSTMENTS" val="9.14252"/>
   <p:tag name="SHADOWSIZE" val="100"/>
 </p:tagLst>
 </file>
 
-<file path=ppt/tags/tag97.xml><?xml version="1.0" encoding="utf-8"?>
+<file path=ppt/tags/tag94.xml><?xml version="1.0" encoding="utf-8"?>
 <p:tagLst xmlns:a="http://schemas.openxmlformats.org/drawingml/2006/main" xmlns:r="http://schemas.openxmlformats.org/officeDocument/2006/relationships" xmlns:p="http://schemas.openxmlformats.org/presentationml/2006/main">
   <p:tag name="SHADOWSIZE" val="101"/>
 </p:tagLst>
 </file>
 
-<file path=ppt/tags/tag98.xml><?xml version="1.0" encoding="utf-8"?>
+<file path=ppt/tags/tag95.xml><?xml version="1.0" encoding="utf-8"?>
 <p:tagLst xmlns:a="http://schemas.openxmlformats.org/drawingml/2006/main" xmlns:r="http://schemas.openxmlformats.org/officeDocument/2006/relationships" xmlns:p="http://schemas.openxmlformats.org/presentationml/2006/main">
   <p:tag name="OP_SCP_SHAPE_TYPE" val="Title"/>
   <p:tag name="OP_SCP_ITEM_INDEX" val="4"/>
@@ -22977,11 +22429,32 @@
 </p:tagLst>
 </file>
 
-<file path=ppt/tags/tag99.xml><?xml version="1.0" encoding="utf-8"?>
+<file path=ppt/tags/tag96.xml><?xml version="1.0" encoding="utf-8"?>
 <p:tagLst xmlns:a="http://schemas.openxmlformats.org/drawingml/2006/main" xmlns:r="http://schemas.openxmlformats.org/officeDocument/2006/relationships" xmlns:p="http://schemas.openxmlformats.org/presentationml/2006/main">
   <p:tag name="OP_SCP_SHAPE_TYPE" val="Body"/>
   <p:tag name="OP_SCP_ITEM_INDEX" val="4"/>
   <p:tag name="OP_SCP_DEFAULT_TEXT" val="单击此处添加文本&#10;单击此处添加文本&#10;单击此处添加文本"/>
+</p:tagLst>
+</file>
+
+<file path=ppt/tags/tag97.xml><?xml version="1.0" encoding="utf-8"?>
+<p:tagLst xmlns:a="http://schemas.openxmlformats.org/drawingml/2006/main" xmlns:r="http://schemas.openxmlformats.org/officeDocument/2006/relationships" xmlns:p="http://schemas.openxmlformats.org/presentationml/2006/main">
+  <p:tag name="OP_SCP_SHAPE_TYPE" val="Index"/>
+  <p:tag name="OP_SCP_ITEM_INDEX" val="4"/>
+  <p:tag name="OP_SCP_DEFAULT_TEXT" val="04"/>
+</p:tagLst>
+</file>
+
+<file path=ppt/tags/tag98.xml><?xml version="1.0" encoding="utf-8"?>
+<p:tagLst xmlns:a="http://schemas.openxmlformats.org/drawingml/2006/main" xmlns:r="http://schemas.openxmlformats.org/officeDocument/2006/relationships" xmlns:p="http://schemas.openxmlformats.org/presentationml/2006/main">
+  <p:tag name="ADJUSTMENTS" val="9.14252"/>
+  <p:tag name="SHADOWSIZE" val="100"/>
+</p:tagLst>
+</file>
+
+<file path=ppt/tags/tag99.xml><?xml version="1.0" encoding="utf-8"?>
+<p:tagLst xmlns:a="http://schemas.openxmlformats.org/drawingml/2006/main" xmlns:r="http://schemas.openxmlformats.org/officeDocument/2006/relationships" xmlns:p="http://schemas.openxmlformats.org/presentationml/2006/main">
+  <p:tag name="SHADOWSIZE" val="101"/>
 </p:tagLst>
 </file>
 

--- a/Presentation.pptx
+++ b/Presentation.pptx
@@ -222,7 +222,7 @@
           <a:p>
             <a:fld id="{22AF1D2C-FAF0-48F4-83ED-E72EE2A9CAB9}" type="datetimeFigureOut">
               <a:rPr lang="zh-CN" altLang="en-US" smtClean="0"/>
-              <a:t>2025/8/21</a:t>
+              <a:t>2025/8/23</a:t>
             </a:fld>
             <a:endParaRPr lang="zh-CN" altLang="en-US"/>
           </a:p>
@@ -2445,7 +2445,7 @@
           <a:p>
             <a:fld id="{C2DB3A36-2636-4F70-8358-2C020F2EC4F1}" type="datetime1">
               <a:rPr lang="zh-CN" altLang="en-US" smtClean="0"/>
-              <a:t>2025/8/21</a:t>
+              <a:t>2025/8/23</a:t>
             </a:fld>
             <a:endParaRPr lang="zh-CN" altLang="en-US"/>
           </a:p>
@@ -2608,7 +2608,7 @@
           <a:p>
             <a:fld id="{4AB3E7ED-1F97-476F-AF45-F6ECEC92B97E}" type="datetime1">
               <a:rPr lang="zh-CN" altLang="en-US" smtClean="0"/>
-              <a:t>2025/8/21</a:t>
+              <a:t>2025/8/23</a:t>
             </a:fld>
             <a:endParaRPr lang="zh-CN" altLang="en-US"/>
           </a:p>
@@ -2781,7 +2781,7 @@
           <a:p>
             <a:fld id="{C8F20EED-F179-4584-9E0C-6714266207E3}" type="datetime1">
               <a:rPr lang="zh-CN" altLang="en-US" smtClean="0"/>
-              <a:t>2025/8/21</a:t>
+              <a:t>2025/8/23</a:t>
             </a:fld>
             <a:endParaRPr lang="zh-CN" altLang="en-US"/>
           </a:p>
@@ -2944,7 +2944,7 @@
           <a:p>
             <a:fld id="{3E9EEFC1-AB74-421E-BABD-1AB25117FF42}" type="datetime1">
               <a:rPr lang="zh-CN" altLang="en-US" smtClean="0"/>
-              <a:t>2025/8/21</a:t>
+              <a:t>2025/8/23</a:t>
             </a:fld>
             <a:endParaRPr lang="zh-CN" altLang="en-US"/>
           </a:p>
@@ -3184,7 +3184,7 @@
           <a:p>
             <a:fld id="{2C1C2A7A-9E0C-4885-96BB-CDDBBE005C4E}" type="datetime1">
               <a:rPr lang="zh-CN" altLang="en-US" smtClean="0"/>
-              <a:t>2025/8/21</a:t>
+              <a:t>2025/8/23</a:t>
             </a:fld>
             <a:endParaRPr lang="zh-CN" altLang="en-US"/>
           </a:p>
@@ -3408,7 +3408,7 @@
           <a:p>
             <a:fld id="{5A1DF315-9E29-4ACD-ABEE-D6EC5E6AAF2C}" type="datetime1">
               <a:rPr lang="zh-CN" altLang="en-US" smtClean="0"/>
-              <a:t>2025/8/21</a:t>
+              <a:t>2025/8/23</a:t>
             </a:fld>
             <a:endParaRPr lang="zh-CN" altLang="en-US"/>
           </a:p>
@@ -3767,7 +3767,7 @@
           <a:p>
             <a:fld id="{EC7B57C4-D348-4666-B583-697B242C5FBB}" type="datetime1">
               <a:rPr lang="zh-CN" altLang="en-US" smtClean="0"/>
-              <a:t>2025/8/21</a:t>
+              <a:t>2025/8/23</a:t>
             </a:fld>
             <a:endParaRPr lang="zh-CN" altLang="en-US"/>
           </a:p>
@@ -3879,7 +3879,7 @@
           <a:p>
             <a:fld id="{D1398E7A-313D-488D-85D8-AC7FBB6D87C8}" type="datetime1">
               <a:rPr lang="zh-CN" altLang="en-US" smtClean="0"/>
-              <a:t>2025/8/21</a:t>
+              <a:t>2025/8/23</a:t>
             </a:fld>
             <a:endParaRPr lang="zh-CN" altLang="en-US"/>
           </a:p>
@@ -3969,7 +3969,7 @@
           <a:p>
             <a:fld id="{1AA5AF60-8745-441D-B22C-F3BBE63B6672}" type="datetime1">
               <a:rPr lang="zh-CN" altLang="en-US" smtClean="0"/>
-              <a:t>2025/8/21</a:t>
+              <a:t>2025/8/23</a:t>
             </a:fld>
             <a:endParaRPr lang="zh-CN" altLang="en-US"/>
           </a:p>
@@ -4239,7 +4239,7 @@
           <a:p>
             <a:fld id="{41F14423-3D55-44BF-904B-A52B5A518EDD}" type="datetime1">
               <a:rPr lang="zh-CN" altLang="en-US" smtClean="0"/>
-              <a:t>2025/8/21</a:t>
+              <a:t>2025/8/23</a:t>
             </a:fld>
             <a:endParaRPr lang="zh-CN" altLang="en-US"/>
           </a:p>
@@ -4486,7 +4486,7 @@
           <a:p>
             <a:fld id="{3BA8EB87-1A7B-4F77-ACF0-B4FC044FCEC3}" type="datetime1">
               <a:rPr lang="zh-CN" altLang="en-US" smtClean="0"/>
-              <a:t>2025/8/21</a:t>
+              <a:t>2025/8/23</a:t>
             </a:fld>
             <a:endParaRPr lang="zh-CN" altLang="en-US"/>
           </a:p>
@@ -4692,7 +4692,7 @@
           <a:p>
             <a:fld id="{F0E7C935-1142-4D9D-B5B3-A0986099069D}" type="datetime1">
               <a:rPr lang="zh-CN" altLang="en-US" smtClean="0"/>
-              <a:t>2025/8/21</a:t>
+              <a:t>2025/8/23</a:t>
             </a:fld>
             <a:endParaRPr lang="zh-CN" altLang="en-US"/>
           </a:p>
@@ -9998,6 +9998,42 @@
           </a:p>
         </p:txBody>
       </p:sp>
+      <p:pic>
+        <p:nvPicPr>
+          <p:cNvPr id="5" name="图片 4">
+            <a:extLst>
+              <a:ext uri="{FF2B5EF4-FFF2-40B4-BE49-F238E27FC236}">
+                <a16:creationId xmlns:a16="http://schemas.microsoft.com/office/drawing/2014/main" id="{CD506DED-5639-F713-0F28-459654E46DFF}"/>
+              </a:ext>
+            </a:extLst>
+          </p:cNvPr>
+          <p:cNvPicPr>
+            <a:picLocks noChangeAspect="1"/>
+          </p:cNvPicPr>
+          <p:nvPr/>
+        </p:nvPicPr>
+        <p:blipFill>
+          <a:blip r:embed="rId3" cstate="print">
+            <a:extLst>
+              <a:ext uri="{28A0092B-C50C-407E-A947-70E740481C1C}">
+                <a14:useLocalDpi xmlns:a14="http://schemas.microsoft.com/office/drawing/2010/main" val="0"/>
+              </a:ext>
+            </a:extLst>
+          </a:blip>
+          <a:stretch>
+            <a:fillRect/>
+          </a:stretch>
+        </p:blipFill>
+        <p:spPr>
+          <a:xfrm>
+            <a:off x="2850777" y="1082502"/>
+            <a:ext cx="6600584" cy="3211423"/>
+          </a:xfrm>
+          <a:prstGeom prst="rect">
+            <a:avLst/>
+          </a:prstGeom>
+        </p:spPr>
+      </p:pic>
     </p:spTree>
   </p:cSld>
   <p:clrMapOvr>
